--- a/设计图.pptx
+++ b/设计图.pptx
@@ -6,21 +6,23 @@
   </p:sldMasterIdLst>
   <p:sldIdLst>
     <p:sldId id="273" r:id="rId2"/>
-    <p:sldId id="266" r:id="rId3"/>
-    <p:sldId id="262" r:id="rId4"/>
-    <p:sldId id="263" r:id="rId5"/>
-    <p:sldId id="264" r:id="rId6"/>
-    <p:sldId id="265" r:id="rId7"/>
-    <p:sldId id="257" r:id="rId8"/>
-    <p:sldId id="269" r:id="rId9"/>
-    <p:sldId id="258" r:id="rId10"/>
-    <p:sldId id="259" r:id="rId11"/>
-    <p:sldId id="267" r:id="rId12"/>
-    <p:sldId id="260" r:id="rId13"/>
-    <p:sldId id="271" r:id="rId14"/>
-    <p:sldId id="270" r:id="rId15"/>
-    <p:sldId id="272" r:id="rId16"/>
-    <p:sldId id="261" r:id="rId17"/>
+    <p:sldId id="275" r:id="rId3"/>
+    <p:sldId id="274" r:id="rId4"/>
+    <p:sldId id="266" r:id="rId5"/>
+    <p:sldId id="262" r:id="rId6"/>
+    <p:sldId id="263" r:id="rId7"/>
+    <p:sldId id="264" r:id="rId8"/>
+    <p:sldId id="265" r:id="rId9"/>
+    <p:sldId id="257" r:id="rId10"/>
+    <p:sldId id="269" r:id="rId11"/>
+    <p:sldId id="258" r:id="rId12"/>
+    <p:sldId id="259" r:id="rId13"/>
+    <p:sldId id="267" r:id="rId14"/>
+    <p:sldId id="260" r:id="rId15"/>
+    <p:sldId id="271" r:id="rId16"/>
+    <p:sldId id="270" r:id="rId17"/>
+    <p:sldId id="272" r:id="rId18"/>
+    <p:sldId id="261" r:id="rId19"/>
   </p:sldIdLst>
   <p:sldSz cx="12192000" cy="6858000"/>
   <p:notesSz cx="6858000" cy="9144000"/>
@@ -274,7 +276,7 @@
           <a:p>
             <a:fld id="{16DB8297-A855-470F-B671-7CAC9B1953F8}" type="datetimeFigureOut">
               <a:rPr lang="zh-CN" altLang="en-US" smtClean="0"/>
-              <a:t>2019/9/27</a:t>
+              <a:t>2019/10/21</a:t>
             </a:fld>
             <a:endParaRPr lang="zh-CN" altLang="en-US"/>
           </a:p>
@@ -472,7 +474,7 @@
           <a:p>
             <a:fld id="{16DB8297-A855-470F-B671-7CAC9B1953F8}" type="datetimeFigureOut">
               <a:rPr lang="zh-CN" altLang="en-US" smtClean="0"/>
-              <a:t>2019/9/27</a:t>
+              <a:t>2019/10/21</a:t>
             </a:fld>
             <a:endParaRPr lang="zh-CN" altLang="en-US"/>
           </a:p>
@@ -680,7 +682,7 @@
           <a:p>
             <a:fld id="{16DB8297-A855-470F-B671-7CAC9B1953F8}" type="datetimeFigureOut">
               <a:rPr lang="zh-CN" altLang="en-US" smtClean="0"/>
-              <a:t>2019/9/27</a:t>
+              <a:t>2019/10/21</a:t>
             </a:fld>
             <a:endParaRPr lang="zh-CN" altLang="en-US"/>
           </a:p>
@@ -878,7 +880,7 @@
           <a:p>
             <a:fld id="{16DB8297-A855-470F-B671-7CAC9B1953F8}" type="datetimeFigureOut">
               <a:rPr lang="zh-CN" altLang="en-US" smtClean="0"/>
-              <a:t>2019/9/27</a:t>
+              <a:t>2019/10/21</a:t>
             </a:fld>
             <a:endParaRPr lang="zh-CN" altLang="en-US"/>
           </a:p>
@@ -1153,7 +1155,7 @@
           <a:p>
             <a:fld id="{16DB8297-A855-470F-B671-7CAC9B1953F8}" type="datetimeFigureOut">
               <a:rPr lang="zh-CN" altLang="en-US" smtClean="0"/>
-              <a:t>2019/9/27</a:t>
+              <a:t>2019/10/21</a:t>
             </a:fld>
             <a:endParaRPr lang="zh-CN" altLang="en-US"/>
           </a:p>
@@ -1418,7 +1420,7 @@
           <a:p>
             <a:fld id="{16DB8297-A855-470F-B671-7CAC9B1953F8}" type="datetimeFigureOut">
               <a:rPr lang="zh-CN" altLang="en-US" smtClean="0"/>
-              <a:t>2019/9/27</a:t>
+              <a:t>2019/10/21</a:t>
             </a:fld>
             <a:endParaRPr lang="zh-CN" altLang="en-US"/>
           </a:p>
@@ -1830,7 +1832,7 @@
           <a:p>
             <a:fld id="{16DB8297-A855-470F-B671-7CAC9B1953F8}" type="datetimeFigureOut">
               <a:rPr lang="zh-CN" altLang="en-US" smtClean="0"/>
-              <a:t>2019/9/27</a:t>
+              <a:t>2019/10/21</a:t>
             </a:fld>
             <a:endParaRPr lang="zh-CN" altLang="en-US"/>
           </a:p>
@@ -1971,7 +1973,7 @@
           <a:p>
             <a:fld id="{16DB8297-A855-470F-B671-7CAC9B1953F8}" type="datetimeFigureOut">
               <a:rPr lang="zh-CN" altLang="en-US" smtClean="0"/>
-              <a:t>2019/9/27</a:t>
+              <a:t>2019/10/21</a:t>
             </a:fld>
             <a:endParaRPr lang="zh-CN" altLang="en-US"/>
           </a:p>
@@ -2084,7 +2086,7 @@
           <a:p>
             <a:fld id="{16DB8297-A855-470F-B671-7CAC9B1953F8}" type="datetimeFigureOut">
               <a:rPr lang="zh-CN" altLang="en-US" smtClean="0"/>
-              <a:t>2019/9/27</a:t>
+              <a:t>2019/10/21</a:t>
             </a:fld>
             <a:endParaRPr lang="zh-CN" altLang="en-US"/>
           </a:p>
@@ -2395,7 +2397,7 @@
           <a:p>
             <a:fld id="{16DB8297-A855-470F-B671-7CAC9B1953F8}" type="datetimeFigureOut">
               <a:rPr lang="zh-CN" altLang="en-US" smtClean="0"/>
-              <a:t>2019/9/27</a:t>
+              <a:t>2019/10/21</a:t>
             </a:fld>
             <a:endParaRPr lang="zh-CN" altLang="en-US"/>
           </a:p>
@@ -2683,7 +2685,7 @@
           <a:p>
             <a:fld id="{16DB8297-A855-470F-B671-7CAC9B1953F8}" type="datetimeFigureOut">
               <a:rPr lang="zh-CN" altLang="en-US" smtClean="0"/>
-              <a:t>2019/9/27</a:t>
+              <a:t>2019/10/21</a:t>
             </a:fld>
             <a:endParaRPr lang="zh-CN" altLang="en-US"/>
           </a:p>
@@ -2924,7 +2926,7 @@
           <a:p>
             <a:fld id="{16DB8297-A855-470F-B671-7CAC9B1953F8}" type="datetimeFigureOut">
               <a:rPr lang="zh-CN" altLang="en-US" smtClean="0"/>
-              <a:t>2019/9/27</a:t>
+              <a:t>2019/10/21</a:t>
             </a:fld>
             <a:endParaRPr lang="zh-CN" altLang="en-US"/>
           </a:p>
@@ -3408,6 +3410,3072 @@
 </file>
 
 <file path=ppt/slides/slide10.xml><?xml version="1.0" encoding="utf-8"?>
+<p:sld xmlns:a="http://schemas.openxmlformats.org/drawingml/2006/main" xmlns:r="http://schemas.openxmlformats.org/officeDocument/2006/relationships" xmlns:p="http://schemas.openxmlformats.org/presentationml/2006/main">
+  <p:cSld>
+    <p:spTree>
+      <p:nvGrpSpPr>
+        <p:cNvPr id="1" name=""/>
+        <p:cNvGrpSpPr/>
+        <p:nvPr/>
+      </p:nvGrpSpPr>
+      <p:grpSpPr>
+        <a:xfrm>
+          <a:off x="0" y="0"/>
+          <a:ext cx="0" cy="0"/>
+          <a:chOff x="0" y="0"/>
+          <a:chExt cx="0" cy="0"/>
+        </a:xfrm>
+      </p:grpSpPr>
+      <p:sp>
+        <p:nvSpPr>
+          <p:cNvPr id="4" name="圆柱体 3">
+            <a:extLst>
+              <a:ext uri="{FF2B5EF4-FFF2-40B4-BE49-F238E27FC236}">
+                <a16:creationId xmlns:a16="http://schemas.microsoft.com/office/drawing/2014/main" id="{345C3C2C-CCAF-4FD2-9883-4B2EE7222928}"/>
+              </a:ext>
+            </a:extLst>
+          </p:cNvPr>
+          <p:cNvSpPr/>
+          <p:nvPr/>
+        </p:nvSpPr>
+        <p:spPr>
+          <a:xfrm>
+            <a:off x="4019647" y="4823551"/>
+            <a:ext cx="2867025" cy="1962150"/>
+          </a:xfrm>
+          <a:prstGeom prst="can">
+            <a:avLst/>
+          </a:prstGeom>
+          <a:noFill/>
+          <a:ln w="9525" cap="flat" cmpd="sng" algn="ctr">
+            <a:solidFill>
+              <a:schemeClr val="dk1"/>
+            </a:solidFill>
+            <a:prstDash val="solid"/>
+            <a:round/>
+            <a:headEnd type="none" w="med" len="med"/>
+            <a:tailEnd type="none" w="med" len="med"/>
+          </a:ln>
+        </p:spPr>
+        <p:style>
+          <a:lnRef idx="0">
+            <a:scrgbClr r="0" g="0" b="0"/>
+          </a:lnRef>
+          <a:fillRef idx="0">
+            <a:scrgbClr r="0" g="0" b="0"/>
+          </a:fillRef>
+          <a:effectRef idx="0">
+            <a:scrgbClr r="0" g="0" b="0"/>
+          </a:effectRef>
+          <a:fontRef idx="minor">
+            <a:schemeClr val="dk1"/>
+          </a:fontRef>
+        </p:style>
+        <p:txBody>
+          <a:bodyPr rtlCol="0" anchor="ctr"/>
+          <a:lstStyle/>
+          <a:p>
+            <a:pPr algn="ctr"/>
+            <a:r>
+              <a:rPr lang="en-US" altLang="zh-CN" dirty="0"/>
+              <a:t>SQL</a:t>
+            </a:r>
+            <a:r>
+              <a:rPr lang="zh-CN" altLang="en-US" dirty="0"/>
+              <a:t>或</a:t>
+            </a:r>
+            <a:r>
+              <a:rPr lang="en-US" altLang="zh-CN" dirty="0"/>
+              <a:t>Cassandra</a:t>
+            </a:r>
+          </a:p>
+          <a:p>
+            <a:pPr algn="ctr"/>
+            <a:r>
+              <a:rPr lang="zh-CN" altLang="en-US" dirty="0"/>
+              <a:t>数据库</a:t>
+            </a:r>
+          </a:p>
+        </p:txBody>
+      </p:sp>
+      <p:sp>
+        <p:nvSpPr>
+          <p:cNvPr id="5" name="矩形: 折角 4">
+            <a:extLst>
+              <a:ext uri="{FF2B5EF4-FFF2-40B4-BE49-F238E27FC236}">
+                <a16:creationId xmlns:a16="http://schemas.microsoft.com/office/drawing/2014/main" id="{5B281DD3-CA79-4CD1-B94E-ABDB0F8B9B50}"/>
+              </a:ext>
+            </a:extLst>
+          </p:cNvPr>
+          <p:cNvSpPr/>
+          <p:nvPr/>
+        </p:nvSpPr>
+        <p:spPr>
+          <a:xfrm>
+            <a:off x="4019647" y="3154951"/>
+            <a:ext cx="2867025" cy="1114425"/>
+          </a:xfrm>
+          <a:prstGeom prst="foldedCorner">
+            <a:avLst/>
+          </a:prstGeom>
+          <a:noFill/>
+          <a:ln w="9525" cap="flat" cmpd="sng" algn="ctr">
+            <a:solidFill>
+              <a:schemeClr val="dk1"/>
+            </a:solidFill>
+            <a:prstDash val="solid"/>
+            <a:round/>
+            <a:headEnd type="none" w="med" len="med"/>
+            <a:tailEnd type="none" w="med" len="med"/>
+          </a:ln>
+        </p:spPr>
+        <p:style>
+          <a:lnRef idx="0">
+            <a:scrgbClr r="0" g="0" b="0"/>
+          </a:lnRef>
+          <a:fillRef idx="0">
+            <a:scrgbClr r="0" g="0" b="0"/>
+          </a:fillRef>
+          <a:effectRef idx="0">
+            <a:scrgbClr r="0" g="0" b="0"/>
+          </a:effectRef>
+          <a:fontRef idx="minor">
+            <a:schemeClr val="dk1"/>
+          </a:fontRef>
+        </p:style>
+        <p:txBody>
+          <a:bodyPr rtlCol="0" anchor="ctr"/>
+          <a:lstStyle/>
+          <a:p>
+            <a:pPr algn="ctr"/>
+            <a:r>
+              <a:rPr lang="en-US" altLang="zh-CN" dirty="0"/>
+              <a:t>Redis</a:t>
+            </a:r>
+            <a:r>
+              <a:rPr lang="zh-CN" altLang="en-US" dirty="0"/>
+              <a:t>主缓存</a:t>
+            </a:r>
+          </a:p>
+        </p:txBody>
+      </p:sp>
+      <p:sp>
+        <p:nvSpPr>
+          <p:cNvPr id="6" name="流程图: 顺序访问存储器 5">
+            <a:extLst>
+              <a:ext uri="{FF2B5EF4-FFF2-40B4-BE49-F238E27FC236}">
+                <a16:creationId xmlns:a16="http://schemas.microsoft.com/office/drawing/2014/main" id="{84E05B46-B4E8-4FAF-B9E7-B3CFE21DD4DE}"/>
+              </a:ext>
+            </a:extLst>
+          </p:cNvPr>
+          <p:cNvSpPr/>
+          <p:nvPr/>
+        </p:nvSpPr>
+        <p:spPr>
+          <a:xfrm>
+            <a:off x="7915372" y="5084626"/>
+            <a:ext cx="1440000" cy="1440000"/>
+          </a:xfrm>
+          <a:prstGeom prst="flowChartMagneticTape">
+            <a:avLst/>
+          </a:prstGeom>
+        </p:spPr>
+        <p:style>
+          <a:lnRef idx="2">
+            <a:schemeClr val="dk1"/>
+          </a:lnRef>
+          <a:fillRef idx="1">
+            <a:schemeClr val="lt1"/>
+          </a:fillRef>
+          <a:effectRef idx="0">
+            <a:schemeClr val="dk1"/>
+          </a:effectRef>
+          <a:fontRef idx="minor">
+            <a:schemeClr val="dk1"/>
+          </a:fontRef>
+        </p:style>
+        <p:txBody>
+          <a:bodyPr rtlCol="0" anchor="ctr"/>
+          <a:lstStyle/>
+          <a:p>
+            <a:pPr algn="ctr"/>
+            <a:r>
+              <a:rPr lang="zh-CN" altLang="en-US" sz="1600" dirty="0"/>
+              <a:t>主机模式</a:t>
+            </a:r>
+            <a:endParaRPr lang="en-US" altLang="zh-CN" sz="1600" dirty="0"/>
+          </a:p>
+          <a:p>
+            <a:pPr algn="ctr"/>
+            <a:r>
+              <a:rPr lang="zh-CN" altLang="en-US" sz="1600" dirty="0"/>
+              <a:t>应用程序</a:t>
+            </a:r>
+          </a:p>
+        </p:txBody>
+      </p:sp>
+      <p:cxnSp>
+        <p:nvCxnSpPr>
+          <p:cNvPr id="7" name="直接连接符 6">
+            <a:extLst>
+              <a:ext uri="{FF2B5EF4-FFF2-40B4-BE49-F238E27FC236}">
+                <a16:creationId xmlns:a16="http://schemas.microsoft.com/office/drawing/2014/main" id="{0AF433F3-153F-43EB-9A13-F6E597D5D23E}"/>
+              </a:ext>
+            </a:extLst>
+          </p:cNvPr>
+          <p:cNvCxnSpPr>
+            <a:stCxn id="5" idx="3"/>
+            <a:endCxn id="6" idx="1"/>
+          </p:cNvCxnSpPr>
+          <p:nvPr/>
+        </p:nvCxnSpPr>
+        <p:spPr>
+          <a:xfrm>
+            <a:off x="6886672" y="3712164"/>
+            <a:ext cx="1028700" cy="2092462"/>
+          </a:xfrm>
+          <a:prstGeom prst="line">
+            <a:avLst/>
+          </a:prstGeom>
+        </p:spPr>
+        <p:style>
+          <a:lnRef idx="1">
+            <a:schemeClr val="dk1"/>
+          </a:lnRef>
+          <a:fillRef idx="0">
+            <a:schemeClr val="dk1"/>
+          </a:fillRef>
+          <a:effectRef idx="0">
+            <a:schemeClr val="dk1"/>
+          </a:effectRef>
+          <a:fontRef idx="minor">
+            <a:schemeClr val="tx1"/>
+          </a:fontRef>
+        </p:style>
+      </p:cxnSp>
+      <p:cxnSp>
+        <p:nvCxnSpPr>
+          <p:cNvPr id="8" name="直接连接符 7">
+            <a:extLst>
+              <a:ext uri="{FF2B5EF4-FFF2-40B4-BE49-F238E27FC236}">
+                <a16:creationId xmlns:a16="http://schemas.microsoft.com/office/drawing/2014/main" id="{AE3F4BDC-12D1-426B-9372-4348C576AA9F}"/>
+              </a:ext>
+            </a:extLst>
+          </p:cNvPr>
+          <p:cNvCxnSpPr>
+            <a:cxnSpLocks/>
+            <a:stCxn id="4" idx="4"/>
+            <a:endCxn id="6" idx="1"/>
+          </p:cNvCxnSpPr>
+          <p:nvPr/>
+        </p:nvCxnSpPr>
+        <p:spPr>
+          <a:xfrm>
+            <a:off x="6886672" y="5804626"/>
+            <a:ext cx="1028700" cy="0"/>
+          </a:xfrm>
+          <a:prstGeom prst="line">
+            <a:avLst/>
+          </a:prstGeom>
+          <a:ln w="38100"/>
+        </p:spPr>
+        <p:style>
+          <a:lnRef idx="1">
+            <a:schemeClr val="dk1"/>
+          </a:lnRef>
+          <a:fillRef idx="0">
+            <a:schemeClr val="dk1"/>
+          </a:fillRef>
+          <a:effectRef idx="0">
+            <a:schemeClr val="dk1"/>
+          </a:effectRef>
+          <a:fontRef idx="minor">
+            <a:schemeClr val="tx1"/>
+          </a:fontRef>
+        </p:style>
+      </p:cxnSp>
+      <p:sp>
+        <p:nvSpPr>
+          <p:cNvPr id="10" name="流程图: 顺序访问存储器 9">
+            <a:extLst>
+              <a:ext uri="{FF2B5EF4-FFF2-40B4-BE49-F238E27FC236}">
+                <a16:creationId xmlns:a16="http://schemas.microsoft.com/office/drawing/2014/main" id="{A5F26EA4-E9DA-4088-B584-324A62245C5C}"/>
+              </a:ext>
+            </a:extLst>
+          </p:cNvPr>
+          <p:cNvSpPr/>
+          <p:nvPr/>
+        </p:nvSpPr>
+        <p:spPr>
+          <a:xfrm>
+            <a:off x="8203372" y="1401093"/>
+            <a:ext cx="1152000" cy="1152000"/>
+          </a:xfrm>
+          <a:prstGeom prst="flowChartMagneticTape">
+            <a:avLst/>
+          </a:prstGeom>
+        </p:spPr>
+        <p:style>
+          <a:lnRef idx="2">
+            <a:schemeClr val="dk1"/>
+          </a:lnRef>
+          <a:fillRef idx="1">
+            <a:schemeClr val="lt1"/>
+          </a:fillRef>
+          <a:effectRef idx="0">
+            <a:schemeClr val="dk1"/>
+          </a:effectRef>
+          <a:fontRef idx="minor">
+            <a:schemeClr val="dk1"/>
+          </a:fontRef>
+        </p:style>
+        <p:txBody>
+          <a:bodyPr rtlCol="0" anchor="ctr"/>
+          <a:lstStyle/>
+          <a:p>
+            <a:pPr algn="ctr"/>
+            <a:r>
+              <a:rPr lang="zh-CN" altLang="en-US" sz="1200" dirty="0"/>
+              <a:t>从机模式</a:t>
+            </a:r>
+            <a:endParaRPr lang="en-US" altLang="zh-CN" sz="1200" dirty="0"/>
+          </a:p>
+          <a:p>
+            <a:pPr algn="ctr"/>
+            <a:r>
+              <a:rPr lang="zh-CN" altLang="en-US" sz="1200" dirty="0"/>
+              <a:t>应用程序</a:t>
+            </a:r>
+          </a:p>
+        </p:txBody>
+      </p:sp>
+      <p:sp>
+        <p:nvSpPr>
+          <p:cNvPr id="11" name="流程图: 顺序访问存储器 10">
+            <a:extLst>
+              <a:ext uri="{FF2B5EF4-FFF2-40B4-BE49-F238E27FC236}">
+                <a16:creationId xmlns:a16="http://schemas.microsoft.com/office/drawing/2014/main" id="{3517D4F7-AB47-46A2-AB56-5B3D18C7FCF5}"/>
+              </a:ext>
+            </a:extLst>
+          </p:cNvPr>
+          <p:cNvSpPr/>
+          <p:nvPr/>
+        </p:nvSpPr>
+        <p:spPr>
+          <a:xfrm>
+            <a:off x="8203372" y="162901"/>
+            <a:ext cx="1152000" cy="1152000"/>
+          </a:xfrm>
+          <a:prstGeom prst="flowChartMagneticTape">
+            <a:avLst/>
+          </a:prstGeom>
+        </p:spPr>
+        <p:style>
+          <a:lnRef idx="2">
+            <a:schemeClr val="dk1"/>
+          </a:lnRef>
+          <a:fillRef idx="1">
+            <a:schemeClr val="lt1"/>
+          </a:fillRef>
+          <a:effectRef idx="0">
+            <a:schemeClr val="dk1"/>
+          </a:effectRef>
+          <a:fontRef idx="minor">
+            <a:schemeClr val="dk1"/>
+          </a:fontRef>
+        </p:style>
+        <p:txBody>
+          <a:bodyPr rtlCol="0" anchor="ctr"/>
+          <a:lstStyle/>
+          <a:p>
+            <a:pPr algn="ctr"/>
+            <a:r>
+              <a:rPr lang="zh-CN" altLang="en-US" sz="1200" dirty="0"/>
+              <a:t>从机模式</a:t>
+            </a:r>
+            <a:endParaRPr lang="en-US" altLang="zh-CN" sz="1200" dirty="0"/>
+          </a:p>
+          <a:p>
+            <a:pPr algn="ctr"/>
+            <a:r>
+              <a:rPr lang="zh-CN" altLang="en-US" sz="1200" dirty="0"/>
+              <a:t>应用程序</a:t>
+            </a:r>
+          </a:p>
+        </p:txBody>
+      </p:sp>
+      <p:sp>
+        <p:nvSpPr>
+          <p:cNvPr id="12" name="流程图: 顺序访问存储器 11">
+            <a:extLst>
+              <a:ext uri="{FF2B5EF4-FFF2-40B4-BE49-F238E27FC236}">
+                <a16:creationId xmlns:a16="http://schemas.microsoft.com/office/drawing/2014/main" id="{A62710EE-E43A-49A8-9303-F0BDEBA27B98}"/>
+              </a:ext>
+            </a:extLst>
+          </p:cNvPr>
+          <p:cNvSpPr/>
+          <p:nvPr/>
+        </p:nvSpPr>
+        <p:spPr>
+          <a:xfrm>
+            <a:off x="8203372" y="2639285"/>
+            <a:ext cx="1152000" cy="1152000"/>
+          </a:xfrm>
+          <a:prstGeom prst="flowChartMagneticTape">
+            <a:avLst/>
+          </a:prstGeom>
+        </p:spPr>
+        <p:style>
+          <a:lnRef idx="2">
+            <a:schemeClr val="dk1"/>
+          </a:lnRef>
+          <a:fillRef idx="1">
+            <a:schemeClr val="lt1"/>
+          </a:fillRef>
+          <a:effectRef idx="0">
+            <a:schemeClr val="dk1"/>
+          </a:effectRef>
+          <a:fontRef idx="minor">
+            <a:schemeClr val="dk1"/>
+          </a:fontRef>
+        </p:style>
+        <p:txBody>
+          <a:bodyPr rtlCol="0" anchor="ctr"/>
+          <a:lstStyle/>
+          <a:p>
+            <a:pPr algn="ctr"/>
+            <a:r>
+              <a:rPr lang="zh-CN" altLang="en-US" sz="1200" dirty="0"/>
+              <a:t>从机模式</a:t>
+            </a:r>
+            <a:endParaRPr lang="en-US" altLang="zh-CN" sz="1200" dirty="0"/>
+          </a:p>
+          <a:p>
+            <a:pPr algn="ctr"/>
+            <a:r>
+              <a:rPr lang="zh-CN" altLang="en-US" sz="1200" dirty="0"/>
+              <a:t>应用程序</a:t>
+            </a:r>
+          </a:p>
+        </p:txBody>
+      </p:sp>
+      <p:sp>
+        <p:nvSpPr>
+          <p:cNvPr id="15" name="矩形: 折角 14">
+            <a:extLst>
+              <a:ext uri="{FF2B5EF4-FFF2-40B4-BE49-F238E27FC236}">
+                <a16:creationId xmlns:a16="http://schemas.microsoft.com/office/drawing/2014/main" id="{32650A72-8AFF-457E-ABF0-BA6C82C26B94}"/>
+              </a:ext>
+            </a:extLst>
+          </p:cNvPr>
+          <p:cNvSpPr/>
+          <p:nvPr/>
+        </p:nvSpPr>
+        <p:spPr>
+          <a:xfrm>
+            <a:off x="5200746" y="756078"/>
+            <a:ext cx="1685926" cy="1002412"/>
+          </a:xfrm>
+          <a:prstGeom prst="foldedCorner">
+            <a:avLst/>
+          </a:prstGeom>
+          <a:noFill/>
+          <a:ln w="9525" cap="flat" cmpd="sng" algn="ctr">
+            <a:solidFill>
+              <a:schemeClr val="dk1"/>
+            </a:solidFill>
+            <a:prstDash val="solid"/>
+            <a:round/>
+            <a:headEnd type="none" w="med" len="med"/>
+            <a:tailEnd type="none" w="med" len="med"/>
+          </a:ln>
+        </p:spPr>
+        <p:style>
+          <a:lnRef idx="0">
+            <a:scrgbClr r="0" g="0" b="0"/>
+          </a:lnRef>
+          <a:fillRef idx="0">
+            <a:scrgbClr r="0" g="0" b="0"/>
+          </a:fillRef>
+          <a:effectRef idx="0">
+            <a:scrgbClr r="0" g="0" b="0"/>
+          </a:effectRef>
+          <a:fontRef idx="minor">
+            <a:schemeClr val="dk1"/>
+          </a:fontRef>
+        </p:style>
+        <p:txBody>
+          <a:bodyPr rtlCol="0" anchor="ctr"/>
+          <a:lstStyle/>
+          <a:p>
+            <a:pPr algn="ctr"/>
+            <a:r>
+              <a:rPr lang="en-US" altLang="zh-CN" dirty="0"/>
+              <a:t>Redis</a:t>
+            </a:r>
+            <a:r>
+              <a:rPr lang="zh-CN" altLang="en-US" dirty="0"/>
+              <a:t>从缓存</a:t>
+            </a:r>
+          </a:p>
+        </p:txBody>
+      </p:sp>
+      <p:sp>
+        <p:nvSpPr>
+          <p:cNvPr id="16" name="矩形: 折角 15">
+            <a:extLst>
+              <a:ext uri="{FF2B5EF4-FFF2-40B4-BE49-F238E27FC236}">
+                <a16:creationId xmlns:a16="http://schemas.microsoft.com/office/drawing/2014/main" id="{6FC4E8C1-2B55-475E-8A8A-A7FF85A5093A}"/>
+              </a:ext>
+            </a:extLst>
+          </p:cNvPr>
+          <p:cNvSpPr/>
+          <p:nvPr/>
+        </p:nvSpPr>
+        <p:spPr>
+          <a:xfrm>
+            <a:off x="5200746" y="1826589"/>
+            <a:ext cx="1685926" cy="1002412"/>
+          </a:xfrm>
+          <a:prstGeom prst="foldedCorner">
+            <a:avLst/>
+          </a:prstGeom>
+          <a:noFill/>
+          <a:ln w="9525" cap="flat" cmpd="sng" algn="ctr">
+            <a:solidFill>
+              <a:schemeClr val="dk1"/>
+            </a:solidFill>
+            <a:prstDash val="solid"/>
+            <a:round/>
+            <a:headEnd type="none" w="med" len="med"/>
+            <a:tailEnd type="none" w="med" len="med"/>
+          </a:ln>
+        </p:spPr>
+        <p:style>
+          <a:lnRef idx="0">
+            <a:scrgbClr r="0" g="0" b="0"/>
+          </a:lnRef>
+          <a:fillRef idx="0">
+            <a:scrgbClr r="0" g="0" b="0"/>
+          </a:fillRef>
+          <a:effectRef idx="0">
+            <a:scrgbClr r="0" g="0" b="0"/>
+          </a:effectRef>
+          <a:fontRef idx="minor">
+            <a:schemeClr val="dk1"/>
+          </a:fontRef>
+        </p:style>
+        <p:txBody>
+          <a:bodyPr rtlCol="0" anchor="ctr"/>
+          <a:lstStyle/>
+          <a:p>
+            <a:pPr algn="ctr"/>
+            <a:r>
+              <a:rPr lang="en-US" altLang="zh-CN" dirty="0"/>
+              <a:t>Redis</a:t>
+            </a:r>
+            <a:r>
+              <a:rPr lang="zh-CN" altLang="en-US" dirty="0"/>
+              <a:t>从缓存</a:t>
+            </a:r>
+          </a:p>
+        </p:txBody>
+      </p:sp>
+      <p:cxnSp>
+        <p:nvCxnSpPr>
+          <p:cNvPr id="18" name="连接符: 肘形 17">
+            <a:extLst>
+              <a:ext uri="{FF2B5EF4-FFF2-40B4-BE49-F238E27FC236}">
+                <a16:creationId xmlns:a16="http://schemas.microsoft.com/office/drawing/2014/main" id="{D89B4B2B-3831-481A-B096-F59F324D5812}"/>
+              </a:ext>
+            </a:extLst>
+          </p:cNvPr>
+          <p:cNvCxnSpPr>
+            <a:cxnSpLocks/>
+            <a:stCxn id="5" idx="1"/>
+            <a:endCxn id="16" idx="1"/>
+          </p:cNvCxnSpPr>
+          <p:nvPr/>
+        </p:nvCxnSpPr>
+        <p:spPr>
+          <a:xfrm rot="10800000" flipH="1">
+            <a:off x="4019646" y="2327796"/>
+            <a:ext cx="1181099" cy="1384369"/>
+          </a:xfrm>
+          <a:prstGeom prst="bentConnector3">
+            <a:avLst>
+              <a:gd name="adj1" fmla="val -19355"/>
+            </a:avLst>
+          </a:prstGeom>
+        </p:spPr>
+        <p:style>
+          <a:lnRef idx="1">
+            <a:schemeClr val="dk1"/>
+          </a:lnRef>
+          <a:fillRef idx="0">
+            <a:schemeClr val="dk1"/>
+          </a:fillRef>
+          <a:effectRef idx="0">
+            <a:schemeClr val="dk1"/>
+          </a:effectRef>
+          <a:fontRef idx="minor">
+            <a:schemeClr val="tx1"/>
+          </a:fontRef>
+        </p:style>
+      </p:cxnSp>
+      <p:cxnSp>
+        <p:nvCxnSpPr>
+          <p:cNvPr id="20" name="连接符: 肘形 19">
+            <a:extLst>
+              <a:ext uri="{FF2B5EF4-FFF2-40B4-BE49-F238E27FC236}">
+                <a16:creationId xmlns:a16="http://schemas.microsoft.com/office/drawing/2014/main" id="{15AFA41B-13EB-415D-843C-AEAD373DCF25}"/>
+              </a:ext>
+            </a:extLst>
+          </p:cNvPr>
+          <p:cNvCxnSpPr>
+            <a:cxnSpLocks/>
+            <a:stCxn id="5" idx="1"/>
+            <a:endCxn id="15" idx="1"/>
+          </p:cNvCxnSpPr>
+          <p:nvPr/>
+        </p:nvCxnSpPr>
+        <p:spPr>
+          <a:xfrm rot="10800000" flipH="1">
+            <a:off x="4019646" y="1257284"/>
+            <a:ext cx="1181099" cy="2454880"/>
+          </a:xfrm>
+          <a:prstGeom prst="bentConnector3">
+            <a:avLst>
+              <a:gd name="adj1" fmla="val -19355"/>
+            </a:avLst>
+          </a:prstGeom>
+        </p:spPr>
+        <p:style>
+          <a:lnRef idx="1">
+            <a:schemeClr val="dk1"/>
+          </a:lnRef>
+          <a:fillRef idx="0">
+            <a:schemeClr val="dk1"/>
+          </a:fillRef>
+          <a:effectRef idx="0">
+            <a:schemeClr val="dk1"/>
+          </a:effectRef>
+          <a:fontRef idx="minor">
+            <a:schemeClr val="tx1"/>
+          </a:fontRef>
+        </p:style>
+      </p:cxnSp>
+      <p:sp>
+        <p:nvSpPr>
+          <p:cNvPr id="27" name="文本框 26">
+            <a:extLst>
+              <a:ext uri="{FF2B5EF4-FFF2-40B4-BE49-F238E27FC236}">
+                <a16:creationId xmlns:a16="http://schemas.microsoft.com/office/drawing/2014/main" id="{0D77015C-75E8-4AEC-804C-98A3551BE853}"/>
+              </a:ext>
+            </a:extLst>
+          </p:cNvPr>
+          <p:cNvSpPr txBox="1"/>
+          <p:nvPr/>
+        </p:nvSpPr>
+        <p:spPr>
+          <a:xfrm>
+            <a:off x="3834510" y="2569501"/>
+            <a:ext cx="1415772" cy="461665"/>
+          </a:xfrm>
+          <a:prstGeom prst="rect">
+            <a:avLst/>
+          </a:prstGeom>
+          <a:noFill/>
+        </p:spPr>
+        <p:txBody>
+          <a:bodyPr wrap="none" rtlCol="0">
+            <a:spAutoFit/>
+          </a:bodyPr>
+          <a:lstStyle/>
+          <a:p>
+            <a:r>
+              <a:rPr lang="zh-CN" altLang="en-US" sz="2400" dirty="0"/>
+              <a:t>缓存同步</a:t>
+            </a:r>
+          </a:p>
+        </p:txBody>
+      </p:sp>
+      <p:cxnSp>
+        <p:nvCxnSpPr>
+          <p:cNvPr id="39" name="直接连接符 38">
+            <a:extLst>
+              <a:ext uri="{FF2B5EF4-FFF2-40B4-BE49-F238E27FC236}">
+                <a16:creationId xmlns:a16="http://schemas.microsoft.com/office/drawing/2014/main" id="{A6589FEF-E4B6-40D3-BD29-BCDD502FDB19}"/>
+              </a:ext>
+            </a:extLst>
+          </p:cNvPr>
+          <p:cNvCxnSpPr>
+            <a:cxnSpLocks/>
+            <a:stCxn id="11" idx="1"/>
+            <a:endCxn id="15" idx="3"/>
+          </p:cNvCxnSpPr>
+          <p:nvPr/>
+        </p:nvCxnSpPr>
+        <p:spPr>
+          <a:xfrm flipH="1">
+            <a:off x="6886672" y="738901"/>
+            <a:ext cx="1316700" cy="518383"/>
+          </a:xfrm>
+          <a:prstGeom prst="line">
+            <a:avLst/>
+          </a:prstGeom>
+        </p:spPr>
+        <p:style>
+          <a:lnRef idx="1">
+            <a:schemeClr val="dk1"/>
+          </a:lnRef>
+          <a:fillRef idx="0">
+            <a:schemeClr val="dk1"/>
+          </a:fillRef>
+          <a:effectRef idx="0">
+            <a:schemeClr val="dk1"/>
+          </a:effectRef>
+          <a:fontRef idx="minor">
+            <a:schemeClr val="tx1"/>
+          </a:fontRef>
+        </p:style>
+      </p:cxnSp>
+      <p:cxnSp>
+        <p:nvCxnSpPr>
+          <p:cNvPr id="41" name="直接连接符 40">
+            <a:extLst>
+              <a:ext uri="{FF2B5EF4-FFF2-40B4-BE49-F238E27FC236}">
+                <a16:creationId xmlns:a16="http://schemas.microsoft.com/office/drawing/2014/main" id="{96AA7354-36BC-4606-AA64-5757D8DAAAEB}"/>
+              </a:ext>
+            </a:extLst>
+          </p:cNvPr>
+          <p:cNvCxnSpPr>
+            <a:cxnSpLocks/>
+            <a:stCxn id="10" idx="1"/>
+            <a:endCxn id="16" idx="3"/>
+          </p:cNvCxnSpPr>
+          <p:nvPr/>
+        </p:nvCxnSpPr>
+        <p:spPr>
+          <a:xfrm flipH="1">
+            <a:off x="6886672" y="1977093"/>
+            <a:ext cx="1316700" cy="350702"/>
+          </a:xfrm>
+          <a:prstGeom prst="line">
+            <a:avLst/>
+          </a:prstGeom>
+        </p:spPr>
+        <p:style>
+          <a:lnRef idx="1">
+            <a:schemeClr val="dk1"/>
+          </a:lnRef>
+          <a:fillRef idx="0">
+            <a:schemeClr val="dk1"/>
+          </a:fillRef>
+          <a:effectRef idx="0">
+            <a:schemeClr val="dk1"/>
+          </a:effectRef>
+          <a:fontRef idx="minor">
+            <a:schemeClr val="tx1"/>
+          </a:fontRef>
+        </p:style>
+      </p:cxnSp>
+      <p:cxnSp>
+        <p:nvCxnSpPr>
+          <p:cNvPr id="43" name="直接连接符 42">
+            <a:extLst>
+              <a:ext uri="{FF2B5EF4-FFF2-40B4-BE49-F238E27FC236}">
+                <a16:creationId xmlns:a16="http://schemas.microsoft.com/office/drawing/2014/main" id="{146CEDBC-A554-457C-A98E-37CB4E6B3869}"/>
+              </a:ext>
+            </a:extLst>
+          </p:cNvPr>
+          <p:cNvCxnSpPr>
+            <a:stCxn id="12" idx="1"/>
+            <a:endCxn id="15" idx="3"/>
+          </p:cNvCxnSpPr>
+          <p:nvPr/>
+        </p:nvCxnSpPr>
+        <p:spPr>
+          <a:xfrm flipH="1" flipV="1">
+            <a:off x="6886672" y="1257284"/>
+            <a:ext cx="1316700" cy="1958001"/>
+          </a:xfrm>
+          <a:prstGeom prst="line">
+            <a:avLst/>
+          </a:prstGeom>
+        </p:spPr>
+        <p:style>
+          <a:lnRef idx="1">
+            <a:schemeClr val="dk1"/>
+          </a:lnRef>
+          <a:fillRef idx="0">
+            <a:schemeClr val="dk1"/>
+          </a:fillRef>
+          <a:effectRef idx="0">
+            <a:schemeClr val="dk1"/>
+          </a:effectRef>
+          <a:fontRef idx="minor">
+            <a:schemeClr val="tx1"/>
+          </a:fontRef>
+        </p:style>
+      </p:cxnSp>
+      <p:sp>
+        <p:nvSpPr>
+          <p:cNvPr id="49" name="流程图: 顺序访问存储器 48">
+            <a:extLst>
+              <a:ext uri="{FF2B5EF4-FFF2-40B4-BE49-F238E27FC236}">
+                <a16:creationId xmlns:a16="http://schemas.microsoft.com/office/drawing/2014/main" id="{084B000C-28AD-4A7E-A0B6-5AAD072A87A3}"/>
+              </a:ext>
+            </a:extLst>
+          </p:cNvPr>
+          <p:cNvSpPr/>
+          <p:nvPr/>
+        </p:nvSpPr>
+        <p:spPr>
+          <a:xfrm>
+            <a:off x="8203372" y="3879336"/>
+            <a:ext cx="1152000" cy="1152000"/>
+          </a:xfrm>
+          <a:prstGeom prst="flowChartMagneticTape">
+            <a:avLst/>
+          </a:prstGeom>
+        </p:spPr>
+        <p:style>
+          <a:lnRef idx="2">
+            <a:schemeClr val="dk1"/>
+          </a:lnRef>
+          <a:fillRef idx="1">
+            <a:schemeClr val="lt1"/>
+          </a:fillRef>
+          <a:effectRef idx="0">
+            <a:schemeClr val="dk1"/>
+          </a:effectRef>
+          <a:fontRef idx="minor">
+            <a:schemeClr val="dk1"/>
+          </a:fontRef>
+        </p:style>
+        <p:txBody>
+          <a:bodyPr rtlCol="0" anchor="ctr"/>
+          <a:lstStyle/>
+          <a:p>
+            <a:pPr algn="ctr"/>
+            <a:r>
+              <a:rPr lang="zh-CN" altLang="en-US" sz="1200" dirty="0"/>
+              <a:t>从机模式</a:t>
+            </a:r>
+            <a:endParaRPr lang="en-US" altLang="zh-CN" sz="1200" dirty="0"/>
+          </a:p>
+          <a:p>
+            <a:pPr algn="ctr"/>
+            <a:r>
+              <a:rPr lang="zh-CN" altLang="en-US" sz="1200" dirty="0"/>
+              <a:t>应用程序</a:t>
+            </a:r>
+          </a:p>
+        </p:txBody>
+      </p:sp>
+      <p:cxnSp>
+        <p:nvCxnSpPr>
+          <p:cNvPr id="51" name="直接连接符 50">
+            <a:extLst>
+              <a:ext uri="{FF2B5EF4-FFF2-40B4-BE49-F238E27FC236}">
+                <a16:creationId xmlns:a16="http://schemas.microsoft.com/office/drawing/2014/main" id="{9A027E0C-3E52-4014-9CD4-C263028A01CB}"/>
+              </a:ext>
+            </a:extLst>
+          </p:cNvPr>
+          <p:cNvCxnSpPr>
+            <a:stCxn id="49" idx="1"/>
+            <a:endCxn id="5" idx="3"/>
+          </p:cNvCxnSpPr>
+          <p:nvPr/>
+        </p:nvCxnSpPr>
+        <p:spPr>
+          <a:xfrm flipH="1" flipV="1">
+            <a:off x="6886672" y="3712164"/>
+            <a:ext cx="1316700" cy="743172"/>
+          </a:xfrm>
+          <a:prstGeom prst="line">
+            <a:avLst/>
+          </a:prstGeom>
+        </p:spPr>
+        <p:style>
+          <a:lnRef idx="1">
+            <a:schemeClr val="dk1"/>
+          </a:lnRef>
+          <a:fillRef idx="0">
+            <a:schemeClr val="dk1"/>
+          </a:fillRef>
+          <a:effectRef idx="0">
+            <a:schemeClr val="dk1"/>
+          </a:effectRef>
+          <a:fontRef idx="minor">
+            <a:schemeClr val="tx1"/>
+          </a:fontRef>
+        </p:style>
+      </p:cxnSp>
+      <p:sp>
+        <p:nvSpPr>
+          <p:cNvPr id="52" name="文本框 51">
+            <a:extLst>
+              <a:ext uri="{FF2B5EF4-FFF2-40B4-BE49-F238E27FC236}">
+                <a16:creationId xmlns:a16="http://schemas.microsoft.com/office/drawing/2014/main" id="{F76F496C-6F9A-4B11-8BE3-358DA56941A0}"/>
+              </a:ext>
+            </a:extLst>
+          </p:cNvPr>
+          <p:cNvSpPr txBox="1"/>
+          <p:nvPr/>
+        </p:nvSpPr>
+        <p:spPr>
+          <a:xfrm>
+            <a:off x="4573852" y="101091"/>
+            <a:ext cx="3629520" cy="646331"/>
+          </a:xfrm>
+          <a:prstGeom prst="rect">
+            <a:avLst/>
+          </a:prstGeom>
+          <a:noFill/>
+        </p:spPr>
+        <p:txBody>
+          <a:bodyPr wrap="none" rtlCol="0">
+            <a:spAutoFit/>
+          </a:bodyPr>
+          <a:lstStyle/>
+          <a:p>
+            <a:r>
+              <a:rPr lang="zh-CN" altLang="en-US" dirty="0"/>
+              <a:t>一个应用程序可以连接一个缓存</a:t>
+            </a:r>
+            <a:endParaRPr lang="en-US" altLang="zh-CN" dirty="0"/>
+          </a:p>
+          <a:p>
+            <a:r>
+              <a:rPr lang="zh-CN" altLang="en-US" dirty="0"/>
+              <a:t>一个缓存可以被多个应用程序读取</a:t>
+            </a:r>
+          </a:p>
+        </p:txBody>
+      </p:sp>
+      <p:sp>
+        <p:nvSpPr>
+          <p:cNvPr id="23" name="标题 1">
+            <a:extLst>
+              <a:ext uri="{FF2B5EF4-FFF2-40B4-BE49-F238E27FC236}">
+                <a16:creationId xmlns:a16="http://schemas.microsoft.com/office/drawing/2014/main" id="{59295F01-0511-4482-A3D6-6713D1E32A3F}"/>
+              </a:ext>
+            </a:extLst>
+          </p:cNvPr>
+          <p:cNvSpPr>
+            <a:spLocks noGrp="1"/>
+          </p:cNvSpPr>
+          <p:nvPr>
+            <p:ph type="title"/>
+          </p:nvPr>
+        </p:nvSpPr>
+        <p:spPr>
+          <a:xfrm>
+            <a:off x="838200" y="365125"/>
+            <a:ext cx="790575" cy="6159500"/>
+          </a:xfrm>
+        </p:spPr>
+        <p:txBody>
+          <a:bodyPr>
+            <a:normAutofit/>
+          </a:bodyPr>
+          <a:lstStyle/>
+          <a:p>
+            <a:r>
+              <a:rPr lang="zh-CN" altLang="en-US" dirty="0"/>
+              <a:t>一主多从架构</a:t>
+            </a:r>
+          </a:p>
+        </p:txBody>
+      </p:sp>
+      <p:sp>
+        <p:nvSpPr>
+          <p:cNvPr id="24" name="文本框 23">
+            <a:extLst>
+              <a:ext uri="{FF2B5EF4-FFF2-40B4-BE49-F238E27FC236}">
+                <a16:creationId xmlns:a16="http://schemas.microsoft.com/office/drawing/2014/main" id="{6733DB7B-747C-4438-9D4F-C047845B32E9}"/>
+              </a:ext>
+            </a:extLst>
+          </p:cNvPr>
+          <p:cNvSpPr txBox="1"/>
+          <p:nvPr/>
+        </p:nvSpPr>
+        <p:spPr>
+          <a:xfrm>
+            <a:off x="10880422" y="3271749"/>
+            <a:ext cx="1311578" cy="369332"/>
+          </a:xfrm>
+          <a:prstGeom prst="rect">
+            <a:avLst/>
+          </a:prstGeom>
+          <a:noFill/>
+        </p:spPr>
+        <p:txBody>
+          <a:bodyPr wrap="none" rtlCol="0">
+            <a:spAutoFit/>
+          </a:bodyPr>
+          <a:lstStyle/>
+          <a:p>
+            <a:r>
+              <a:rPr lang="en-US" altLang="zh-CN" dirty="0"/>
+              <a:t>RESTful API</a:t>
+            </a:r>
+            <a:endParaRPr lang="zh-CN" altLang="en-US" dirty="0"/>
+          </a:p>
+        </p:txBody>
+      </p:sp>
+      <p:sp>
+        <p:nvSpPr>
+          <p:cNvPr id="25" name="标注: 右箭头 24">
+            <a:extLst>
+              <a:ext uri="{FF2B5EF4-FFF2-40B4-BE49-F238E27FC236}">
+                <a16:creationId xmlns:a16="http://schemas.microsoft.com/office/drawing/2014/main" id="{107BE625-9748-4B5F-AB15-1FD230E558DA}"/>
+              </a:ext>
+            </a:extLst>
+          </p:cNvPr>
+          <p:cNvSpPr/>
+          <p:nvPr/>
+        </p:nvSpPr>
+        <p:spPr>
+          <a:xfrm>
+            <a:off x="9397897" y="323778"/>
+            <a:ext cx="1440000" cy="6265275"/>
+          </a:xfrm>
+          <a:prstGeom prst="rightArrowCallout">
+            <a:avLst/>
+          </a:prstGeom>
+        </p:spPr>
+        <p:style>
+          <a:lnRef idx="2">
+            <a:schemeClr val="dk1"/>
+          </a:lnRef>
+          <a:fillRef idx="1">
+            <a:schemeClr val="lt1"/>
+          </a:fillRef>
+          <a:effectRef idx="0">
+            <a:schemeClr val="dk1"/>
+          </a:effectRef>
+          <a:fontRef idx="minor">
+            <a:schemeClr val="dk1"/>
+          </a:fontRef>
+        </p:style>
+        <p:txBody>
+          <a:bodyPr rtlCol="0" anchor="ctr"/>
+          <a:lstStyle/>
+          <a:p>
+            <a:pPr algn="ctr"/>
+            <a:r>
+              <a:rPr lang="zh-CN" altLang="en-US" dirty="0"/>
+              <a:t>负</a:t>
+            </a:r>
+            <a:endParaRPr lang="en-US" altLang="zh-CN" dirty="0"/>
+          </a:p>
+          <a:p>
+            <a:pPr algn="ctr"/>
+            <a:r>
+              <a:rPr lang="zh-CN" altLang="en-US" dirty="0"/>
+              <a:t>载</a:t>
+            </a:r>
+            <a:endParaRPr lang="en-US" altLang="zh-CN" dirty="0"/>
+          </a:p>
+          <a:p>
+            <a:pPr algn="ctr"/>
+            <a:r>
+              <a:rPr lang="zh-CN" altLang="en-US" dirty="0"/>
+              <a:t>均</a:t>
+            </a:r>
+            <a:endParaRPr lang="en-US" altLang="zh-CN" dirty="0"/>
+          </a:p>
+          <a:p>
+            <a:pPr algn="ctr"/>
+            <a:r>
+              <a:rPr lang="zh-CN" altLang="en-US" dirty="0"/>
+              <a:t>衡</a:t>
+            </a:r>
+          </a:p>
+        </p:txBody>
+      </p:sp>
+    </p:spTree>
+    <p:extLst>
+      <p:ext uri="{BB962C8B-B14F-4D97-AF65-F5344CB8AC3E}">
+        <p14:creationId xmlns:p14="http://schemas.microsoft.com/office/powerpoint/2010/main" val="3200521847"/>
+      </p:ext>
+    </p:extLst>
+  </p:cSld>
+  <p:clrMapOvr>
+    <a:masterClrMapping/>
+  </p:clrMapOvr>
+</p:sld>
+</file>
+
+<file path=ppt/slides/slide11.xml><?xml version="1.0" encoding="utf-8"?>
+<p:sld xmlns:a="http://schemas.openxmlformats.org/drawingml/2006/main" xmlns:r="http://schemas.openxmlformats.org/officeDocument/2006/relationships" xmlns:p="http://schemas.openxmlformats.org/presentationml/2006/main">
+  <p:cSld>
+    <p:spTree>
+      <p:nvGrpSpPr>
+        <p:cNvPr id="1" name=""/>
+        <p:cNvGrpSpPr/>
+        <p:nvPr/>
+      </p:nvGrpSpPr>
+      <p:grpSpPr>
+        <a:xfrm>
+          <a:off x="0" y="0"/>
+          <a:ext cx="0" cy="0"/>
+          <a:chOff x="0" y="0"/>
+          <a:chExt cx="0" cy="0"/>
+        </a:xfrm>
+      </p:grpSpPr>
+      <p:cxnSp>
+        <p:nvCxnSpPr>
+          <p:cNvPr id="30" name="直接连接符 29">
+            <a:extLst>
+              <a:ext uri="{FF2B5EF4-FFF2-40B4-BE49-F238E27FC236}">
+                <a16:creationId xmlns:a16="http://schemas.microsoft.com/office/drawing/2014/main" id="{D1D6A78A-D65E-47BD-A23C-CD3FA0E0D60B}"/>
+              </a:ext>
+            </a:extLst>
+          </p:cNvPr>
+          <p:cNvCxnSpPr>
+            <a:cxnSpLocks/>
+            <a:stCxn id="24" idx="1"/>
+            <a:endCxn id="44" idx="4"/>
+          </p:cNvCxnSpPr>
+          <p:nvPr/>
+        </p:nvCxnSpPr>
+        <p:spPr>
+          <a:xfrm flipH="1">
+            <a:off x="5617336" y="956849"/>
+            <a:ext cx="2271712" cy="304916"/>
+          </a:xfrm>
+          <a:prstGeom prst="line">
+            <a:avLst/>
+          </a:prstGeom>
+          <a:ln w="38100"/>
+        </p:spPr>
+        <p:style>
+          <a:lnRef idx="1">
+            <a:schemeClr val="dk1"/>
+          </a:lnRef>
+          <a:fillRef idx="0">
+            <a:schemeClr val="dk1"/>
+          </a:fillRef>
+          <a:effectRef idx="0">
+            <a:schemeClr val="dk1"/>
+          </a:effectRef>
+          <a:fontRef idx="minor">
+            <a:schemeClr val="tx1"/>
+          </a:fontRef>
+        </p:style>
+      </p:cxnSp>
+      <p:cxnSp>
+        <p:nvCxnSpPr>
+          <p:cNvPr id="32" name="直接连接符 31">
+            <a:extLst>
+              <a:ext uri="{FF2B5EF4-FFF2-40B4-BE49-F238E27FC236}">
+                <a16:creationId xmlns:a16="http://schemas.microsoft.com/office/drawing/2014/main" id="{A9FF5F2F-9051-4E51-B6E4-D0FF0258782B}"/>
+              </a:ext>
+            </a:extLst>
+          </p:cNvPr>
+          <p:cNvCxnSpPr>
+            <a:cxnSpLocks/>
+            <a:stCxn id="14" idx="1"/>
+            <a:endCxn id="44" idx="4"/>
+          </p:cNvCxnSpPr>
+          <p:nvPr/>
+        </p:nvCxnSpPr>
+        <p:spPr>
+          <a:xfrm flipH="1" flipV="1">
+            <a:off x="5617336" y="1261765"/>
+            <a:ext cx="2271712" cy="1283135"/>
+          </a:xfrm>
+          <a:prstGeom prst="line">
+            <a:avLst/>
+          </a:prstGeom>
+          <a:ln w="38100"/>
+        </p:spPr>
+        <p:style>
+          <a:lnRef idx="1">
+            <a:schemeClr val="dk1"/>
+          </a:lnRef>
+          <a:fillRef idx="0">
+            <a:schemeClr val="dk1"/>
+          </a:fillRef>
+          <a:effectRef idx="0">
+            <a:schemeClr val="dk1"/>
+          </a:effectRef>
+          <a:fontRef idx="minor">
+            <a:schemeClr val="tx1"/>
+          </a:fontRef>
+        </p:style>
+      </p:cxnSp>
+      <p:cxnSp>
+        <p:nvCxnSpPr>
+          <p:cNvPr id="34" name="直接连接符 33">
+            <a:extLst>
+              <a:ext uri="{FF2B5EF4-FFF2-40B4-BE49-F238E27FC236}">
+                <a16:creationId xmlns:a16="http://schemas.microsoft.com/office/drawing/2014/main" id="{7864A594-3194-459C-8632-991168E843B3}"/>
+              </a:ext>
+            </a:extLst>
+          </p:cNvPr>
+          <p:cNvCxnSpPr>
+            <a:cxnSpLocks/>
+            <a:stCxn id="18" idx="1"/>
+            <a:endCxn id="43" idx="4"/>
+          </p:cNvCxnSpPr>
+          <p:nvPr/>
+        </p:nvCxnSpPr>
+        <p:spPr>
+          <a:xfrm flipH="1" flipV="1">
+            <a:off x="5617336" y="3456415"/>
+            <a:ext cx="2271712" cy="676536"/>
+          </a:xfrm>
+          <a:prstGeom prst="line">
+            <a:avLst/>
+          </a:prstGeom>
+          <a:ln w="38100"/>
+        </p:spPr>
+        <p:style>
+          <a:lnRef idx="1">
+            <a:schemeClr val="dk1"/>
+          </a:lnRef>
+          <a:fillRef idx="0">
+            <a:schemeClr val="dk1"/>
+          </a:fillRef>
+          <a:effectRef idx="0">
+            <a:schemeClr val="dk1"/>
+          </a:effectRef>
+          <a:fontRef idx="minor">
+            <a:schemeClr val="tx1"/>
+          </a:fontRef>
+        </p:style>
+      </p:cxnSp>
+      <p:cxnSp>
+        <p:nvCxnSpPr>
+          <p:cNvPr id="36" name="直接连接符 35">
+            <a:extLst>
+              <a:ext uri="{FF2B5EF4-FFF2-40B4-BE49-F238E27FC236}">
+                <a16:creationId xmlns:a16="http://schemas.microsoft.com/office/drawing/2014/main" id="{58F0D5A3-58D7-412E-A6C7-10C1D4FE12AF}"/>
+              </a:ext>
+            </a:extLst>
+          </p:cNvPr>
+          <p:cNvCxnSpPr>
+            <a:cxnSpLocks/>
+            <a:stCxn id="21" idx="1"/>
+            <a:endCxn id="47" idx="4"/>
+          </p:cNvCxnSpPr>
+          <p:nvPr/>
+        </p:nvCxnSpPr>
+        <p:spPr>
+          <a:xfrm flipH="1" flipV="1">
+            <a:off x="5617336" y="4553740"/>
+            <a:ext cx="2271712" cy="1167262"/>
+          </a:xfrm>
+          <a:prstGeom prst="line">
+            <a:avLst/>
+          </a:prstGeom>
+          <a:ln w="38100"/>
+        </p:spPr>
+        <p:style>
+          <a:lnRef idx="1">
+            <a:schemeClr val="dk1"/>
+          </a:lnRef>
+          <a:fillRef idx="0">
+            <a:schemeClr val="dk1"/>
+          </a:fillRef>
+          <a:effectRef idx="0">
+            <a:schemeClr val="dk1"/>
+          </a:effectRef>
+          <a:fontRef idx="minor">
+            <a:schemeClr val="tx1"/>
+          </a:fontRef>
+        </p:style>
+      </p:cxnSp>
+      <p:cxnSp>
+        <p:nvCxnSpPr>
+          <p:cNvPr id="38" name="直接连接符 37">
+            <a:extLst>
+              <a:ext uri="{FF2B5EF4-FFF2-40B4-BE49-F238E27FC236}">
+                <a16:creationId xmlns:a16="http://schemas.microsoft.com/office/drawing/2014/main" id="{B5A48DB0-1926-4E1B-A19C-2ED1160C6F74}"/>
+              </a:ext>
+            </a:extLst>
+          </p:cNvPr>
+          <p:cNvCxnSpPr>
+            <a:cxnSpLocks/>
+            <a:stCxn id="14" idx="1"/>
+            <a:endCxn id="41" idx="4"/>
+          </p:cNvCxnSpPr>
+          <p:nvPr/>
+        </p:nvCxnSpPr>
+        <p:spPr>
+          <a:xfrm flipH="1" flipV="1">
+            <a:off x="5617336" y="2359090"/>
+            <a:ext cx="2271712" cy="185810"/>
+          </a:xfrm>
+          <a:prstGeom prst="line">
+            <a:avLst/>
+          </a:prstGeom>
+          <a:ln w="38100"/>
+        </p:spPr>
+        <p:style>
+          <a:lnRef idx="1">
+            <a:schemeClr val="dk1"/>
+          </a:lnRef>
+          <a:fillRef idx="0">
+            <a:schemeClr val="dk1"/>
+          </a:fillRef>
+          <a:effectRef idx="0">
+            <a:schemeClr val="dk1"/>
+          </a:effectRef>
+          <a:fontRef idx="minor">
+            <a:schemeClr val="tx1"/>
+          </a:fontRef>
+        </p:style>
+      </p:cxnSp>
+      <p:cxnSp>
+        <p:nvCxnSpPr>
+          <p:cNvPr id="40" name="直接连接符 39">
+            <a:extLst>
+              <a:ext uri="{FF2B5EF4-FFF2-40B4-BE49-F238E27FC236}">
+                <a16:creationId xmlns:a16="http://schemas.microsoft.com/office/drawing/2014/main" id="{CA8E5E5C-C334-4199-9360-8E3867B04B73}"/>
+              </a:ext>
+            </a:extLst>
+          </p:cNvPr>
+          <p:cNvCxnSpPr>
+            <a:cxnSpLocks/>
+            <a:stCxn id="24" idx="1"/>
+            <a:endCxn id="43" idx="4"/>
+          </p:cNvCxnSpPr>
+          <p:nvPr/>
+        </p:nvCxnSpPr>
+        <p:spPr>
+          <a:xfrm flipH="1">
+            <a:off x="5617336" y="956849"/>
+            <a:ext cx="2271712" cy="2499566"/>
+          </a:xfrm>
+          <a:prstGeom prst="line">
+            <a:avLst/>
+          </a:prstGeom>
+          <a:ln w="38100"/>
+        </p:spPr>
+        <p:style>
+          <a:lnRef idx="1">
+            <a:schemeClr val="dk1"/>
+          </a:lnRef>
+          <a:fillRef idx="0">
+            <a:schemeClr val="dk1"/>
+          </a:fillRef>
+          <a:effectRef idx="0">
+            <a:schemeClr val="dk1"/>
+          </a:effectRef>
+          <a:fontRef idx="minor">
+            <a:schemeClr val="tx1"/>
+          </a:fontRef>
+        </p:style>
+      </p:cxnSp>
+      <p:cxnSp>
+        <p:nvCxnSpPr>
+          <p:cNvPr id="42" name="直接连接符 41">
+            <a:extLst>
+              <a:ext uri="{FF2B5EF4-FFF2-40B4-BE49-F238E27FC236}">
+                <a16:creationId xmlns:a16="http://schemas.microsoft.com/office/drawing/2014/main" id="{993E829C-CB55-4216-8810-0B0D74618C09}"/>
+              </a:ext>
+            </a:extLst>
+          </p:cNvPr>
+          <p:cNvCxnSpPr>
+            <a:cxnSpLocks/>
+            <a:stCxn id="21" idx="1"/>
+            <a:endCxn id="43" idx="4"/>
+          </p:cNvCxnSpPr>
+          <p:nvPr/>
+        </p:nvCxnSpPr>
+        <p:spPr>
+          <a:xfrm flipH="1" flipV="1">
+            <a:off x="5617336" y="3456415"/>
+            <a:ext cx="2271712" cy="2264587"/>
+          </a:xfrm>
+          <a:prstGeom prst="line">
+            <a:avLst/>
+          </a:prstGeom>
+          <a:ln w="38100"/>
+        </p:spPr>
+        <p:style>
+          <a:lnRef idx="1">
+            <a:schemeClr val="dk1"/>
+          </a:lnRef>
+          <a:fillRef idx="0">
+            <a:schemeClr val="dk1"/>
+          </a:fillRef>
+          <a:effectRef idx="0">
+            <a:schemeClr val="dk1"/>
+          </a:effectRef>
+          <a:fontRef idx="minor">
+            <a:schemeClr val="tx1"/>
+          </a:fontRef>
+        </p:style>
+      </p:cxnSp>
+      <p:sp>
+        <p:nvSpPr>
+          <p:cNvPr id="50" name="文本框 49">
+            <a:extLst>
+              <a:ext uri="{FF2B5EF4-FFF2-40B4-BE49-F238E27FC236}">
+                <a16:creationId xmlns:a16="http://schemas.microsoft.com/office/drawing/2014/main" id="{5D360192-CE46-4D76-A19C-D5F2CB21043A}"/>
+              </a:ext>
+            </a:extLst>
+          </p:cNvPr>
+          <p:cNvSpPr txBox="1"/>
+          <p:nvPr/>
+        </p:nvSpPr>
+        <p:spPr>
+          <a:xfrm>
+            <a:off x="10880422" y="3271749"/>
+            <a:ext cx="1311578" cy="369332"/>
+          </a:xfrm>
+          <a:prstGeom prst="rect">
+            <a:avLst/>
+          </a:prstGeom>
+          <a:noFill/>
+        </p:spPr>
+        <p:txBody>
+          <a:bodyPr wrap="none" rtlCol="0">
+            <a:spAutoFit/>
+          </a:bodyPr>
+          <a:lstStyle/>
+          <a:p>
+            <a:r>
+              <a:rPr lang="en-US" altLang="zh-CN" dirty="0"/>
+              <a:t>RESTful API</a:t>
+            </a:r>
+            <a:endParaRPr lang="zh-CN" altLang="en-US" dirty="0"/>
+          </a:p>
+        </p:txBody>
+      </p:sp>
+      <p:sp>
+        <p:nvSpPr>
+          <p:cNvPr id="51" name="标注: 右箭头 50">
+            <a:extLst>
+              <a:ext uri="{FF2B5EF4-FFF2-40B4-BE49-F238E27FC236}">
+                <a16:creationId xmlns:a16="http://schemas.microsoft.com/office/drawing/2014/main" id="{FD49E42F-1F46-41FD-875F-0E949211A455}"/>
+              </a:ext>
+            </a:extLst>
+          </p:cNvPr>
+          <p:cNvSpPr/>
+          <p:nvPr/>
+        </p:nvSpPr>
+        <p:spPr>
+          <a:xfrm>
+            <a:off x="9397897" y="323778"/>
+            <a:ext cx="1440000" cy="6265275"/>
+          </a:xfrm>
+          <a:prstGeom prst="rightArrowCallout">
+            <a:avLst/>
+          </a:prstGeom>
+        </p:spPr>
+        <p:style>
+          <a:lnRef idx="2">
+            <a:schemeClr val="dk1"/>
+          </a:lnRef>
+          <a:fillRef idx="1">
+            <a:schemeClr val="lt1"/>
+          </a:fillRef>
+          <a:effectRef idx="0">
+            <a:schemeClr val="dk1"/>
+          </a:effectRef>
+          <a:fontRef idx="minor">
+            <a:schemeClr val="dk1"/>
+          </a:fontRef>
+        </p:style>
+        <p:txBody>
+          <a:bodyPr rtlCol="0" anchor="ctr"/>
+          <a:lstStyle/>
+          <a:p>
+            <a:pPr algn="ctr"/>
+            <a:r>
+              <a:rPr lang="zh-CN" altLang="en-US" dirty="0"/>
+              <a:t>负</a:t>
+            </a:r>
+            <a:endParaRPr lang="en-US" altLang="zh-CN" dirty="0"/>
+          </a:p>
+          <a:p>
+            <a:pPr algn="ctr"/>
+            <a:r>
+              <a:rPr lang="zh-CN" altLang="en-US" dirty="0"/>
+              <a:t>载</a:t>
+            </a:r>
+            <a:endParaRPr lang="en-US" altLang="zh-CN" dirty="0"/>
+          </a:p>
+          <a:p>
+            <a:pPr algn="ctr"/>
+            <a:r>
+              <a:rPr lang="zh-CN" altLang="en-US" dirty="0"/>
+              <a:t>均</a:t>
+            </a:r>
+            <a:endParaRPr lang="en-US" altLang="zh-CN" dirty="0"/>
+          </a:p>
+          <a:p>
+            <a:pPr algn="ctr"/>
+            <a:r>
+              <a:rPr lang="zh-CN" altLang="en-US" dirty="0"/>
+              <a:t>衡</a:t>
+            </a:r>
+          </a:p>
+        </p:txBody>
+      </p:sp>
+      <p:sp>
+        <p:nvSpPr>
+          <p:cNvPr id="39" name="文本框 38">
+            <a:extLst>
+              <a:ext uri="{FF2B5EF4-FFF2-40B4-BE49-F238E27FC236}">
+                <a16:creationId xmlns:a16="http://schemas.microsoft.com/office/drawing/2014/main" id="{A44A7539-8861-47D1-95BC-9A2CBE8F59C9}"/>
+              </a:ext>
+            </a:extLst>
+          </p:cNvPr>
+          <p:cNvSpPr txBox="1"/>
+          <p:nvPr/>
+        </p:nvSpPr>
+        <p:spPr>
+          <a:xfrm>
+            <a:off x="5371551" y="6309202"/>
+            <a:ext cx="1415772" cy="461665"/>
+          </a:xfrm>
+          <a:prstGeom prst="rect">
+            <a:avLst/>
+          </a:prstGeom>
+          <a:noFill/>
+        </p:spPr>
+        <p:txBody>
+          <a:bodyPr wrap="none" rtlCol="0">
+            <a:spAutoFit/>
+          </a:bodyPr>
+          <a:lstStyle/>
+          <a:p>
+            <a:r>
+              <a:rPr lang="zh-CN" altLang="en-US" sz="2400" dirty="0"/>
+              <a:t>缓存共享</a:t>
+            </a:r>
+          </a:p>
+        </p:txBody>
+      </p:sp>
+      <p:grpSp>
+        <p:nvGrpSpPr>
+          <p:cNvPr id="12" name="组合 11">
+            <a:extLst>
+              <a:ext uri="{FF2B5EF4-FFF2-40B4-BE49-F238E27FC236}">
+                <a16:creationId xmlns:a16="http://schemas.microsoft.com/office/drawing/2014/main" id="{DDBF8B28-9BAD-4DAC-904E-E33D607C5453}"/>
+              </a:ext>
+            </a:extLst>
+          </p:cNvPr>
+          <p:cNvGrpSpPr/>
+          <p:nvPr/>
+        </p:nvGrpSpPr>
+        <p:grpSpPr>
+          <a:xfrm>
+            <a:off x="2188336" y="600562"/>
+            <a:ext cx="3429000" cy="5711705"/>
+            <a:chOff x="638175" y="622299"/>
+            <a:chExt cx="3429000" cy="5711705"/>
+          </a:xfrm>
+        </p:grpSpPr>
+        <p:sp>
+          <p:nvSpPr>
+            <p:cNvPr id="41" name="圆柱体 40">
+              <a:extLst>
+                <a:ext uri="{FF2B5EF4-FFF2-40B4-BE49-F238E27FC236}">
+                  <a16:creationId xmlns:a16="http://schemas.microsoft.com/office/drawing/2014/main" id="{11148FB6-FA92-4D05-94B3-DD125C0B4ADF}"/>
+                </a:ext>
+              </a:extLst>
+            </p:cNvPr>
+            <p:cNvSpPr/>
+            <p:nvPr/>
+          </p:nvSpPr>
+          <p:spPr>
+            <a:xfrm>
+              <a:off x="2714625" y="1725974"/>
+              <a:ext cx="1352550" cy="1309705"/>
+            </a:xfrm>
+            <a:prstGeom prst="can">
+              <a:avLst/>
+            </a:prstGeom>
+            <a:noFill/>
+            <a:ln w="9525" cap="flat" cmpd="sng" algn="ctr">
+              <a:solidFill>
+                <a:schemeClr val="dk1"/>
+              </a:solidFill>
+              <a:prstDash val="solid"/>
+              <a:round/>
+              <a:headEnd type="none" w="med" len="med"/>
+              <a:tailEnd type="none" w="med" len="med"/>
+            </a:ln>
+          </p:spPr>
+          <p:style>
+            <a:lnRef idx="0">
+              <a:scrgbClr r="0" g="0" b="0"/>
+            </a:lnRef>
+            <a:fillRef idx="0">
+              <a:scrgbClr r="0" g="0" b="0"/>
+            </a:fillRef>
+            <a:effectRef idx="0">
+              <a:scrgbClr r="0" g="0" b="0"/>
+            </a:effectRef>
+            <a:fontRef idx="minor">
+              <a:schemeClr val="dk1"/>
+            </a:fontRef>
+          </p:style>
+          <p:txBody>
+            <a:bodyPr rtlCol="0" anchor="ctr"/>
+            <a:lstStyle/>
+            <a:p>
+              <a:pPr algn="ctr"/>
+              <a:r>
+                <a:rPr lang="en-US" altLang="zh-CN" dirty="0"/>
+                <a:t>Cassandra</a:t>
+              </a:r>
+            </a:p>
+            <a:p>
+              <a:pPr algn="ctr"/>
+              <a:r>
+                <a:rPr lang="zh-CN" altLang="en-US" dirty="0"/>
+                <a:t>数据库</a:t>
+              </a:r>
+            </a:p>
+          </p:txBody>
+        </p:sp>
+        <p:sp>
+          <p:nvSpPr>
+            <p:cNvPr id="43" name="圆柱体 42">
+              <a:extLst>
+                <a:ext uri="{FF2B5EF4-FFF2-40B4-BE49-F238E27FC236}">
+                  <a16:creationId xmlns:a16="http://schemas.microsoft.com/office/drawing/2014/main" id="{CBB48458-7F40-4274-B6AD-E3D2D73C0C78}"/>
+                </a:ext>
+              </a:extLst>
+            </p:cNvPr>
+            <p:cNvSpPr/>
+            <p:nvPr/>
+          </p:nvSpPr>
+          <p:spPr>
+            <a:xfrm>
+              <a:off x="2714625" y="2823299"/>
+              <a:ext cx="1352550" cy="1309705"/>
+            </a:xfrm>
+            <a:prstGeom prst="can">
+              <a:avLst/>
+            </a:prstGeom>
+            <a:noFill/>
+            <a:ln w="9525" cap="flat" cmpd="sng" algn="ctr">
+              <a:solidFill>
+                <a:schemeClr val="dk1"/>
+              </a:solidFill>
+              <a:prstDash val="solid"/>
+              <a:round/>
+              <a:headEnd type="none" w="med" len="med"/>
+              <a:tailEnd type="none" w="med" len="med"/>
+            </a:ln>
+          </p:spPr>
+          <p:style>
+            <a:lnRef idx="0">
+              <a:scrgbClr r="0" g="0" b="0"/>
+            </a:lnRef>
+            <a:fillRef idx="0">
+              <a:scrgbClr r="0" g="0" b="0"/>
+            </a:fillRef>
+            <a:effectRef idx="0">
+              <a:scrgbClr r="0" g="0" b="0"/>
+            </a:effectRef>
+            <a:fontRef idx="minor">
+              <a:schemeClr val="dk1"/>
+            </a:fontRef>
+          </p:style>
+          <p:txBody>
+            <a:bodyPr rtlCol="0" anchor="ctr"/>
+            <a:lstStyle/>
+            <a:p>
+              <a:pPr algn="ctr"/>
+              <a:r>
+                <a:rPr lang="en-US" altLang="zh-CN" dirty="0"/>
+                <a:t>Cassandra</a:t>
+              </a:r>
+            </a:p>
+            <a:p>
+              <a:pPr algn="ctr"/>
+              <a:r>
+                <a:rPr lang="zh-CN" altLang="en-US" dirty="0"/>
+                <a:t>数据库</a:t>
+              </a:r>
+            </a:p>
+          </p:txBody>
+        </p:sp>
+        <p:sp>
+          <p:nvSpPr>
+            <p:cNvPr id="44" name="圆柱体 43">
+              <a:extLst>
+                <a:ext uri="{FF2B5EF4-FFF2-40B4-BE49-F238E27FC236}">
+                  <a16:creationId xmlns:a16="http://schemas.microsoft.com/office/drawing/2014/main" id="{A47C10F9-B723-4AE5-B3A3-F74311608931}"/>
+                </a:ext>
+              </a:extLst>
+            </p:cNvPr>
+            <p:cNvSpPr/>
+            <p:nvPr/>
+          </p:nvSpPr>
+          <p:spPr>
+            <a:xfrm>
+              <a:off x="2714625" y="628649"/>
+              <a:ext cx="1352550" cy="1309705"/>
+            </a:xfrm>
+            <a:prstGeom prst="can">
+              <a:avLst/>
+            </a:prstGeom>
+            <a:noFill/>
+            <a:ln w="9525" cap="flat" cmpd="sng" algn="ctr">
+              <a:solidFill>
+                <a:schemeClr val="dk1"/>
+              </a:solidFill>
+              <a:prstDash val="solid"/>
+              <a:round/>
+              <a:headEnd type="none" w="med" len="med"/>
+              <a:tailEnd type="none" w="med" len="med"/>
+            </a:ln>
+          </p:spPr>
+          <p:style>
+            <a:lnRef idx="0">
+              <a:scrgbClr r="0" g="0" b="0"/>
+            </a:lnRef>
+            <a:fillRef idx="0">
+              <a:scrgbClr r="0" g="0" b="0"/>
+            </a:fillRef>
+            <a:effectRef idx="0">
+              <a:scrgbClr r="0" g="0" b="0"/>
+            </a:effectRef>
+            <a:fontRef idx="minor">
+              <a:schemeClr val="dk1"/>
+            </a:fontRef>
+          </p:style>
+          <p:txBody>
+            <a:bodyPr rtlCol="0" anchor="ctr"/>
+            <a:lstStyle/>
+            <a:p>
+              <a:pPr algn="ctr"/>
+              <a:r>
+                <a:rPr lang="en-US" altLang="zh-CN" dirty="0"/>
+                <a:t>Cassandra</a:t>
+              </a:r>
+            </a:p>
+            <a:p>
+              <a:pPr algn="ctr"/>
+              <a:r>
+                <a:rPr lang="zh-CN" altLang="en-US" dirty="0"/>
+                <a:t>数据库</a:t>
+              </a:r>
+            </a:p>
+          </p:txBody>
+        </p:sp>
+        <p:sp>
+          <p:nvSpPr>
+            <p:cNvPr id="45" name="圆柱体 44">
+              <a:extLst>
+                <a:ext uri="{FF2B5EF4-FFF2-40B4-BE49-F238E27FC236}">
+                  <a16:creationId xmlns:a16="http://schemas.microsoft.com/office/drawing/2014/main" id="{778A2DE4-044B-4B9A-B650-A7C490887184}"/>
+                </a:ext>
+              </a:extLst>
+            </p:cNvPr>
+            <p:cNvSpPr/>
+            <p:nvPr/>
+          </p:nvSpPr>
+          <p:spPr>
+            <a:xfrm>
+              <a:off x="2714625" y="5017949"/>
+              <a:ext cx="1352550" cy="1309705"/>
+            </a:xfrm>
+            <a:prstGeom prst="can">
+              <a:avLst/>
+            </a:prstGeom>
+            <a:noFill/>
+            <a:ln w="9525" cap="flat" cmpd="sng" algn="ctr">
+              <a:solidFill>
+                <a:schemeClr val="dk1"/>
+              </a:solidFill>
+              <a:prstDash val="solid"/>
+              <a:round/>
+              <a:headEnd type="none" w="med" len="med"/>
+              <a:tailEnd type="none" w="med" len="med"/>
+            </a:ln>
+          </p:spPr>
+          <p:style>
+            <a:lnRef idx="0">
+              <a:scrgbClr r="0" g="0" b="0"/>
+            </a:lnRef>
+            <a:fillRef idx="0">
+              <a:scrgbClr r="0" g="0" b="0"/>
+            </a:fillRef>
+            <a:effectRef idx="0">
+              <a:scrgbClr r="0" g="0" b="0"/>
+            </a:effectRef>
+            <a:fontRef idx="minor">
+              <a:schemeClr val="dk1"/>
+            </a:fontRef>
+          </p:style>
+          <p:txBody>
+            <a:bodyPr rtlCol="0" anchor="ctr"/>
+            <a:lstStyle/>
+            <a:p>
+              <a:pPr algn="ctr"/>
+              <a:r>
+                <a:rPr lang="en-US" altLang="zh-CN" dirty="0"/>
+                <a:t>Cassandra</a:t>
+              </a:r>
+            </a:p>
+            <a:p>
+              <a:pPr algn="ctr"/>
+              <a:r>
+                <a:rPr lang="zh-CN" altLang="en-US" dirty="0"/>
+                <a:t>数据库</a:t>
+              </a:r>
+            </a:p>
+          </p:txBody>
+        </p:sp>
+        <p:sp>
+          <p:nvSpPr>
+            <p:cNvPr id="47" name="圆柱体 46">
+              <a:extLst>
+                <a:ext uri="{FF2B5EF4-FFF2-40B4-BE49-F238E27FC236}">
+                  <a16:creationId xmlns:a16="http://schemas.microsoft.com/office/drawing/2014/main" id="{7008A72A-6AE4-4C65-8E78-094F98AEC9E2}"/>
+                </a:ext>
+              </a:extLst>
+            </p:cNvPr>
+            <p:cNvSpPr/>
+            <p:nvPr/>
+          </p:nvSpPr>
+          <p:spPr>
+            <a:xfrm>
+              <a:off x="2714625" y="3920624"/>
+              <a:ext cx="1352550" cy="1309705"/>
+            </a:xfrm>
+            <a:prstGeom prst="can">
+              <a:avLst/>
+            </a:prstGeom>
+            <a:noFill/>
+            <a:ln w="9525" cap="flat" cmpd="sng" algn="ctr">
+              <a:solidFill>
+                <a:schemeClr val="dk1"/>
+              </a:solidFill>
+              <a:prstDash val="solid"/>
+              <a:round/>
+              <a:headEnd type="none" w="med" len="med"/>
+              <a:tailEnd type="none" w="med" len="med"/>
+            </a:ln>
+          </p:spPr>
+          <p:style>
+            <a:lnRef idx="0">
+              <a:scrgbClr r="0" g="0" b="0"/>
+            </a:lnRef>
+            <a:fillRef idx="0">
+              <a:scrgbClr r="0" g="0" b="0"/>
+            </a:fillRef>
+            <a:effectRef idx="0">
+              <a:scrgbClr r="0" g="0" b="0"/>
+            </a:effectRef>
+            <a:fontRef idx="minor">
+              <a:schemeClr val="dk1"/>
+            </a:fontRef>
+          </p:style>
+          <p:txBody>
+            <a:bodyPr rtlCol="0" anchor="ctr"/>
+            <a:lstStyle/>
+            <a:p>
+              <a:pPr algn="ctr"/>
+              <a:r>
+                <a:rPr lang="en-US" altLang="zh-CN" dirty="0"/>
+                <a:t>Cassandra</a:t>
+              </a:r>
+            </a:p>
+            <a:p>
+              <a:pPr algn="ctr"/>
+              <a:r>
+                <a:rPr lang="zh-CN" altLang="en-US" dirty="0"/>
+                <a:t>数据库</a:t>
+              </a:r>
+            </a:p>
+          </p:txBody>
+        </p:sp>
+        <p:sp>
+          <p:nvSpPr>
+            <p:cNvPr id="52" name="圆柱体 51">
+              <a:extLst>
+                <a:ext uri="{FF2B5EF4-FFF2-40B4-BE49-F238E27FC236}">
+                  <a16:creationId xmlns:a16="http://schemas.microsoft.com/office/drawing/2014/main" id="{37F974FB-190F-4878-82F1-B773D267B9BE}"/>
+                </a:ext>
+              </a:extLst>
+            </p:cNvPr>
+            <p:cNvSpPr/>
+            <p:nvPr/>
+          </p:nvSpPr>
+          <p:spPr>
+            <a:xfrm>
+              <a:off x="638175" y="1725974"/>
+              <a:ext cx="1352550" cy="1309705"/>
+            </a:xfrm>
+            <a:prstGeom prst="can">
+              <a:avLst/>
+            </a:prstGeom>
+            <a:noFill/>
+            <a:ln w="9525" cap="flat" cmpd="sng" algn="ctr">
+              <a:solidFill>
+                <a:schemeClr val="dk1"/>
+              </a:solidFill>
+              <a:prstDash val="solid"/>
+              <a:round/>
+              <a:headEnd type="none" w="med" len="med"/>
+              <a:tailEnd type="none" w="med" len="med"/>
+            </a:ln>
+          </p:spPr>
+          <p:style>
+            <a:lnRef idx="0">
+              <a:scrgbClr r="0" g="0" b="0"/>
+            </a:lnRef>
+            <a:fillRef idx="0">
+              <a:scrgbClr r="0" g="0" b="0"/>
+            </a:fillRef>
+            <a:effectRef idx="0">
+              <a:scrgbClr r="0" g="0" b="0"/>
+            </a:effectRef>
+            <a:fontRef idx="minor">
+              <a:schemeClr val="dk1"/>
+            </a:fontRef>
+          </p:style>
+          <p:txBody>
+            <a:bodyPr rtlCol="0" anchor="ctr"/>
+            <a:lstStyle/>
+            <a:p>
+              <a:pPr algn="ctr"/>
+              <a:r>
+                <a:rPr lang="en-US" altLang="zh-CN" dirty="0"/>
+                <a:t>Cassandra</a:t>
+              </a:r>
+            </a:p>
+            <a:p>
+              <a:pPr algn="ctr"/>
+              <a:r>
+                <a:rPr lang="zh-CN" altLang="en-US" dirty="0"/>
+                <a:t>数据库</a:t>
+              </a:r>
+            </a:p>
+          </p:txBody>
+        </p:sp>
+        <p:sp>
+          <p:nvSpPr>
+            <p:cNvPr id="53" name="圆柱体 52">
+              <a:extLst>
+                <a:ext uri="{FF2B5EF4-FFF2-40B4-BE49-F238E27FC236}">
+                  <a16:creationId xmlns:a16="http://schemas.microsoft.com/office/drawing/2014/main" id="{DAF10DC7-C425-477D-9EDA-CEE02432A079}"/>
+                </a:ext>
+              </a:extLst>
+            </p:cNvPr>
+            <p:cNvSpPr/>
+            <p:nvPr/>
+          </p:nvSpPr>
+          <p:spPr>
+            <a:xfrm>
+              <a:off x="638175" y="2823299"/>
+              <a:ext cx="1352550" cy="1309705"/>
+            </a:xfrm>
+            <a:prstGeom prst="can">
+              <a:avLst/>
+            </a:prstGeom>
+            <a:noFill/>
+            <a:ln w="9525" cap="flat" cmpd="sng" algn="ctr">
+              <a:solidFill>
+                <a:schemeClr val="dk1"/>
+              </a:solidFill>
+              <a:prstDash val="solid"/>
+              <a:round/>
+              <a:headEnd type="none" w="med" len="med"/>
+              <a:tailEnd type="none" w="med" len="med"/>
+            </a:ln>
+          </p:spPr>
+          <p:style>
+            <a:lnRef idx="0">
+              <a:scrgbClr r="0" g="0" b="0"/>
+            </a:lnRef>
+            <a:fillRef idx="0">
+              <a:scrgbClr r="0" g="0" b="0"/>
+            </a:fillRef>
+            <a:effectRef idx="0">
+              <a:scrgbClr r="0" g="0" b="0"/>
+            </a:effectRef>
+            <a:fontRef idx="minor">
+              <a:schemeClr val="dk1"/>
+            </a:fontRef>
+          </p:style>
+          <p:txBody>
+            <a:bodyPr rtlCol="0" anchor="ctr"/>
+            <a:lstStyle/>
+            <a:p>
+              <a:pPr algn="ctr"/>
+              <a:r>
+                <a:rPr lang="en-US" altLang="zh-CN" dirty="0"/>
+                <a:t>Cassandra</a:t>
+              </a:r>
+            </a:p>
+            <a:p>
+              <a:pPr algn="ctr"/>
+              <a:r>
+                <a:rPr lang="zh-CN" altLang="en-US" dirty="0"/>
+                <a:t>数据库</a:t>
+              </a:r>
+            </a:p>
+          </p:txBody>
+        </p:sp>
+        <p:sp>
+          <p:nvSpPr>
+            <p:cNvPr id="54" name="圆柱体 53">
+              <a:extLst>
+                <a:ext uri="{FF2B5EF4-FFF2-40B4-BE49-F238E27FC236}">
+                  <a16:creationId xmlns:a16="http://schemas.microsoft.com/office/drawing/2014/main" id="{FE6C4943-C857-4495-A747-A2863256AFCD}"/>
+                </a:ext>
+              </a:extLst>
+            </p:cNvPr>
+            <p:cNvSpPr/>
+            <p:nvPr/>
+          </p:nvSpPr>
+          <p:spPr>
+            <a:xfrm>
+              <a:off x="638175" y="628649"/>
+              <a:ext cx="1352550" cy="1309705"/>
+            </a:xfrm>
+            <a:prstGeom prst="can">
+              <a:avLst/>
+            </a:prstGeom>
+            <a:noFill/>
+            <a:ln w="9525" cap="flat" cmpd="sng" algn="ctr">
+              <a:solidFill>
+                <a:schemeClr val="dk1"/>
+              </a:solidFill>
+              <a:prstDash val="solid"/>
+              <a:round/>
+              <a:headEnd type="none" w="med" len="med"/>
+              <a:tailEnd type="none" w="med" len="med"/>
+            </a:ln>
+          </p:spPr>
+          <p:style>
+            <a:lnRef idx="0">
+              <a:scrgbClr r="0" g="0" b="0"/>
+            </a:lnRef>
+            <a:fillRef idx="0">
+              <a:scrgbClr r="0" g="0" b="0"/>
+            </a:fillRef>
+            <a:effectRef idx="0">
+              <a:scrgbClr r="0" g="0" b="0"/>
+            </a:effectRef>
+            <a:fontRef idx="minor">
+              <a:schemeClr val="dk1"/>
+            </a:fontRef>
+          </p:style>
+          <p:txBody>
+            <a:bodyPr rtlCol="0" anchor="ctr"/>
+            <a:lstStyle/>
+            <a:p>
+              <a:pPr algn="ctr"/>
+              <a:r>
+                <a:rPr lang="en-US" altLang="zh-CN" dirty="0"/>
+                <a:t>Cassandra</a:t>
+              </a:r>
+            </a:p>
+            <a:p>
+              <a:pPr algn="ctr"/>
+              <a:r>
+                <a:rPr lang="zh-CN" altLang="en-US" dirty="0"/>
+                <a:t>数据库</a:t>
+              </a:r>
+            </a:p>
+          </p:txBody>
+        </p:sp>
+        <p:sp>
+          <p:nvSpPr>
+            <p:cNvPr id="55" name="圆柱体 54">
+              <a:extLst>
+                <a:ext uri="{FF2B5EF4-FFF2-40B4-BE49-F238E27FC236}">
+                  <a16:creationId xmlns:a16="http://schemas.microsoft.com/office/drawing/2014/main" id="{B43D9C3C-D106-4180-A8C9-EC7CF0D4FAB0}"/>
+                </a:ext>
+              </a:extLst>
+            </p:cNvPr>
+            <p:cNvSpPr/>
+            <p:nvPr/>
+          </p:nvSpPr>
+          <p:spPr>
+            <a:xfrm>
+              <a:off x="638175" y="5017949"/>
+              <a:ext cx="1352550" cy="1309705"/>
+            </a:xfrm>
+            <a:prstGeom prst="can">
+              <a:avLst/>
+            </a:prstGeom>
+            <a:noFill/>
+            <a:ln w="9525" cap="flat" cmpd="sng" algn="ctr">
+              <a:solidFill>
+                <a:schemeClr val="dk1"/>
+              </a:solidFill>
+              <a:prstDash val="solid"/>
+              <a:round/>
+              <a:headEnd type="none" w="med" len="med"/>
+              <a:tailEnd type="none" w="med" len="med"/>
+            </a:ln>
+          </p:spPr>
+          <p:style>
+            <a:lnRef idx="0">
+              <a:scrgbClr r="0" g="0" b="0"/>
+            </a:lnRef>
+            <a:fillRef idx="0">
+              <a:scrgbClr r="0" g="0" b="0"/>
+            </a:fillRef>
+            <a:effectRef idx="0">
+              <a:scrgbClr r="0" g="0" b="0"/>
+            </a:effectRef>
+            <a:fontRef idx="minor">
+              <a:schemeClr val="dk1"/>
+            </a:fontRef>
+          </p:style>
+          <p:txBody>
+            <a:bodyPr rtlCol="0" anchor="ctr"/>
+            <a:lstStyle/>
+            <a:p>
+              <a:pPr algn="ctr"/>
+              <a:r>
+                <a:rPr lang="en-US" altLang="zh-CN" dirty="0"/>
+                <a:t>Cassandra</a:t>
+              </a:r>
+            </a:p>
+            <a:p>
+              <a:pPr algn="ctr"/>
+              <a:r>
+                <a:rPr lang="zh-CN" altLang="en-US" dirty="0"/>
+                <a:t>数据库</a:t>
+              </a:r>
+            </a:p>
+          </p:txBody>
+        </p:sp>
+        <p:sp>
+          <p:nvSpPr>
+            <p:cNvPr id="56" name="圆柱体 55">
+              <a:extLst>
+                <a:ext uri="{FF2B5EF4-FFF2-40B4-BE49-F238E27FC236}">
+                  <a16:creationId xmlns:a16="http://schemas.microsoft.com/office/drawing/2014/main" id="{E11639AE-89F3-40BB-93B8-D9DA891B2C32}"/>
+                </a:ext>
+              </a:extLst>
+            </p:cNvPr>
+            <p:cNvSpPr/>
+            <p:nvPr/>
+          </p:nvSpPr>
+          <p:spPr>
+            <a:xfrm>
+              <a:off x="638175" y="3920624"/>
+              <a:ext cx="1352550" cy="1309705"/>
+            </a:xfrm>
+            <a:prstGeom prst="can">
+              <a:avLst/>
+            </a:prstGeom>
+            <a:noFill/>
+            <a:ln w="9525" cap="flat" cmpd="sng" algn="ctr">
+              <a:solidFill>
+                <a:schemeClr val="dk1"/>
+              </a:solidFill>
+              <a:prstDash val="solid"/>
+              <a:round/>
+              <a:headEnd type="none" w="med" len="med"/>
+              <a:tailEnd type="none" w="med" len="med"/>
+            </a:ln>
+          </p:spPr>
+          <p:style>
+            <a:lnRef idx="0">
+              <a:scrgbClr r="0" g="0" b="0"/>
+            </a:lnRef>
+            <a:fillRef idx="0">
+              <a:scrgbClr r="0" g="0" b="0"/>
+            </a:fillRef>
+            <a:effectRef idx="0">
+              <a:scrgbClr r="0" g="0" b="0"/>
+            </a:effectRef>
+            <a:fontRef idx="minor">
+              <a:schemeClr val="dk1"/>
+            </a:fontRef>
+          </p:style>
+          <p:txBody>
+            <a:bodyPr rtlCol="0" anchor="ctr"/>
+            <a:lstStyle/>
+            <a:p>
+              <a:pPr algn="ctr"/>
+              <a:r>
+                <a:rPr lang="en-US" altLang="zh-CN" dirty="0"/>
+                <a:t>Cassandra</a:t>
+              </a:r>
+            </a:p>
+            <a:p>
+              <a:pPr algn="ctr"/>
+              <a:r>
+                <a:rPr lang="zh-CN" altLang="en-US" dirty="0"/>
+                <a:t>数据库</a:t>
+              </a:r>
+            </a:p>
+          </p:txBody>
+        </p:sp>
+        <p:cxnSp>
+          <p:nvCxnSpPr>
+            <p:cNvPr id="57" name="连接符: 肘形 56">
+              <a:extLst>
+                <a:ext uri="{FF2B5EF4-FFF2-40B4-BE49-F238E27FC236}">
+                  <a16:creationId xmlns:a16="http://schemas.microsoft.com/office/drawing/2014/main" id="{177C5BEF-6FEE-4622-A0B2-594373385A54}"/>
+                </a:ext>
+              </a:extLst>
+            </p:cNvPr>
+            <p:cNvCxnSpPr>
+              <a:stCxn id="54" idx="1"/>
+              <a:endCxn id="44" idx="1"/>
+            </p:cNvCxnSpPr>
+            <p:nvPr/>
+          </p:nvCxnSpPr>
+          <p:spPr>
+            <a:xfrm rot="5400000" flipH="1" flipV="1">
+              <a:off x="2352675" y="-409576"/>
+              <a:ext cx="12700" cy="2076450"/>
+            </a:xfrm>
+            <a:prstGeom prst="bentConnector3">
+              <a:avLst>
+                <a:gd name="adj1" fmla="val 1800000"/>
+              </a:avLst>
+            </a:prstGeom>
+          </p:spPr>
+          <p:style>
+            <a:lnRef idx="1">
+              <a:schemeClr val="dk1"/>
+            </a:lnRef>
+            <a:fillRef idx="0">
+              <a:schemeClr val="dk1"/>
+            </a:fillRef>
+            <a:effectRef idx="0">
+              <a:schemeClr val="dk1"/>
+            </a:effectRef>
+            <a:fontRef idx="minor">
+              <a:schemeClr val="tx1"/>
+            </a:fontRef>
+          </p:style>
+        </p:cxnSp>
+        <p:cxnSp>
+          <p:nvCxnSpPr>
+            <p:cNvPr id="58" name="连接符: 肘形 57">
+              <a:extLst>
+                <a:ext uri="{FF2B5EF4-FFF2-40B4-BE49-F238E27FC236}">
+                  <a16:creationId xmlns:a16="http://schemas.microsoft.com/office/drawing/2014/main" id="{8C0DD6A2-4674-4D49-B26C-B2784DEB872C}"/>
+                </a:ext>
+              </a:extLst>
+            </p:cNvPr>
+            <p:cNvCxnSpPr>
+              <a:stCxn id="45" idx="3"/>
+              <a:endCxn id="55" idx="3"/>
+            </p:cNvCxnSpPr>
+            <p:nvPr/>
+          </p:nvCxnSpPr>
+          <p:spPr>
+            <a:xfrm rot="5400000">
+              <a:off x="2352675" y="5289429"/>
+              <a:ext cx="12700" cy="2076450"/>
+            </a:xfrm>
+            <a:prstGeom prst="bentConnector3">
+              <a:avLst>
+                <a:gd name="adj1" fmla="val 1800000"/>
+              </a:avLst>
+            </a:prstGeom>
+          </p:spPr>
+          <p:style>
+            <a:lnRef idx="1">
+              <a:schemeClr val="dk1"/>
+            </a:lnRef>
+            <a:fillRef idx="0">
+              <a:schemeClr val="dk1"/>
+            </a:fillRef>
+            <a:effectRef idx="0">
+              <a:schemeClr val="dk1"/>
+            </a:effectRef>
+            <a:fontRef idx="minor">
+              <a:schemeClr val="tx1"/>
+            </a:fontRef>
+          </p:style>
+        </p:cxnSp>
+        <p:sp>
+          <p:nvSpPr>
+            <p:cNvPr id="59" name="文本框 58">
+              <a:extLst>
+                <a:ext uri="{FF2B5EF4-FFF2-40B4-BE49-F238E27FC236}">
+                  <a16:creationId xmlns:a16="http://schemas.microsoft.com/office/drawing/2014/main" id="{DD26E2BA-A15D-465A-9704-AB23FA1D5338}"/>
+                </a:ext>
+              </a:extLst>
+            </p:cNvPr>
+            <p:cNvSpPr txBox="1"/>
+            <p:nvPr/>
+          </p:nvSpPr>
+          <p:spPr>
+            <a:xfrm>
+              <a:off x="2128192" y="2693000"/>
+              <a:ext cx="461665" cy="1570302"/>
+            </a:xfrm>
+            <a:prstGeom prst="rect">
+              <a:avLst/>
+            </a:prstGeom>
+            <a:noFill/>
+          </p:spPr>
+          <p:txBody>
+            <a:bodyPr vert="eaVert" wrap="none" rtlCol="0">
+              <a:spAutoFit/>
+            </a:bodyPr>
+            <a:lstStyle/>
+            <a:p>
+              <a:r>
+                <a:rPr lang="en-US" altLang="zh-CN" dirty="0"/>
+                <a:t>Cassandra</a:t>
+              </a:r>
+              <a:r>
+                <a:rPr lang="zh-CN" altLang="en-US" dirty="0"/>
+                <a:t>集群</a:t>
+              </a:r>
+            </a:p>
+          </p:txBody>
+        </p:sp>
+      </p:grpSp>
+      <p:sp>
+        <p:nvSpPr>
+          <p:cNvPr id="61" name="标题 1">
+            <a:extLst>
+              <a:ext uri="{FF2B5EF4-FFF2-40B4-BE49-F238E27FC236}">
+                <a16:creationId xmlns:a16="http://schemas.microsoft.com/office/drawing/2014/main" id="{F7D3584B-FE61-47C4-BA50-78BE42DDD5F4}"/>
+              </a:ext>
+            </a:extLst>
+          </p:cNvPr>
+          <p:cNvSpPr>
+            <a:spLocks noGrp="1"/>
+          </p:cNvSpPr>
+          <p:nvPr>
+            <p:ph type="title"/>
+          </p:nvPr>
+        </p:nvSpPr>
+        <p:spPr>
+          <a:xfrm>
+            <a:off x="838200" y="365125"/>
+            <a:ext cx="790575" cy="6159500"/>
+          </a:xfrm>
+        </p:spPr>
+        <p:txBody>
+          <a:bodyPr>
+            <a:normAutofit/>
+          </a:bodyPr>
+          <a:lstStyle/>
+          <a:p>
+            <a:r>
+              <a:rPr lang="zh-CN" altLang="en-US" dirty="0"/>
+              <a:t>多主机架构</a:t>
+            </a:r>
+          </a:p>
+        </p:txBody>
+      </p:sp>
+      <p:grpSp>
+        <p:nvGrpSpPr>
+          <p:cNvPr id="15" name="组合 14">
+            <a:extLst>
+              <a:ext uri="{FF2B5EF4-FFF2-40B4-BE49-F238E27FC236}">
+                <a16:creationId xmlns:a16="http://schemas.microsoft.com/office/drawing/2014/main" id="{9D00E013-E2BB-41F8-A917-0E28F06306DC}"/>
+              </a:ext>
+            </a:extLst>
+          </p:cNvPr>
+          <p:cNvGrpSpPr/>
+          <p:nvPr/>
+        </p:nvGrpSpPr>
+        <p:grpSpPr>
+          <a:xfrm>
+            <a:off x="6774623" y="1824900"/>
+            <a:ext cx="2554425" cy="1588051"/>
+            <a:chOff x="6543675" y="1408837"/>
+            <a:chExt cx="2554425" cy="1588051"/>
+          </a:xfrm>
+          <a:solidFill>
+            <a:schemeClr val="bg1"/>
+          </a:solidFill>
+        </p:grpSpPr>
+        <p:sp>
+          <p:nvSpPr>
+            <p:cNvPr id="11" name="矩形: 折角 10">
+              <a:extLst>
+                <a:ext uri="{FF2B5EF4-FFF2-40B4-BE49-F238E27FC236}">
+                  <a16:creationId xmlns:a16="http://schemas.microsoft.com/office/drawing/2014/main" id="{49299AE7-906D-4E99-B96C-5BFEBC7D853E}"/>
+                </a:ext>
+              </a:extLst>
+            </p:cNvPr>
+            <p:cNvSpPr/>
+            <p:nvPr/>
+          </p:nvSpPr>
+          <p:spPr>
+            <a:xfrm>
+              <a:off x="6543675" y="2415001"/>
+              <a:ext cx="1440000" cy="581887"/>
+            </a:xfrm>
+            <a:prstGeom prst="foldedCorner">
+              <a:avLst/>
+            </a:prstGeom>
+            <a:grpFill/>
+            <a:ln w="9525" cap="flat" cmpd="sng" algn="ctr">
+              <a:solidFill>
+                <a:schemeClr val="dk1"/>
+              </a:solidFill>
+              <a:prstDash val="solid"/>
+              <a:round/>
+              <a:headEnd type="none" w="med" len="med"/>
+              <a:tailEnd type="none" w="med" len="med"/>
+            </a:ln>
+          </p:spPr>
+          <p:style>
+            <a:lnRef idx="0">
+              <a:scrgbClr r="0" g="0" b="0"/>
+            </a:lnRef>
+            <a:fillRef idx="0">
+              <a:scrgbClr r="0" g="0" b="0"/>
+            </a:fillRef>
+            <a:effectRef idx="0">
+              <a:scrgbClr r="0" g="0" b="0"/>
+            </a:effectRef>
+            <a:fontRef idx="minor">
+              <a:schemeClr val="dk1"/>
+            </a:fontRef>
+          </p:style>
+          <p:txBody>
+            <a:bodyPr rtlCol="0" anchor="ctr"/>
+            <a:lstStyle/>
+            <a:p>
+              <a:pPr algn="ctr"/>
+              <a:r>
+                <a:rPr lang="en-US" altLang="zh-CN" dirty="0"/>
+                <a:t>Redis</a:t>
+              </a:r>
+              <a:r>
+                <a:rPr lang="zh-CN" altLang="en-US" dirty="0"/>
+                <a:t>缓存</a:t>
+              </a:r>
+            </a:p>
+          </p:txBody>
+        </p:sp>
+        <p:sp>
+          <p:nvSpPr>
+            <p:cNvPr id="14" name="流程图: 顺序访问存储器 13">
+              <a:extLst>
+                <a:ext uri="{FF2B5EF4-FFF2-40B4-BE49-F238E27FC236}">
+                  <a16:creationId xmlns:a16="http://schemas.microsoft.com/office/drawing/2014/main" id="{067EEE86-5E2A-4834-95C8-F105A0A4DD34}"/>
+                </a:ext>
+              </a:extLst>
+            </p:cNvPr>
+            <p:cNvSpPr/>
+            <p:nvPr/>
+          </p:nvSpPr>
+          <p:spPr>
+            <a:xfrm>
+              <a:off x="7658100" y="1408837"/>
+              <a:ext cx="1440000" cy="1440000"/>
+            </a:xfrm>
+            <a:prstGeom prst="flowChartMagneticTape">
+              <a:avLst/>
+            </a:prstGeom>
+            <a:grpFill/>
+          </p:spPr>
+          <p:style>
+            <a:lnRef idx="2">
+              <a:schemeClr val="dk1"/>
+            </a:lnRef>
+            <a:fillRef idx="1">
+              <a:schemeClr val="lt1"/>
+            </a:fillRef>
+            <a:effectRef idx="0">
+              <a:schemeClr val="dk1"/>
+            </a:effectRef>
+            <a:fontRef idx="minor">
+              <a:schemeClr val="dk1"/>
+            </a:fontRef>
+          </p:style>
+          <p:txBody>
+            <a:bodyPr rtlCol="0" anchor="ctr"/>
+            <a:lstStyle/>
+            <a:p>
+              <a:pPr algn="ctr"/>
+              <a:r>
+                <a:rPr lang="zh-CN" altLang="en-US" sz="1600" dirty="0"/>
+                <a:t>主机模式</a:t>
+              </a:r>
+              <a:endParaRPr lang="en-US" altLang="zh-CN" sz="1600" dirty="0"/>
+            </a:p>
+            <a:p>
+              <a:pPr algn="ctr"/>
+              <a:r>
+                <a:rPr lang="zh-CN" altLang="en-US" sz="1600" dirty="0"/>
+                <a:t>应用程序</a:t>
+              </a:r>
+            </a:p>
+          </p:txBody>
+        </p:sp>
+      </p:grpSp>
+      <p:grpSp>
+        <p:nvGrpSpPr>
+          <p:cNvPr id="16" name="组合 15">
+            <a:extLst>
+              <a:ext uri="{FF2B5EF4-FFF2-40B4-BE49-F238E27FC236}">
+                <a16:creationId xmlns:a16="http://schemas.microsoft.com/office/drawing/2014/main" id="{7550C146-6C8D-4115-AB22-864B88D4D848}"/>
+              </a:ext>
+            </a:extLst>
+          </p:cNvPr>
+          <p:cNvGrpSpPr/>
+          <p:nvPr/>
+        </p:nvGrpSpPr>
+        <p:grpSpPr>
+          <a:xfrm>
+            <a:off x="6774623" y="3412951"/>
+            <a:ext cx="2554425" cy="1588051"/>
+            <a:chOff x="6543675" y="1408837"/>
+            <a:chExt cx="2554425" cy="1588051"/>
+          </a:xfrm>
+          <a:solidFill>
+            <a:schemeClr val="bg1"/>
+          </a:solidFill>
+        </p:grpSpPr>
+        <p:sp>
+          <p:nvSpPr>
+            <p:cNvPr id="17" name="矩形: 折角 16">
+              <a:extLst>
+                <a:ext uri="{FF2B5EF4-FFF2-40B4-BE49-F238E27FC236}">
+                  <a16:creationId xmlns:a16="http://schemas.microsoft.com/office/drawing/2014/main" id="{BCAC9849-B04B-42E5-BEDC-DF96B85F60C6}"/>
+                </a:ext>
+              </a:extLst>
+            </p:cNvPr>
+            <p:cNvSpPr/>
+            <p:nvPr/>
+          </p:nvSpPr>
+          <p:spPr>
+            <a:xfrm>
+              <a:off x="6543675" y="2415001"/>
+              <a:ext cx="1440000" cy="581887"/>
+            </a:xfrm>
+            <a:prstGeom prst="foldedCorner">
+              <a:avLst/>
+            </a:prstGeom>
+            <a:grpFill/>
+            <a:ln w="9525" cap="flat" cmpd="sng" algn="ctr">
+              <a:solidFill>
+                <a:schemeClr val="dk1"/>
+              </a:solidFill>
+              <a:prstDash val="solid"/>
+              <a:round/>
+              <a:headEnd type="none" w="med" len="med"/>
+              <a:tailEnd type="none" w="med" len="med"/>
+            </a:ln>
+          </p:spPr>
+          <p:style>
+            <a:lnRef idx="0">
+              <a:scrgbClr r="0" g="0" b="0"/>
+            </a:lnRef>
+            <a:fillRef idx="0">
+              <a:scrgbClr r="0" g="0" b="0"/>
+            </a:fillRef>
+            <a:effectRef idx="0">
+              <a:scrgbClr r="0" g="0" b="0"/>
+            </a:effectRef>
+            <a:fontRef idx="minor">
+              <a:schemeClr val="dk1"/>
+            </a:fontRef>
+          </p:style>
+          <p:txBody>
+            <a:bodyPr rtlCol="0" anchor="ctr"/>
+            <a:lstStyle/>
+            <a:p>
+              <a:pPr algn="ctr"/>
+              <a:r>
+                <a:rPr lang="en-US" altLang="zh-CN" dirty="0"/>
+                <a:t>Redis</a:t>
+              </a:r>
+              <a:r>
+                <a:rPr lang="zh-CN" altLang="en-US" dirty="0"/>
+                <a:t>缓存</a:t>
+              </a:r>
+            </a:p>
+          </p:txBody>
+        </p:sp>
+        <p:sp>
+          <p:nvSpPr>
+            <p:cNvPr id="18" name="流程图: 顺序访问存储器 17">
+              <a:extLst>
+                <a:ext uri="{FF2B5EF4-FFF2-40B4-BE49-F238E27FC236}">
+                  <a16:creationId xmlns:a16="http://schemas.microsoft.com/office/drawing/2014/main" id="{2C69D507-9F80-4BEB-9D50-DC5DA97367BA}"/>
+                </a:ext>
+              </a:extLst>
+            </p:cNvPr>
+            <p:cNvSpPr/>
+            <p:nvPr/>
+          </p:nvSpPr>
+          <p:spPr>
+            <a:xfrm>
+              <a:off x="7658100" y="1408837"/>
+              <a:ext cx="1440000" cy="1440000"/>
+            </a:xfrm>
+            <a:prstGeom prst="flowChartMagneticTape">
+              <a:avLst/>
+            </a:prstGeom>
+            <a:grpFill/>
+          </p:spPr>
+          <p:style>
+            <a:lnRef idx="2">
+              <a:schemeClr val="dk1"/>
+            </a:lnRef>
+            <a:fillRef idx="1">
+              <a:schemeClr val="lt1"/>
+            </a:fillRef>
+            <a:effectRef idx="0">
+              <a:schemeClr val="dk1"/>
+            </a:effectRef>
+            <a:fontRef idx="minor">
+              <a:schemeClr val="dk1"/>
+            </a:fontRef>
+          </p:style>
+          <p:txBody>
+            <a:bodyPr rtlCol="0" anchor="ctr"/>
+            <a:lstStyle/>
+            <a:p>
+              <a:pPr algn="ctr"/>
+              <a:r>
+                <a:rPr lang="zh-CN" altLang="en-US" sz="1600" dirty="0"/>
+                <a:t>主机模式</a:t>
+              </a:r>
+              <a:endParaRPr lang="en-US" altLang="zh-CN" sz="1600" dirty="0"/>
+            </a:p>
+            <a:p>
+              <a:pPr algn="ctr"/>
+              <a:r>
+                <a:rPr lang="zh-CN" altLang="en-US" sz="1600" dirty="0"/>
+                <a:t>应用程序</a:t>
+              </a:r>
+            </a:p>
+          </p:txBody>
+        </p:sp>
+      </p:grpSp>
+      <p:grpSp>
+        <p:nvGrpSpPr>
+          <p:cNvPr id="19" name="组合 18">
+            <a:extLst>
+              <a:ext uri="{FF2B5EF4-FFF2-40B4-BE49-F238E27FC236}">
+                <a16:creationId xmlns:a16="http://schemas.microsoft.com/office/drawing/2014/main" id="{677E6FC0-B05A-47C2-A3A7-9111AA7125B9}"/>
+              </a:ext>
+            </a:extLst>
+          </p:cNvPr>
+          <p:cNvGrpSpPr/>
+          <p:nvPr/>
+        </p:nvGrpSpPr>
+        <p:grpSpPr>
+          <a:xfrm>
+            <a:off x="6774623" y="5001002"/>
+            <a:ext cx="2554425" cy="1588051"/>
+            <a:chOff x="6543675" y="1408837"/>
+            <a:chExt cx="2554425" cy="1588051"/>
+          </a:xfrm>
+          <a:solidFill>
+            <a:schemeClr val="bg1"/>
+          </a:solidFill>
+        </p:grpSpPr>
+        <p:sp>
+          <p:nvSpPr>
+            <p:cNvPr id="20" name="矩形: 折角 19">
+              <a:extLst>
+                <a:ext uri="{FF2B5EF4-FFF2-40B4-BE49-F238E27FC236}">
+                  <a16:creationId xmlns:a16="http://schemas.microsoft.com/office/drawing/2014/main" id="{64256532-EA38-4E22-B617-D00A03BCCFB3}"/>
+                </a:ext>
+              </a:extLst>
+            </p:cNvPr>
+            <p:cNvSpPr/>
+            <p:nvPr/>
+          </p:nvSpPr>
+          <p:spPr>
+            <a:xfrm>
+              <a:off x="6543675" y="2415001"/>
+              <a:ext cx="1440000" cy="581887"/>
+            </a:xfrm>
+            <a:prstGeom prst="foldedCorner">
+              <a:avLst/>
+            </a:prstGeom>
+            <a:grpFill/>
+            <a:ln w="9525" cap="flat" cmpd="sng" algn="ctr">
+              <a:solidFill>
+                <a:schemeClr val="dk1"/>
+              </a:solidFill>
+              <a:prstDash val="solid"/>
+              <a:round/>
+              <a:headEnd type="none" w="med" len="med"/>
+              <a:tailEnd type="none" w="med" len="med"/>
+            </a:ln>
+          </p:spPr>
+          <p:style>
+            <a:lnRef idx="0">
+              <a:scrgbClr r="0" g="0" b="0"/>
+            </a:lnRef>
+            <a:fillRef idx="0">
+              <a:scrgbClr r="0" g="0" b="0"/>
+            </a:fillRef>
+            <a:effectRef idx="0">
+              <a:scrgbClr r="0" g="0" b="0"/>
+            </a:effectRef>
+            <a:fontRef idx="minor">
+              <a:schemeClr val="dk1"/>
+            </a:fontRef>
+          </p:style>
+          <p:txBody>
+            <a:bodyPr rtlCol="0" anchor="ctr"/>
+            <a:lstStyle/>
+            <a:p>
+              <a:pPr algn="ctr"/>
+              <a:r>
+                <a:rPr lang="en-US" altLang="zh-CN" dirty="0"/>
+                <a:t>Redis</a:t>
+              </a:r>
+              <a:r>
+                <a:rPr lang="zh-CN" altLang="en-US" dirty="0"/>
+                <a:t>缓存</a:t>
+              </a:r>
+            </a:p>
+          </p:txBody>
+        </p:sp>
+        <p:sp>
+          <p:nvSpPr>
+            <p:cNvPr id="21" name="流程图: 顺序访问存储器 20">
+              <a:extLst>
+                <a:ext uri="{FF2B5EF4-FFF2-40B4-BE49-F238E27FC236}">
+                  <a16:creationId xmlns:a16="http://schemas.microsoft.com/office/drawing/2014/main" id="{B2EBD314-0D61-47D2-A9C7-5745E30974F5}"/>
+                </a:ext>
+              </a:extLst>
+            </p:cNvPr>
+            <p:cNvSpPr/>
+            <p:nvPr/>
+          </p:nvSpPr>
+          <p:spPr>
+            <a:xfrm>
+              <a:off x="7658100" y="1408837"/>
+              <a:ext cx="1440000" cy="1440000"/>
+            </a:xfrm>
+            <a:prstGeom prst="flowChartMagneticTape">
+              <a:avLst/>
+            </a:prstGeom>
+            <a:grpFill/>
+          </p:spPr>
+          <p:style>
+            <a:lnRef idx="2">
+              <a:schemeClr val="dk1"/>
+            </a:lnRef>
+            <a:fillRef idx="1">
+              <a:schemeClr val="lt1"/>
+            </a:fillRef>
+            <a:effectRef idx="0">
+              <a:schemeClr val="dk1"/>
+            </a:effectRef>
+            <a:fontRef idx="minor">
+              <a:schemeClr val="dk1"/>
+            </a:fontRef>
+          </p:style>
+          <p:txBody>
+            <a:bodyPr rtlCol="0" anchor="ctr"/>
+            <a:lstStyle/>
+            <a:p>
+              <a:pPr algn="ctr"/>
+              <a:r>
+                <a:rPr lang="zh-CN" altLang="en-US" sz="1600" dirty="0"/>
+                <a:t>主机模式</a:t>
+              </a:r>
+              <a:endParaRPr lang="en-US" altLang="zh-CN" sz="1600" dirty="0"/>
+            </a:p>
+            <a:p>
+              <a:pPr algn="ctr"/>
+              <a:r>
+                <a:rPr lang="zh-CN" altLang="en-US" sz="1600" dirty="0"/>
+                <a:t>应用程序</a:t>
+              </a:r>
+            </a:p>
+          </p:txBody>
+        </p:sp>
+      </p:grpSp>
+      <p:grpSp>
+        <p:nvGrpSpPr>
+          <p:cNvPr id="22" name="组合 21">
+            <a:extLst>
+              <a:ext uri="{FF2B5EF4-FFF2-40B4-BE49-F238E27FC236}">
+                <a16:creationId xmlns:a16="http://schemas.microsoft.com/office/drawing/2014/main" id="{7DD0A493-3A84-4BD0-B295-41BC841E7CC7}"/>
+              </a:ext>
+            </a:extLst>
+          </p:cNvPr>
+          <p:cNvGrpSpPr/>
+          <p:nvPr/>
+        </p:nvGrpSpPr>
+        <p:grpSpPr>
+          <a:xfrm>
+            <a:off x="6774623" y="236849"/>
+            <a:ext cx="2554425" cy="1588051"/>
+            <a:chOff x="6543675" y="1408837"/>
+            <a:chExt cx="2554425" cy="1588051"/>
+          </a:xfrm>
+          <a:solidFill>
+            <a:schemeClr val="bg1"/>
+          </a:solidFill>
+        </p:grpSpPr>
+        <p:sp>
+          <p:nvSpPr>
+            <p:cNvPr id="23" name="矩形: 折角 22">
+              <a:extLst>
+                <a:ext uri="{FF2B5EF4-FFF2-40B4-BE49-F238E27FC236}">
+                  <a16:creationId xmlns:a16="http://schemas.microsoft.com/office/drawing/2014/main" id="{13C433C5-421A-46A0-8F33-DD92695275EE}"/>
+                </a:ext>
+              </a:extLst>
+            </p:cNvPr>
+            <p:cNvSpPr/>
+            <p:nvPr/>
+          </p:nvSpPr>
+          <p:spPr>
+            <a:xfrm>
+              <a:off x="6543675" y="2415001"/>
+              <a:ext cx="1440000" cy="581887"/>
+            </a:xfrm>
+            <a:prstGeom prst="foldedCorner">
+              <a:avLst/>
+            </a:prstGeom>
+            <a:grpFill/>
+            <a:ln w="9525" cap="flat" cmpd="sng" algn="ctr">
+              <a:solidFill>
+                <a:schemeClr val="dk1"/>
+              </a:solidFill>
+              <a:prstDash val="solid"/>
+              <a:round/>
+              <a:headEnd type="none" w="med" len="med"/>
+              <a:tailEnd type="none" w="med" len="med"/>
+            </a:ln>
+          </p:spPr>
+          <p:style>
+            <a:lnRef idx="0">
+              <a:scrgbClr r="0" g="0" b="0"/>
+            </a:lnRef>
+            <a:fillRef idx="0">
+              <a:scrgbClr r="0" g="0" b="0"/>
+            </a:fillRef>
+            <a:effectRef idx="0">
+              <a:scrgbClr r="0" g="0" b="0"/>
+            </a:effectRef>
+            <a:fontRef idx="minor">
+              <a:schemeClr val="dk1"/>
+            </a:fontRef>
+          </p:style>
+          <p:txBody>
+            <a:bodyPr rtlCol="0" anchor="ctr"/>
+            <a:lstStyle/>
+            <a:p>
+              <a:pPr algn="ctr"/>
+              <a:r>
+                <a:rPr lang="en-US" altLang="zh-CN" dirty="0"/>
+                <a:t>Redis</a:t>
+              </a:r>
+              <a:r>
+                <a:rPr lang="zh-CN" altLang="en-US" dirty="0"/>
+                <a:t>缓存</a:t>
+              </a:r>
+            </a:p>
+          </p:txBody>
+        </p:sp>
+        <p:sp>
+          <p:nvSpPr>
+            <p:cNvPr id="24" name="流程图: 顺序访问存储器 23">
+              <a:extLst>
+                <a:ext uri="{FF2B5EF4-FFF2-40B4-BE49-F238E27FC236}">
+                  <a16:creationId xmlns:a16="http://schemas.microsoft.com/office/drawing/2014/main" id="{BC1BC689-298A-4FAD-B1C7-7A3F75E6F17E}"/>
+                </a:ext>
+              </a:extLst>
+            </p:cNvPr>
+            <p:cNvSpPr/>
+            <p:nvPr/>
+          </p:nvSpPr>
+          <p:spPr>
+            <a:xfrm>
+              <a:off x="7658100" y="1408837"/>
+              <a:ext cx="1440000" cy="1440000"/>
+            </a:xfrm>
+            <a:prstGeom prst="flowChartMagneticTape">
+              <a:avLst/>
+            </a:prstGeom>
+            <a:grpFill/>
+          </p:spPr>
+          <p:style>
+            <a:lnRef idx="2">
+              <a:schemeClr val="dk1"/>
+            </a:lnRef>
+            <a:fillRef idx="1">
+              <a:schemeClr val="lt1"/>
+            </a:fillRef>
+            <a:effectRef idx="0">
+              <a:schemeClr val="dk1"/>
+            </a:effectRef>
+            <a:fontRef idx="minor">
+              <a:schemeClr val="dk1"/>
+            </a:fontRef>
+          </p:style>
+          <p:txBody>
+            <a:bodyPr rtlCol="0" anchor="ctr"/>
+            <a:lstStyle/>
+            <a:p>
+              <a:pPr algn="ctr"/>
+              <a:r>
+                <a:rPr lang="zh-CN" altLang="en-US" sz="1600" dirty="0"/>
+                <a:t>主机模式</a:t>
+              </a:r>
+              <a:endParaRPr lang="en-US" altLang="zh-CN" sz="1600" dirty="0"/>
+            </a:p>
+            <a:p>
+              <a:pPr algn="ctr"/>
+              <a:r>
+                <a:rPr lang="zh-CN" altLang="en-US" sz="1600" dirty="0"/>
+                <a:t>应用程序</a:t>
+              </a:r>
+            </a:p>
+          </p:txBody>
+        </p:sp>
+      </p:grpSp>
+      <p:cxnSp>
+        <p:nvCxnSpPr>
+          <p:cNvPr id="3" name="连接符: 肘形 2">
+            <a:extLst>
+              <a:ext uri="{FF2B5EF4-FFF2-40B4-BE49-F238E27FC236}">
+                <a16:creationId xmlns:a16="http://schemas.microsoft.com/office/drawing/2014/main" id="{E6CDABE3-27AE-4998-A695-F45D50097D48}"/>
+              </a:ext>
+            </a:extLst>
+          </p:cNvPr>
+          <p:cNvCxnSpPr>
+            <a:stCxn id="23" idx="1"/>
+            <a:endCxn id="11" idx="1"/>
+          </p:cNvCxnSpPr>
+          <p:nvPr/>
+        </p:nvCxnSpPr>
+        <p:spPr>
+          <a:xfrm rot="10800000" flipV="1">
+            <a:off x="6774623" y="1533956"/>
+            <a:ext cx="12700" cy="1588051"/>
+          </a:xfrm>
+          <a:prstGeom prst="bentConnector3">
+            <a:avLst>
+              <a:gd name="adj1" fmla="val 1800000"/>
+            </a:avLst>
+          </a:prstGeom>
+        </p:spPr>
+        <p:style>
+          <a:lnRef idx="1">
+            <a:schemeClr val="dk1"/>
+          </a:lnRef>
+          <a:fillRef idx="0">
+            <a:schemeClr val="dk1"/>
+          </a:fillRef>
+          <a:effectRef idx="0">
+            <a:schemeClr val="dk1"/>
+          </a:effectRef>
+          <a:fontRef idx="minor">
+            <a:schemeClr val="tx1"/>
+          </a:fontRef>
+        </p:style>
+      </p:cxnSp>
+      <p:cxnSp>
+        <p:nvCxnSpPr>
+          <p:cNvPr id="33" name="连接符: 肘形 32">
+            <a:extLst>
+              <a:ext uri="{FF2B5EF4-FFF2-40B4-BE49-F238E27FC236}">
+                <a16:creationId xmlns:a16="http://schemas.microsoft.com/office/drawing/2014/main" id="{993D1432-4A16-4686-B748-504A98D0CBED}"/>
+              </a:ext>
+            </a:extLst>
+          </p:cNvPr>
+          <p:cNvCxnSpPr>
+            <a:cxnSpLocks/>
+            <a:stCxn id="11" idx="1"/>
+            <a:endCxn id="17" idx="1"/>
+          </p:cNvCxnSpPr>
+          <p:nvPr/>
+        </p:nvCxnSpPr>
+        <p:spPr>
+          <a:xfrm rot="10800000" flipV="1">
+            <a:off x="6774623" y="3122007"/>
+            <a:ext cx="12700" cy="1588051"/>
+          </a:xfrm>
+          <a:prstGeom prst="bentConnector3">
+            <a:avLst>
+              <a:gd name="adj1" fmla="val 1800000"/>
+            </a:avLst>
+          </a:prstGeom>
+        </p:spPr>
+        <p:style>
+          <a:lnRef idx="1">
+            <a:schemeClr val="dk1"/>
+          </a:lnRef>
+          <a:fillRef idx="0">
+            <a:schemeClr val="dk1"/>
+          </a:fillRef>
+          <a:effectRef idx="0">
+            <a:schemeClr val="dk1"/>
+          </a:effectRef>
+          <a:fontRef idx="minor">
+            <a:schemeClr val="tx1"/>
+          </a:fontRef>
+        </p:style>
+      </p:cxnSp>
+      <p:cxnSp>
+        <p:nvCxnSpPr>
+          <p:cNvPr id="37" name="连接符: 肘形 36">
+            <a:extLst>
+              <a:ext uri="{FF2B5EF4-FFF2-40B4-BE49-F238E27FC236}">
+                <a16:creationId xmlns:a16="http://schemas.microsoft.com/office/drawing/2014/main" id="{3C189CA8-1003-4F9F-B6DB-094DEB074271}"/>
+              </a:ext>
+            </a:extLst>
+          </p:cNvPr>
+          <p:cNvCxnSpPr>
+            <a:cxnSpLocks/>
+            <a:stCxn id="17" idx="1"/>
+            <a:endCxn id="20" idx="1"/>
+          </p:cNvCxnSpPr>
+          <p:nvPr/>
+        </p:nvCxnSpPr>
+        <p:spPr>
+          <a:xfrm rot="10800000" flipV="1">
+            <a:off x="6774623" y="4710058"/>
+            <a:ext cx="12700" cy="1588051"/>
+          </a:xfrm>
+          <a:prstGeom prst="bentConnector3">
+            <a:avLst>
+              <a:gd name="adj1" fmla="val 1800000"/>
+            </a:avLst>
+          </a:prstGeom>
+        </p:spPr>
+        <p:style>
+          <a:lnRef idx="1">
+            <a:schemeClr val="dk1"/>
+          </a:lnRef>
+          <a:fillRef idx="0">
+            <a:schemeClr val="dk1"/>
+          </a:fillRef>
+          <a:effectRef idx="0">
+            <a:schemeClr val="dk1"/>
+          </a:effectRef>
+          <a:fontRef idx="minor">
+            <a:schemeClr val="tx1"/>
+          </a:fontRef>
+        </p:style>
+      </p:cxnSp>
+    </p:spTree>
+    <p:extLst>
+      <p:ext uri="{BB962C8B-B14F-4D97-AF65-F5344CB8AC3E}">
+        <p14:creationId xmlns:p14="http://schemas.microsoft.com/office/powerpoint/2010/main" val="627179383"/>
+      </p:ext>
+    </p:extLst>
+  </p:cSld>
+  <p:clrMapOvr>
+    <a:masterClrMapping/>
+  </p:clrMapOvr>
+</p:sld>
+</file>
+
+<file path=ppt/slides/slide12.xml><?xml version="1.0" encoding="utf-8"?>
 <p:sld xmlns:a="http://schemas.openxmlformats.org/drawingml/2006/main" xmlns:r="http://schemas.openxmlformats.org/officeDocument/2006/relationships" xmlns:p="http://schemas.openxmlformats.org/presentationml/2006/main">
   <p:cSld>
     <p:spTree>
@@ -5944,7 +9012,7 @@
 </p:sld>
 </file>
 
-<file path=ppt/slides/slide11.xml><?xml version="1.0" encoding="utf-8"?>
+<file path=ppt/slides/slide13.xml><?xml version="1.0" encoding="utf-8"?>
 <p:sld xmlns:a="http://schemas.openxmlformats.org/drawingml/2006/main" xmlns:r="http://schemas.openxmlformats.org/officeDocument/2006/relationships" xmlns:p="http://schemas.openxmlformats.org/presentationml/2006/main">
   <p:cSld>
     <p:spTree>
@@ -6027,7 +9095,7 @@
 </p:sld>
 </file>
 
-<file path=ppt/slides/slide12.xml><?xml version="1.0" encoding="utf-8"?>
+<file path=ppt/slides/slide14.xml><?xml version="1.0" encoding="utf-8"?>
 <p:sld xmlns:a="http://schemas.openxmlformats.org/drawingml/2006/main" xmlns:r="http://schemas.openxmlformats.org/officeDocument/2006/relationships" xmlns:p="http://schemas.openxmlformats.org/presentationml/2006/main">
   <p:cSld>
     <p:spTree>
@@ -9817,7 +12885,7 @@
 </p:sld>
 </file>
 
-<file path=ppt/slides/slide13.xml><?xml version="1.0" encoding="utf-8"?>
+<file path=ppt/slides/slide15.xml><?xml version="1.0" encoding="utf-8"?>
 <p:sld xmlns:a="http://schemas.openxmlformats.org/drawingml/2006/main" xmlns:r="http://schemas.openxmlformats.org/officeDocument/2006/relationships" xmlns:p="http://schemas.openxmlformats.org/presentationml/2006/main">
   <p:cSld>
     <p:spTree>
@@ -10386,7 +13454,7 @@
 </p:sld>
 </file>
 
-<file path=ppt/slides/slide14.xml><?xml version="1.0" encoding="utf-8"?>
+<file path=ppt/slides/slide16.xml><?xml version="1.0" encoding="utf-8"?>
 <p:sld xmlns:a="http://schemas.openxmlformats.org/drawingml/2006/main" xmlns:r="http://schemas.openxmlformats.org/officeDocument/2006/relationships" xmlns:p="http://schemas.openxmlformats.org/presentationml/2006/main">
   <p:cSld>
     <p:spTree>
@@ -12042,7 +15110,7 @@
 </p:sld>
 </file>
 
-<file path=ppt/slides/slide15.xml><?xml version="1.0" encoding="utf-8"?>
+<file path=ppt/slides/slide17.xml><?xml version="1.0" encoding="utf-8"?>
 <p:sld xmlns:a="http://schemas.openxmlformats.org/drawingml/2006/main" xmlns:r="http://schemas.openxmlformats.org/officeDocument/2006/relationships" xmlns:p="http://schemas.openxmlformats.org/presentationml/2006/main">
   <p:cSld>
     <p:spTree>
@@ -12579,7 +15647,7 @@
 </p:sld>
 </file>
 
-<file path=ppt/slides/slide16.xml><?xml version="1.0" encoding="utf-8"?>
+<file path=ppt/slides/slide18.xml><?xml version="1.0" encoding="utf-8"?>
 <p:sld xmlns:a="http://schemas.openxmlformats.org/drawingml/2006/main" xmlns:r="http://schemas.openxmlformats.org/officeDocument/2006/relationships" xmlns:p="http://schemas.openxmlformats.org/presentationml/2006/main">
   <p:cSld>
     <p:spTree>
@@ -13889,7 +16957,7 @@
           <a:p>
             <a:r>
               <a:rPr lang="zh-CN" altLang="en-US" dirty="0"/>
-              <a:t>基本组成单元</a:t>
+              <a:t>功能</a:t>
             </a:r>
           </a:p>
         </p:txBody>
@@ -13915,14 +16983,17 @@
           <a:bodyPr/>
           <a:lstStyle/>
           <a:p>
-            <a:endParaRPr lang="zh-CN" altLang="en-US"/>
+            <a:r>
+              <a:rPr lang="zh-CN" altLang="en-US" dirty="0"/>
+              <a:t>用户信息统一管理</a:t>
+            </a:r>
           </a:p>
         </p:txBody>
       </p:sp>
     </p:spTree>
     <p:extLst>
       <p:ext uri="{BB962C8B-B14F-4D97-AF65-F5344CB8AC3E}">
-        <p14:creationId xmlns:p14="http://schemas.microsoft.com/office/powerpoint/2010/main" val="2530065803"/>
+        <p14:creationId xmlns:p14="http://schemas.microsoft.com/office/powerpoint/2010/main" val="2702216768"/>
       </p:ext>
     </p:extLst>
   </p:cSld>
@@ -13954,7 +17025,7 @@
           <p:cNvPr id="2" name="标题 1">
             <a:extLst>
               <a:ext uri="{FF2B5EF4-FFF2-40B4-BE49-F238E27FC236}">
-                <a16:creationId xmlns:a16="http://schemas.microsoft.com/office/drawing/2014/main" id="{5822ACE8-9B4A-4B3D-B37D-F5C66D375E2D}"/>
+                <a16:creationId xmlns:a16="http://schemas.microsoft.com/office/drawing/2014/main" id="{8766CB4F-36D5-4FE7-BC64-C930D1C7BAB1}"/>
               </a:ext>
             </a:extLst>
           </p:cNvPr>
@@ -13972,25 +17043,461 @@
           <a:p>
             <a:r>
               <a:rPr lang="zh-CN" altLang="en-US" dirty="0"/>
-              <a:t>主机模式应用单元</a:t>
-            </a:r>
-            <a:r>
-              <a:rPr lang="en-US" altLang="zh-CN" dirty="0"/>
-              <a:t>+SQL</a:t>
-            </a:r>
-            <a:r>
-              <a:rPr lang="zh-CN" altLang="en-US" dirty="0"/>
-              <a:t>数据库</a:t>
+              <a:t>功能</a:t>
             </a:r>
           </a:p>
         </p:txBody>
       </p:sp>
+      <p:grpSp>
+        <p:nvGrpSpPr>
+          <p:cNvPr id="13" name="组合 12">
+            <a:extLst>
+              <a:ext uri="{FF2B5EF4-FFF2-40B4-BE49-F238E27FC236}">
+                <a16:creationId xmlns:a16="http://schemas.microsoft.com/office/drawing/2014/main" id="{98CA1470-EAC9-47A0-9962-111DFD46C617}"/>
+              </a:ext>
+            </a:extLst>
+          </p:cNvPr>
+          <p:cNvGrpSpPr/>
+          <p:nvPr/>
+        </p:nvGrpSpPr>
+        <p:grpSpPr>
+          <a:xfrm>
+            <a:off x="5436066" y="507298"/>
+            <a:ext cx="6646174" cy="5843403"/>
+            <a:chOff x="3769826" y="483187"/>
+            <a:chExt cx="6646174" cy="5843403"/>
+          </a:xfrm>
+        </p:grpSpPr>
+        <p:sp>
+          <p:nvSpPr>
+            <p:cNvPr id="5" name="箭头: 右 4">
+              <a:extLst>
+                <a:ext uri="{FF2B5EF4-FFF2-40B4-BE49-F238E27FC236}">
+                  <a16:creationId xmlns:a16="http://schemas.microsoft.com/office/drawing/2014/main" id="{3E7A7207-6DD5-4690-B488-9D7646A504D9}"/>
+                </a:ext>
+              </a:extLst>
+            </p:cNvPr>
+            <p:cNvSpPr/>
+            <p:nvPr/>
+          </p:nvSpPr>
+          <p:spPr>
+            <a:xfrm>
+              <a:off x="3769826" y="2758251"/>
+              <a:ext cx="1335186" cy="670749"/>
+            </a:xfrm>
+            <a:prstGeom prst="rightArrow">
+              <a:avLst/>
+            </a:prstGeom>
+          </p:spPr>
+          <p:style>
+            <a:lnRef idx="2">
+              <a:schemeClr val="dk1"/>
+            </a:lnRef>
+            <a:fillRef idx="1">
+              <a:schemeClr val="lt1"/>
+            </a:fillRef>
+            <a:effectRef idx="0">
+              <a:schemeClr val="dk1"/>
+            </a:effectRef>
+            <a:fontRef idx="minor">
+              <a:schemeClr val="dk1"/>
+            </a:fontRef>
+          </p:style>
+          <p:txBody>
+            <a:bodyPr rtlCol="0" anchor="ctr"/>
+            <a:lstStyle/>
+            <a:p>
+              <a:pPr algn="ctr"/>
+              <a:r>
+                <a:rPr lang="zh-CN" altLang="en-US" dirty="0"/>
+                <a:t>用户注册</a:t>
+              </a:r>
+            </a:p>
+          </p:txBody>
+        </p:sp>
+        <p:sp>
+          <p:nvSpPr>
+            <p:cNvPr id="6" name="箭头: 右 5">
+              <a:extLst>
+                <a:ext uri="{FF2B5EF4-FFF2-40B4-BE49-F238E27FC236}">
+                  <a16:creationId xmlns:a16="http://schemas.microsoft.com/office/drawing/2014/main" id="{3776FF67-503B-40D7-8FBE-4BA2C862A798}"/>
+                </a:ext>
+              </a:extLst>
+            </p:cNvPr>
+            <p:cNvSpPr/>
+            <p:nvPr/>
+          </p:nvSpPr>
+          <p:spPr>
+            <a:xfrm>
+              <a:off x="3769826" y="3429000"/>
+              <a:ext cx="1335186" cy="670749"/>
+            </a:xfrm>
+            <a:prstGeom prst="rightArrow">
+              <a:avLst/>
+            </a:prstGeom>
+          </p:spPr>
+          <p:style>
+            <a:lnRef idx="2">
+              <a:schemeClr val="dk1"/>
+            </a:lnRef>
+            <a:fillRef idx="1">
+              <a:schemeClr val="lt1"/>
+            </a:fillRef>
+            <a:effectRef idx="0">
+              <a:schemeClr val="dk1"/>
+            </a:effectRef>
+            <a:fontRef idx="minor">
+              <a:schemeClr val="dk1"/>
+            </a:fontRef>
+          </p:style>
+          <p:txBody>
+            <a:bodyPr rtlCol="0" anchor="ctr"/>
+            <a:lstStyle/>
+            <a:p>
+              <a:pPr algn="ctr"/>
+              <a:r>
+                <a:rPr lang="zh-CN" altLang="en-US" dirty="0"/>
+                <a:t>修改密码</a:t>
+              </a:r>
+            </a:p>
+          </p:txBody>
+        </p:sp>
+        <p:sp>
+          <p:nvSpPr>
+            <p:cNvPr id="4" name="流程图: 顺序访问存储器 3">
+              <a:extLst>
+                <a:ext uri="{FF2B5EF4-FFF2-40B4-BE49-F238E27FC236}">
+                  <a16:creationId xmlns:a16="http://schemas.microsoft.com/office/drawing/2014/main" id="{56B23D65-9EBC-4A30-BD5C-1B00655061CD}"/>
+                </a:ext>
+              </a:extLst>
+            </p:cNvPr>
+            <p:cNvSpPr/>
+            <p:nvPr/>
+          </p:nvSpPr>
+          <p:spPr>
+            <a:xfrm>
+              <a:off x="5016000" y="2349000"/>
+              <a:ext cx="2160000" cy="2160000"/>
+            </a:xfrm>
+            <a:prstGeom prst="flowChartMagneticTape">
+              <a:avLst/>
+            </a:prstGeom>
+          </p:spPr>
+          <p:style>
+            <a:lnRef idx="2">
+              <a:schemeClr val="dk1"/>
+            </a:lnRef>
+            <a:fillRef idx="1">
+              <a:schemeClr val="lt1"/>
+            </a:fillRef>
+            <a:effectRef idx="0">
+              <a:schemeClr val="dk1"/>
+            </a:effectRef>
+            <a:fontRef idx="minor">
+              <a:schemeClr val="dk1"/>
+            </a:fontRef>
+          </p:style>
+          <p:txBody>
+            <a:bodyPr rtlCol="0" anchor="ctr"/>
+            <a:lstStyle/>
+            <a:p>
+              <a:pPr algn="ctr"/>
+              <a:r>
+                <a:rPr lang="zh-CN" altLang="en-US" sz="1600" dirty="0"/>
+                <a:t>用户验证服务</a:t>
+              </a:r>
+            </a:p>
+          </p:txBody>
+        </p:sp>
+        <p:sp>
+          <p:nvSpPr>
+            <p:cNvPr id="7" name="箭头: 左右 6">
+              <a:extLst>
+                <a:ext uri="{FF2B5EF4-FFF2-40B4-BE49-F238E27FC236}">
+                  <a16:creationId xmlns:a16="http://schemas.microsoft.com/office/drawing/2014/main" id="{A89A2A0C-6891-4725-976C-F67EE0238366}"/>
+                </a:ext>
+              </a:extLst>
+            </p:cNvPr>
+            <p:cNvSpPr/>
+            <p:nvPr/>
+          </p:nvSpPr>
+          <p:spPr>
+            <a:xfrm>
+              <a:off x="7176000" y="3093625"/>
+              <a:ext cx="2160000" cy="670749"/>
+            </a:xfrm>
+            <a:prstGeom prst="leftRightArrow">
+              <a:avLst/>
+            </a:prstGeom>
+          </p:spPr>
+          <p:style>
+            <a:lnRef idx="2">
+              <a:schemeClr val="dk1"/>
+            </a:lnRef>
+            <a:fillRef idx="1">
+              <a:schemeClr val="lt1"/>
+            </a:fillRef>
+            <a:effectRef idx="0">
+              <a:schemeClr val="dk1"/>
+            </a:effectRef>
+            <a:fontRef idx="minor">
+              <a:schemeClr val="dk1"/>
+            </a:fontRef>
+          </p:style>
+          <p:txBody>
+            <a:bodyPr rtlCol="0" anchor="ctr"/>
+            <a:lstStyle/>
+            <a:p>
+              <a:pPr algn="ctr"/>
+              <a:r>
+                <a:rPr lang="zh-CN" altLang="en-US" dirty="0"/>
+                <a:t>用户名密码验证</a:t>
+              </a:r>
+            </a:p>
+          </p:txBody>
+        </p:sp>
+        <p:sp>
+          <p:nvSpPr>
+            <p:cNvPr id="8" name="流程图: 顺序访问存储器 7">
+              <a:extLst>
+                <a:ext uri="{FF2B5EF4-FFF2-40B4-BE49-F238E27FC236}">
+                  <a16:creationId xmlns:a16="http://schemas.microsoft.com/office/drawing/2014/main" id="{302722EA-BFDB-4C5D-8E6A-5208B08260F4}"/>
+                </a:ext>
+              </a:extLst>
+            </p:cNvPr>
+            <p:cNvSpPr/>
+            <p:nvPr/>
+          </p:nvSpPr>
+          <p:spPr>
+            <a:xfrm>
+              <a:off x="9336000" y="2888999"/>
+              <a:ext cx="1080000" cy="1080000"/>
+            </a:xfrm>
+            <a:prstGeom prst="flowChartMagneticTape">
+              <a:avLst/>
+            </a:prstGeom>
+          </p:spPr>
+          <p:style>
+            <a:lnRef idx="2">
+              <a:schemeClr val="dk1"/>
+            </a:lnRef>
+            <a:fillRef idx="1">
+              <a:schemeClr val="lt1"/>
+            </a:fillRef>
+            <a:effectRef idx="0">
+              <a:schemeClr val="dk1"/>
+            </a:effectRef>
+            <a:fontRef idx="minor">
+              <a:schemeClr val="dk1"/>
+            </a:fontRef>
+          </p:style>
+          <p:txBody>
+            <a:bodyPr rtlCol="0" anchor="ctr"/>
+            <a:lstStyle/>
+            <a:p>
+              <a:pPr algn="ctr"/>
+              <a:r>
+                <a:rPr lang="zh-CN" altLang="en-US" sz="1600" dirty="0"/>
+                <a:t>其他服务</a:t>
+              </a:r>
+            </a:p>
+          </p:txBody>
+        </p:sp>
+        <p:sp>
+          <p:nvSpPr>
+            <p:cNvPr id="9" name="流程图: 顺序访问存储器 8">
+              <a:extLst>
+                <a:ext uri="{FF2B5EF4-FFF2-40B4-BE49-F238E27FC236}">
+                  <a16:creationId xmlns:a16="http://schemas.microsoft.com/office/drawing/2014/main" id="{558490C2-036D-49AF-8DF6-CC29F17B33C5}"/>
+                </a:ext>
+              </a:extLst>
+            </p:cNvPr>
+            <p:cNvSpPr/>
+            <p:nvPr/>
+          </p:nvSpPr>
+          <p:spPr>
+            <a:xfrm>
+              <a:off x="8447324" y="5246590"/>
+              <a:ext cx="1080000" cy="1080000"/>
+            </a:xfrm>
+            <a:prstGeom prst="flowChartMagneticTape">
+              <a:avLst/>
+            </a:prstGeom>
+          </p:spPr>
+          <p:style>
+            <a:lnRef idx="2">
+              <a:schemeClr val="dk1"/>
+            </a:lnRef>
+            <a:fillRef idx="1">
+              <a:schemeClr val="lt1"/>
+            </a:fillRef>
+            <a:effectRef idx="0">
+              <a:schemeClr val="dk1"/>
+            </a:effectRef>
+            <a:fontRef idx="minor">
+              <a:schemeClr val="dk1"/>
+            </a:fontRef>
+          </p:style>
+          <p:txBody>
+            <a:bodyPr rtlCol="0" anchor="ctr"/>
+            <a:lstStyle/>
+            <a:p>
+              <a:pPr algn="ctr"/>
+              <a:r>
+                <a:rPr lang="zh-CN" altLang="en-US" sz="1600" dirty="0"/>
+                <a:t>其他服务</a:t>
+              </a:r>
+            </a:p>
+          </p:txBody>
+        </p:sp>
+        <p:sp>
+          <p:nvSpPr>
+            <p:cNvPr id="10" name="流程图: 顺序访问存储器 9">
+              <a:extLst>
+                <a:ext uri="{FF2B5EF4-FFF2-40B4-BE49-F238E27FC236}">
+                  <a16:creationId xmlns:a16="http://schemas.microsoft.com/office/drawing/2014/main" id="{59812F59-DEE8-486F-A939-8EDCEEBB1D19}"/>
+                </a:ext>
+              </a:extLst>
+            </p:cNvPr>
+            <p:cNvSpPr/>
+            <p:nvPr/>
+          </p:nvSpPr>
+          <p:spPr>
+            <a:xfrm>
+              <a:off x="8447324" y="483187"/>
+              <a:ext cx="1080000" cy="1080000"/>
+            </a:xfrm>
+            <a:prstGeom prst="flowChartMagneticTape">
+              <a:avLst/>
+            </a:prstGeom>
+          </p:spPr>
+          <p:style>
+            <a:lnRef idx="2">
+              <a:schemeClr val="dk1"/>
+            </a:lnRef>
+            <a:fillRef idx="1">
+              <a:schemeClr val="lt1"/>
+            </a:fillRef>
+            <a:effectRef idx="0">
+              <a:schemeClr val="dk1"/>
+            </a:effectRef>
+            <a:fontRef idx="minor">
+              <a:schemeClr val="dk1"/>
+            </a:fontRef>
+          </p:style>
+          <p:txBody>
+            <a:bodyPr rtlCol="0" anchor="ctr"/>
+            <a:lstStyle/>
+            <a:p>
+              <a:pPr algn="ctr"/>
+              <a:r>
+                <a:rPr lang="zh-CN" altLang="en-US" sz="1600" dirty="0"/>
+                <a:t>其他服务</a:t>
+              </a:r>
+            </a:p>
+          </p:txBody>
+        </p:sp>
+        <p:sp>
+          <p:nvSpPr>
+            <p:cNvPr id="11" name="箭头: 左右 10">
+              <a:extLst>
+                <a:ext uri="{FF2B5EF4-FFF2-40B4-BE49-F238E27FC236}">
+                  <a16:creationId xmlns:a16="http://schemas.microsoft.com/office/drawing/2014/main" id="{DC4EA84F-EF09-4C43-A6D3-69F263EE43CC}"/>
+                </a:ext>
+              </a:extLst>
+            </p:cNvPr>
+            <p:cNvSpPr/>
+            <p:nvPr/>
+          </p:nvSpPr>
+          <p:spPr>
+            <a:xfrm rot="2700000">
+              <a:off x="6700386" y="4417384"/>
+              <a:ext cx="2160000" cy="670749"/>
+            </a:xfrm>
+            <a:prstGeom prst="leftRightArrow">
+              <a:avLst/>
+            </a:prstGeom>
+          </p:spPr>
+          <p:style>
+            <a:lnRef idx="2">
+              <a:schemeClr val="dk1"/>
+            </a:lnRef>
+            <a:fillRef idx="1">
+              <a:schemeClr val="lt1"/>
+            </a:fillRef>
+            <a:effectRef idx="0">
+              <a:schemeClr val="dk1"/>
+            </a:effectRef>
+            <a:fontRef idx="minor">
+              <a:schemeClr val="dk1"/>
+            </a:fontRef>
+          </p:style>
+          <p:txBody>
+            <a:bodyPr rtlCol="0" anchor="ctr"/>
+            <a:lstStyle/>
+            <a:p>
+              <a:pPr algn="ctr"/>
+              <a:r>
+                <a:rPr lang="zh-CN" altLang="en-US" dirty="0"/>
+                <a:t>用户名密码验证</a:t>
+              </a:r>
+            </a:p>
+          </p:txBody>
+        </p:sp>
+        <p:sp>
+          <p:nvSpPr>
+            <p:cNvPr id="12" name="箭头: 左右 11">
+              <a:extLst>
+                <a:ext uri="{FF2B5EF4-FFF2-40B4-BE49-F238E27FC236}">
+                  <a16:creationId xmlns:a16="http://schemas.microsoft.com/office/drawing/2014/main" id="{34B18E35-A654-41F3-84EF-B0EFC2E5BC97}"/>
+                </a:ext>
+              </a:extLst>
+            </p:cNvPr>
+            <p:cNvSpPr/>
+            <p:nvPr/>
+          </p:nvSpPr>
+          <p:spPr>
+            <a:xfrm rot="-2700000">
+              <a:off x="6700028" y="1757430"/>
+              <a:ext cx="2160000" cy="670749"/>
+            </a:xfrm>
+            <a:prstGeom prst="leftRightArrow">
+              <a:avLst/>
+            </a:prstGeom>
+          </p:spPr>
+          <p:style>
+            <a:lnRef idx="2">
+              <a:schemeClr val="dk1"/>
+            </a:lnRef>
+            <a:fillRef idx="1">
+              <a:schemeClr val="lt1"/>
+            </a:fillRef>
+            <a:effectRef idx="0">
+              <a:schemeClr val="dk1"/>
+            </a:effectRef>
+            <a:fontRef idx="minor">
+              <a:schemeClr val="dk1"/>
+            </a:fontRef>
+          </p:style>
+          <p:txBody>
+            <a:bodyPr rtlCol="0" anchor="ctr"/>
+            <a:lstStyle/>
+            <a:p>
+              <a:pPr algn="ctr"/>
+              <a:r>
+                <a:rPr lang="zh-CN" altLang="en-US" dirty="0"/>
+                <a:t>用户名密码验证</a:t>
+              </a:r>
+            </a:p>
+          </p:txBody>
+        </p:sp>
+      </p:grpSp>
       <p:sp>
         <p:nvSpPr>
-          <p:cNvPr id="3" name="内容占位符 2">
-            <a:extLst>
-              <a:ext uri="{FF2B5EF4-FFF2-40B4-BE49-F238E27FC236}">
-                <a16:creationId xmlns:a16="http://schemas.microsoft.com/office/drawing/2014/main" id="{45871605-FB15-4011-AB4C-287BC84CA973}"/>
+          <p:cNvPr id="14" name="内容占位符 2">
+            <a:extLst>
+              <a:ext uri="{FF2B5EF4-FFF2-40B4-BE49-F238E27FC236}">
+                <a16:creationId xmlns:a16="http://schemas.microsoft.com/office/drawing/2014/main" id="{6D6CB231-7E8F-4CF6-978B-6B2C9D92825A}"/>
               </a:ext>
             </a:extLst>
           </p:cNvPr>
@@ -14003,8 +17510,8 @@
         </p:nvSpPr>
         <p:spPr>
           <a:xfrm>
-            <a:off x="5352000" y="1690688"/>
-            <a:ext cx="6840000" cy="4351338"/>
+            <a:off x="838200" y="1825625"/>
+            <a:ext cx="10515600" cy="4351338"/>
           </a:xfrm>
         </p:spPr>
         <p:txBody>
@@ -14013,343 +17520,30 @@
           <a:p>
             <a:r>
               <a:rPr lang="zh-CN" altLang="en-US" dirty="0"/>
-              <a:t>一个应用只能连接一个</a:t>
-            </a:r>
-            <a:r>
-              <a:rPr lang="en-US" altLang="zh-CN" dirty="0"/>
-              <a:t>SQL</a:t>
-            </a:r>
+              <a:t>保证快速、可靠、可扩展的用户查询服务</a:t>
+            </a:r>
+            <a:endParaRPr lang="en-US" altLang="zh-CN" dirty="0"/>
+          </a:p>
+          <a:p>
             <a:r>
               <a:rPr lang="zh-CN" altLang="en-US" dirty="0"/>
-              <a:t>数据库</a:t>
+              <a:t>为其他服务提供用户验证服务</a:t>
             </a:r>
             <a:endParaRPr lang="en-US" altLang="zh-CN" dirty="0"/>
           </a:p>
           <a:p>
             <a:r>
               <a:rPr lang="zh-CN" altLang="en-US" dirty="0"/>
-              <a:t>一个应用只能连接一个</a:t>
-            </a:r>
-            <a:r>
-              <a:rPr lang="en-US" altLang="zh-CN" dirty="0"/>
-              <a:t>Redis</a:t>
-            </a:r>
-            <a:r>
-              <a:rPr lang="zh-CN" altLang="en-US" dirty="0"/>
-              <a:t>缓存</a:t>
-            </a:r>
-          </a:p>
-        </p:txBody>
-      </p:sp>
-      <p:sp>
-        <p:nvSpPr>
-          <p:cNvPr id="10" name="圆柱体 9">
-            <a:extLst>
-              <a:ext uri="{FF2B5EF4-FFF2-40B4-BE49-F238E27FC236}">
-                <a16:creationId xmlns:a16="http://schemas.microsoft.com/office/drawing/2014/main" id="{9966BA17-17CB-4884-ACC7-16FFF35D1F4C}"/>
-              </a:ext>
-            </a:extLst>
-          </p:cNvPr>
-          <p:cNvSpPr/>
-          <p:nvPr/>
-        </p:nvSpPr>
-        <p:spPr>
-          <a:xfrm>
-            <a:off x="2076450" y="4214813"/>
-            <a:ext cx="2867025" cy="1962150"/>
-          </a:xfrm>
-          <a:prstGeom prst="can">
-            <a:avLst/>
-          </a:prstGeom>
-          <a:noFill/>
-          <a:ln w="9525" cap="flat" cmpd="sng" algn="ctr">
-            <a:solidFill>
-              <a:schemeClr val="dk1"/>
-            </a:solidFill>
-            <a:prstDash val="solid"/>
-            <a:round/>
-            <a:headEnd type="none" w="med" len="med"/>
-            <a:tailEnd type="none" w="med" len="med"/>
-          </a:ln>
-        </p:spPr>
-        <p:style>
-          <a:lnRef idx="0">
-            <a:scrgbClr r="0" g="0" b="0"/>
-          </a:lnRef>
-          <a:fillRef idx="0">
-            <a:scrgbClr r="0" g="0" b="0"/>
-          </a:fillRef>
-          <a:effectRef idx="0">
-            <a:scrgbClr r="0" g="0" b="0"/>
-          </a:effectRef>
-          <a:fontRef idx="minor">
-            <a:schemeClr val="dk1"/>
-          </a:fontRef>
-        </p:style>
-        <p:txBody>
-          <a:bodyPr rtlCol="0" anchor="ctr"/>
-          <a:lstStyle/>
-          <a:p>
-            <a:pPr algn="ctr"/>
-            <a:r>
-              <a:rPr lang="en-US" altLang="zh-CN" dirty="0"/>
-              <a:t>SQL</a:t>
-            </a:r>
-            <a:r>
-              <a:rPr lang="zh-CN" altLang="en-US" dirty="0"/>
-              <a:t>数据库</a:t>
-            </a:r>
-          </a:p>
-        </p:txBody>
-      </p:sp>
-      <p:sp>
-        <p:nvSpPr>
-          <p:cNvPr id="11" name="矩形: 折角 10">
-            <a:extLst>
-              <a:ext uri="{FF2B5EF4-FFF2-40B4-BE49-F238E27FC236}">
-                <a16:creationId xmlns:a16="http://schemas.microsoft.com/office/drawing/2014/main" id="{746B7E90-B8DE-4D86-B9ED-4AFD066CD5B6}"/>
-              </a:ext>
-            </a:extLst>
-          </p:cNvPr>
-          <p:cNvSpPr/>
-          <p:nvPr/>
-        </p:nvSpPr>
-        <p:spPr>
-          <a:xfrm>
-            <a:off x="2076450" y="2546213"/>
-            <a:ext cx="2867025" cy="1114425"/>
-          </a:xfrm>
-          <a:prstGeom prst="foldedCorner">
-            <a:avLst/>
-          </a:prstGeom>
-          <a:noFill/>
-          <a:ln w="9525" cap="flat" cmpd="sng" algn="ctr">
-            <a:solidFill>
-              <a:schemeClr val="dk1"/>
-            </a:solidFill>
-            <a:prstDash val="solid"/>
-            <a:round/>
-            <a:headEnd type="none" w="med" len="med"/>
-            <a:tailEnd type="none" w="med" len="med"/>
-          </a:ln>
-        </p:spPr>
-        <p:style>
-          <a:lnRef idx="0">
-            <a:scrgbClr r="0" g="0" b="0"/>
-          </a:lnRef>
-          <a:fillRef idx="0">
-            <a:scrgbClr r="0" g="0" b="0"/>
-          </a:fillRef>
-          <a:effectRef idx="0">
-            <a:scrgbClr r="0" g="0" b="0"/>
-          </a:effectRef>
-          <a:fontRef idx="minor">
-            <a:schemeClr val="dk1"/>
-          </a:fontRef>
-        </p:style>
-        <p:txBody>
-          <a:bodyPr rtlCol="0" anchor="ctr"/>
-          <a:lstStyle/>
-          <a:p>
-            <a:pPr algn="ctr"/>
-            <a:r>
-              <a:rPr lang="en-US" altLang="zh-CN" dirty="0"/>
-              <a:t>Redis</a:t>
-            </a:r>
-            <a:r>
-              <a:rPr lang="zh-CN" altLang="en-US" dirty="0"/>
-              <a:t>缓存</a:t>
-            </a:r>
-          </a:p>
-        </p:txBody>
-      </p:sp>
-      <p:sp>
-        <p:nvSpPr>
-          <p:cNvPr id="12" name="流程图: 顺序访问存储器 11">
-            <a:extLst>
-              <a:ext uri="{FF2B5EF4-FFF2-40B4-BE49-F238E27FC236}">
-                <a16:creationId xmlns:a16="http://schemas.microsoft.com/office/drawing/2014/main" id="{31271BAC-0C71-4889-888A-DC1CC01A65C1}"/>
-              </a:ext>
-            </a:extLst>
-          </p:cNvPr>
-          <p:cNvSpPr/>
-          <p:nvPr/>
-        </p:nvSpPr>
-        <p:spPr>
-          <a:xfrm>
-            <a:off x="5972175" y="3593963"/>
-            <a:ext cx="1440000" cy="1440000"/>
-          </a:xfrm>
-          <a:prstGeom prst="flowChartMagneticTape">
-            <a:avLst/>
-          </a:prstGeom>
-        </p:spPr>
-        <p:style>
-          <a:lnRef idx="2">
-            <a:schemeClr val="dk1"/>
-          </a:lnRef>
-          <a:fillRef idx="1">
-            <a:schemeClr val="lt1"/>
-          </a:fillRef>
-          <a:effectRef idx="0">
-            <a:schemeClr val="dk1"/>
-          </a:effectRef>
-          <a:fontRef idx="minor">
-            <a:schemeClr val="dk1"/>
-          </a:fontRef>
-        </p:style>
-        <p:txBody>
-          <a:bodyPr rtlCol="0" anchor="ctr"/>
-          <a:lstStyle/>
-          <a:p>
-            <a:pPr algn="ctr"/>
-            <a:r>
-              <a:rPr lang="zh-CN" altLang="en-US" sz="1600" dirty="0"/>
-              <a:t>主机模式</a:t>
-            </a:r>
-            <a:endParaRPr lang="en-US" altLang="zh-CN" sz="1600" dirty="0"/>
-          </a:p>
-          <a:p>
-            <a:pPr algn="ctr"/>
-            <a:r>
-              <a:rPr lang="zh-CN" altLang="en-US" sz="1600" dirty="0"/>
-              <a:t>应用程序</a:t>
-            </a:r>
-          </a:p>
-        </p:txBody>
-      </p:sp>
-      <p:cxnSp>
-        <p:nvCxnSpPr>
-          <p:cNvPr id="13" name="直接连接符 12">
-            <a:extLst>
-              <a:ext uri="{FF2B5EF4-FFF2-40B4-BE49-F238E27FC236}">
-                <a16:creationId xmlns:a16="http://schemas.microsoft.com/office/drawing/2014/main" id="{33DDDE56-75D4-4FBD-9018-8D027EA53AC9}"/>
-              </a:ext>
-            </a:extLst>
-          </p:cNvPr>
-          <p:cNvCxnSpPr>
-            <a:stCxn id="11" idx="3"/>
-            <a:endCxn id="12" idx="1"/>
-          </p:cNvCxnSpPr>
-          <p:nvPr/>
-        </p:nvCxnSpPr>
-        <p:spPr>
-          <a:xfrm>
-            <a:off x="4943475" y="3103426"/>
-            <a:ext cx="1028700" cy="1210537"/>
-          </a:xfrm>
-          <a:prstGeom prst="line">
-            <a:avLst/>
-          </a:prstGeom>
-        </p:spPr>
-        <p:style>
-          <a:lnRef idx="1">
-            <a:schemeClr val="dk1"/>
-          </a:lnRef>
-          <a:fillRef idx="0">
-            <a:schemeClr val="dk1"/>
-          </a:fillRef>
-          <a:effectRef idx="0">
-            <a:schemeClr val="dk1"/>
-          </a:effectRef>
-          <a:fontRef idx="minor">
-            <a:schemeClr val="tx1"/>
-          </a:fontRef>
-        </p:style>
-      </p:cxnSp>
-      <p:cxnSp>
-        <p:nvCxnSpPr>
-          <p:cNvPr id="14" name="直接连接符 13">
-            <a:extLst>
-              <a:ext uri="{FF2B5EF4-FFF2-40B4-BE49-F238E27FC236}">
-                <a16:creationId xmlns:a16="http://schemas.microsoft.com/office/drawing/2014/main" id="{58744755-D9FC-4F0A-8977-3FB015A9BDFA}"/>
-              </a:ext>
-            </a:extLst>
-          </p:cNvPr>
-          <p:cNvCxnSpPr>
-            <a:cxnSpLocks/>
-            <a:stCxn id="10" idx="4"/>
-            <a:endCxn id="12" idx="1"/>
-          </p:cNvCxnSpPr>
-          <p:nvPr/>
-        </p:nvCxnSpPr>
-        <p:spPr>
-          <a:xfrm flipV="1">
-            <a:off x="4943475" y="4313963"/>
-            <a:ext cx="1028700" cy="881925"/>
-          </a:xfrm>
-          <a:prstGeom prst="line">
-            <a:avLst/>
-          </a:prstGeom>
-          <a:ln w="38100"/>
-        </p:spPr>
-        <p:style>
-          <a:lnRef idx="1">
-            <a:schemeClr val="dk1"/>
-          </a:lnRef>
-          <a:fillRef idx="0">
-            <a:schemeClr val="dk1"/>
-          </a:fillRef>
-          <a:effectRef idx="0">
-            <a:schemeClr val="dk1"/>
-          </a:effectRef>
-          <a:fontRef idx="minor">
-            <a:schemeClr val="tx1"/>
-          </a:fontRef>
-        </p:style>
-      </p:cxnSp>
-      <p:sp>
-        <p:nvSpPr>
-          <p:cNvPr id="15" name="文本框 14">
-            <a:extLst>
-              <a:ext uri="{FF2B5EF4-FFF2-40B4-BE49-F238E27FC236}">
-                <a16:creationId xmlns:a16="http://schemas.microsoft.com/office/drawing/2014/main" id="{C64BC377-C743-4237-B151-86D61DC90374}"/>
-              </a:ext>
-            </a:extLst>
-          </p:cNvPr>
-          <p:cNvSpPr txBox="1"/>
-          <p:nvPr/>
-        </p:nvSpPr>
-        <p:spPr>
-          <a:xfrm>
-            <a:off x="7412175" y="4745594"/>
-            <a:ext cx="2031325" cy="923330"/>
-          </a:xfrm>
-          <a:prstGeom prst="rect">
-            <a:avLst/>
-          </a:prstGeom>
-          <a:noFill/>
-        </p:spPr>
-        <p:txBody>
-          <a:bodyPr wrap="none" rtlCol="0">
-            <a:spAutoFit/>
-          </a:bodyPr>
-          <a:lstStyle/>
-          <a:p>
-            <a:r>
-              <a:rPr lang="en-US" altLang="zh-CN" dirty="0"/>
-              <a:t>RESTful API</a:t>
-            </a:r>
-          </a:p>
-          <a:p>
-            <a:r>
-              <a:rPr lang="zh-CN" altLang="en-US" dirty="0"/>
-              <a:t>可以进行用户</a:t>
+              <a:t>用户信息统一管理</a:t>
             </a:r>
             <a:endParaRPr lang="en-US" altLang="zh-CN" dirty="0"/>
-          </a:p>
-          <a:p>
-            <a:r>
-              <a:rPr lang="zh-CN" altLang="en-US" dirty="0"/>
-              <a:t>验证、注册、修改</a:t>
-            </a:r>
           </a:p>
         </p:txBody>
       </p:sp>
     </p:spTree>
     <p:extLst>
       <p:ext uri="{BB962C8B-B14F-4D97-AF65-F5344CB8AC3E}">
-        <p14:creationId xmlns:p14="http://schemas.microsoft.com/office/powerpoint/2010/main" val="1415252842"/>
+        <p14:creationId xmlns:p14="http://schemas.microsoft.com/office/powerpoint/2010/main" val="1777935863"/>
       </p:ext>
     </p:extLst>
   </p:cSld>
@@ -14381,7 +17575,7 @@
           <p:cNvPr id="2" name="标题 1">
             <a:extLst>
               <a:ext uri="{FF2B5EF4-FFF2-40B4-BE49-F238E27FC236}">
-                <a16:creationId xmlns:a16="http://schemas.microsoft.com/office/drawing/2014/main" id="{5822ACE8-9B4A-4B3D-B37D-F5C66D375E2D}"/>
+                <a16:creationId xmlns:a16="http://schemas.microsoft.com/office/drawing/2014/main" id="{E2EB160E-2769-4814-87A9-D85D91401405}"/>
               </a:ext>
             </a:extLst>
           </p:cNvPr>
@@ -14399,11 +17593,94 @@
           <a:p>
             <a:r>
               <a:rPr lang="zh-CN" altLang="en-US" dirty="0"/>
+              <a:t>基本组成单元</a:t>
+            </a:r>
+          </a:p>
+        </p:txBody>
+      </p:sp>
+      <p:sp>
+        <p:nvSpPr>
+          <p:cNvPr id="3" name="文本占位符 2">
+            <a:extLst>
+              <a:ext uri="{FF2B5EF4-FFF2-40B4-BE49-F238E27FC236}">
+                <a16:creationId xmlns:a16="http://schemas.microsoft.com/office/drawing/2014/main" id="{C0AEA034-31AE-4209-ADD5-7AC5C4347A92}"/>
+              </a:ext>
+            </a:extLst>
+          </p:cNvPr>
+          <p:cNvSpPr>
+            <a:spLocks noGrp="1"/>
+          </p:cNvSpPr>
+          <p:nvPr>
+            <p:ph type="body" idx="1"/>
+          </p:nvPr>
+        </p:nvSpPr>
+        <p:spPr/>
+        <p:txBody>
+          <a:bodyPr/>
+          <a:lstStyle/>
+          <a:p>
+            <a:endParaRPr lang="zh-CN" altLang="en-US"/>
+          </a:p>
+        </p:txBody>
+      </p:sp>
+    </p:spTree>
+    <p:extLst>
+      <p:ext uri="{BB962C8B-B14F-4D97-AF65-F5344CB8AC3E}">
+        <p14:creationId xmlns:p14="http://schemas.microsoft.com/office/powerpoint/2010/main" val="2530065803"/>
+      </p:ext>
+    </p:extLst>
+  </p:cSld>
+  <p:clrMapOvr>
+    <a:masterClrMapping/>
+  </p:clrMapOvr>
+</p:sld>
+</file>
+
+<file path=ppt/slides/slide5.xml><?xml version="1.0" encoding="utf-8"?>
+<p:sld xmlns:a="http://schemas.openxmlformats.org/drawingml/2006/main" xmlns:r="http://schemas.openxmlformats.org/officeDocument/2006/relationships" xmlns:p="http://schemas.openxmlformats.org/presentationml/2006/main">
+  <p:cSld>
+    <p:spTree>
+      <p:nvGrpSpPr>
+        <p:cNvPr id="1" name=""/>
+        <p:cNvGrpSpPr/>
+        <p:nvPr/>
+      </p:nvGrpSpPr>
+      <p:grpSpPr>
+        <a:xfrm>
+          <a:off x="0" y="0"/>
+          <a:ext cx="0" cy="0"/>
+          <a:chOff x="0" y="0"/>
+          <a:chExt cx="0" cy="0"/>
+        </a:xfrm>
+      </p:grpSpPr>
+      <p:sp>
+        <p:nvSpPr>
+          <p:cNvPr id="2" name="标题 1">
+            <a:extLst>
+              <a:ext uri="{FF2B5EF4-FFF2-40B4-BE49-F238E27FC236}">
+                <a16:creationId xmlns:a16="http://schemas.microsoft.com/office/drawing/2014/main" id="{5822ACE8-9B4A-4B3D-B37D-F5C66D375E2D}"/>
+              </a:ext>
+            </a:extLst>
+          </p:cNvPr>
+          <p:cNvSpPr>
+            <a:spLocks noGrp="1"/>
+          </p:cNvSpPr>
+          <p:nvPr>
+            <p:ph type="title"/>
+          </p:nvPr>
+        </p:nvSpPr>
+        <p:spPr/>
+        <p:txBody>
+          <a:bodyPr/>
+          <a:lstStyle/>
+          <a:p>
+            <a:r>
+              <a:rPr lang="zh-CN" altLang="en-US" dirty="0"/>
               <a:t>主机模式应用单元</a:t>
             </a:r>
             <a:r>
               <a:rPr lang="en-US" altLang="zh-CN" dirty="0"/>
-              <a:t>+Cassandra</a:t>
+              <a:t>+SQL</a:t>
             </a:r>
             <a:r>
               <a:rPr lang="zh-CN" altLang="en-US" dirty="0"/>
@@ -14430,7 +17707,7 @@
         </p:nvSpPr>
         <p:spPr>
           <a:xfrm>
-            <a:off x="5330963" y="1690688"/>
+            <a:off x="5352000" y="1690688"/>
             <a:ext cx="6840000" cy="4351338"/>
           </a:xfrm>
         </p:spPr>
@@ -14440,11 +17717,11 @@
           <a:p>
             <a:r>
               <a:rPr lang="zh-CN" altLang="en-US" dirty="0"/>
-              <a:t>一个应用可以连接多个</a:t>
+              <a:t>一个应用只能连接一个</a:t>
             </a:r>
             <a:r>
               <a:rPr lang="en-US" altLang="zh-CN" dirty="0"/>
-              <a:t>Cassandra</a:t>
+              <a:t>SQL</a:t>
             </a:r>
             <a:r>
               <a:rPr lang="zh-CN" altLang="en-US" dirty="0"/>
@@ -14464,6 +17741,67 @@
             <a:r>
               <a:rPr lang="zh-CN" altLang="en-US" dirty="0"/>
               <a:t>缓存</a:t>
+            </a:r>
+          </a:p>
+        </p:txBody>
+      </p:sp>
+      <p:sp>
+        <p:nvSpPr>
+          <p:cNvPr id="10" name="圆柱体 9">
+            <a:extLst>
+              <a:ext uri="{FF2B5EF4-FFF2-40B4-BE49-F238E27FC236}">
+                <a16:creationId xmlns:a16="http://schemas.microsoft.com/office/drawing/2014/main" id="{9966BA17-17CB-4884-ACC7-16FFF35D1F4C}"/>
+              </a:ext>
+            </a:extLst>
+          </p:cNvPr>
+          <p:cNvSpPr/>
+          <p:nvPr/>
+        </p:nvSpPr>
+        <p:spPr>
+          <a:xfrm>
+            <a:off x="2076450" y="4214813"/>
+            <a:ext cx="2867025" cy="1962150"/>
+          </a:xfrm>
+          <a:prstGeom prst="can">
+            <a:avLst/>
+          </a:prstGeom>
+          <a:noFill/>
+          <a:ln w="9525" cap="flat" cmpd="sng" algn="ctr">
+            <a:solidFill>
+              <a:schemeClr val="dk1"/>
+            </a:solidFill>
+            <a:prstDash val="solid"/>
+            <a:round/>
+            <a:headEnd type="none" w="med" len="med"/>
+            <a:tailEnd type="none" w="med" len="med"/>
+          </a:ln>
+        </p:spPr>
+        <p:style>
+          <a:lnRef idx="0">
+            <a:scrgbClr r="0" g="0" b="0"/>
+          </a:lnRef>
+          <a:fillRef idx="0">
+            <a:scrgbClr r="0" g="0" b="0"/>
+          </a:fillRef>
+          <a:effectRef idx="0">
+            <a:scrgbClr r="0" g="0" b="0"/>
+          </a:effectRef>
+          <a:fontRef idx="minor">
+            <a:schemeClr val="dk1"/>
+          </a:fontRef>
+        </p:style>
+        <p:txBody>
+          <a:bodyPr rtlCol="0" anchor="ctr"/>
+          <a:lstStyle/>
+          <a:p>
+            <a:pPr algn="ctr"/>
+            <a:r>
+              <a:rPr lang="en-US" altLang="zh-CN" dirty="0"/>
+              <a:t>SQL</a:t>
+            </a:r>
+            <a:r>
+              <a:rPr lang="zh-CN" altLang="en-US" dirty="0"/>
+              <a:t>数据库</a:t>
             </a:r>
           </a:p>
         </p:txBody>
@@ -14482,7 +17820,7 @@
         </p:nvSpPr>
         <p:spPr>
           <a:xfrm>
-            <a:off x="1822726" y="1690688"/>
+            <a:off x="2076450" y="2546213"/>
             <a:ext cx="2867025" cy="1114425"/>
           </a:xfrm>
           <a:prstGeom prst="foldedCorner">
@@ -14529,6 +17867,372 @@
           </a:p>
         </p:txBody>
       </p:sp>
+      <p:sp>
+        <p:nvSpPr>
+          <p:cNvPr id="12" name="流程图: 顺序访问存储器 11">
+            <a:extLst>
+              <a:ext uri="{FF2B5EF4-FFF2-40B4-BE49-F238E27FC236}">
+                <a16:creationId xmlns:a16="http://schemas.microsoft.com/office/drawing/2014/main" id="{31271BAC-0C71-4889-888A-DC1CC01A65C1}"/>
+              </a:ext>
+            </a:extLst>
+          </p:cNvPr>
+          <p:cNvSpPr/>
+          <p:nvPr/>
+        </p:nvSpPr>
+        <p:spPr>
+          <a:xfrm>
+            <a:off x="5972175" y="3593963"/>
+            <a:ext cx="1440000" cy="1440000"/>
+          </a:xfrm>
+          <a:prstGeom prst="flowChartMagneticTape">
+            <a:avLst/>
+          </a:prstGeom>
+        </p:spPr>
+        <p:style>
+          <a:lnRef idx="2">
+            <a:schemeClr val="dk1"/>
+          </a:lnRef>
+          <a:fillRef idx="1">
+            <a:schemeClr val="lt1"/>
+          </a:fillRef>
+          <a:effectRef idx="0">
+            <a:schemeClr val="dk1"/>
+          </a:effectRef>
+          <a:fontRef idx="minor">
+            <a:schemeClr val="dk1"/>
+          </a:fontRef>
+        </p:style>
+        <p:txBody>
+          <a:bodyPr rtlCol="0" anchor="ctr"/>
+          <a:lstStyle/>
+          <a:p>
+            <a:pPr algn="ctr"/>
+            <a:r>
+              <a:rPr lang="zh-CN" altLang="en-US" sz="1600" dirty="0"/>
+              <a:t>主机模式</a:t>
+            </a:r>
+            <a:endParaRPr lang="en-US" altLang="zh-CN" sz="1600" dirty="0"/>
+          </a:p>
+          <a:p>
+            <a:pPr algn="ctr"/>
+            <a:r>
+              <a:rPr lang="zh-CN" altLang="en-US" sz="1600" dirty="0"/>
+              <a:t>应用程序</a:t>
+            </a:r>
+          </a:p>
+        </p:txBody>
+      </p:sp>
+      <p:cxnSp>
+        <p:nvCxnSpPr>
+          <p:cNvPr id="13" name="直接连接符 12">
+            <a:extLst>
+              <a:ext uri="{FF2B5EF4-FFF2-40B4-BE49-F238E27FC236}">
+                <a16:creationId xmlns:a16="http://schemas.microsoft.com/office/drawing/2014/main" id="{33DDDE56-75D4-4FBD-9018-8D027EA53AC9}"/>
+              </a:ext>
+            </a:extLst>
+          </p:cNvPr>
+          <p:cNvCxnSpPr>
+            <a:stCxn id="11" idx="3"/>
+            <a:endCxn id="12" idx="1"/>
+          </p:cNvCxnSpPr>
+          <p:nvPr/>
+        </p:nvCxnSpPr>
+        <p:spPr>
+          <a:xfrm>
+            <a:off x="4943475" y="3103426"/>
+            <a:ext cx="1028700" cy="1210537"/>
+          </a:xfrm>
+          <a:prstGeom prst="line">
+            <a:avLst/>
+          </a:prstGeom>
+        </p:spPr>
+        <p:style>
+          <a:lnRef idx="1">
+            <a:schemeClr val="dk1"/>
+          </a:lnRef>
+          <a:fillRef idx="0">
+            <a:schemeClr val="dk1"/>
+          </a:fillRef>
+          <a:effectRef idx="0">
+            <a:schemeClr val="dk1"/>
+          </a:effectRef>
+          <a:fontRef idx="minor">
+            <a:schemeClr val="tx1"/>
+          </a:fontRef>
+        </p:style>
+      </p:cxnSp>
+      <p:cxnSp>
+        <p:nvCxnSpPr>
+          <p:cNvPr id="14" name="直接连接符 13">
+            <a:extLst>
+              <a:ext uri="{FF2B5EF4-FFF2-40B4-BE49-F238E27FC236}">
+                <a16:creationId xmlns:a16="http://schemas.microsoft.com/office/drawing/2014/main" id="{58744755-D9FC-4F0A-8977-3FB015A9BDFA}"/>
+              </a:ext>
+            </a:extLst>
+          </p:cNvPr>
+          <p:cNvCxnSpPr>
+            <a:cxnSpLocks/>
+            <a:stCxn id="10" idx="4"/>
+            <a:endCxn id="12" idx="1"/>
+          </p:cNvCxnSpPr>
+          <p:nvPr/>
+        </p:nvCxnSpPr>
+        <p:spPr>
+          <a:xfrm flipV="1">
+            <a:off x="4943475" y="4313963"/>
+            <a:ext cx="1028700" cy="881925"/>
+          </a:xfrm>
+          <a:prstGeom prst="line">
+            <a:avLst/>
+          </a:prstGeom>
+          <a:ln w="38100"/>
+        </p:spPr>
+        <p:style>
+          <a:lnRef idx="1">
+            <a:schemeClr val="dk1"/>
+          </a:lnRef>
+          <a:fillRef idx="0">
+            <a:schemeClr val="dk1"/>
+          </a:fillRef>
+          <a:effectRef idx="0">
+            <a:schemeClr val="dk1"/>
+          </a:effectRef>
+          <a:fontRef idx="minor">
+            <a:schemeClr val="tx1"/>
+          </a:fontRef>
+        </p:style>
+      </p:cxnSp>
+      <p:sp>
+        <p:nvSpPr>
+          <p:cNvPr id="15" name="文本框 14">
+            <a:extLst>
+              <a:ext uri="{FF2B5EF4-FFF2-40B4-BE49-F238E27FC236}">
+                <a16:creationId xmlns:a16="http://schemas.microsoft.com/office/drawing/2014/main" id="{C64BC377-C743-4237-B151-86D61DC90374}"/>
+              </a:ext>
+            </a:extLst>
+          </p:cNvPr>
+          <p:cNvSpPr txBox="1"/>
+          <p:nvPr/>
+        </p:nvSpPr>
+        <p:spPr>
+          <a:xfrm>
+            <a:off x="7412175" y="4745594"/>
+            <a:ext cx="2031325" cy="923330"/>
+          </a:xfrm>
+          <a:prstGeom prst="rect">
+            <a:avLst/>
+          </a:prstGeom>
+          <a:noFill/>
+        </p:spPr>
+        <p:txBody>
+          <a:bodyPr wrap="none" rtlCol="0">
+            <a:spAutoFit/>
+          </a:bodyPr>
+          <a:lstStyle/>
+          <a:p>
+            <a:r>
+              <a:rPr lang="en-US" altLang="zh-CN" dirty="0"/>
+              <a:t>RESTful API</a:t>
+            </a:r>
+          </a:p>
+          <a:p>
+            <a:r>
+              <a:rPr lang="zh-CN" altLang="en-US" dirty="0"/>
+              <a:t>可以进行用户</a:t>
+            </a:r>
+            <a:endParaRPr lang="en-US" altLang="zh-CN" dirty="0"/>
+          </a:p>
+          <a:p>
+            <a:r>
+              <a:rPr lang="zh-CN" altLang="en-US" dirty="0"/>
+              <a:t>验证、注册、修改</a:t>
+            </a:r>
+          </a:p>
+        </p:txBody>
+      </p:sp>
+    </p:spTree>
+    <p:extLst>
+      <p:ext uri="{BB962C8B-B14F-4D97-AF65-F5344CB8AC3E}">
+        <p14:creationId xmlns:p14="http://schemas.microsoft.com/office/powerpoint/2010/main" val="1415252842"/>
+      </p:ext>
+    </p:extLst>
+  </p:cSld>
+  <p:clrMapOvr>
+    <a:masterClrMapping/>
+  </p:clrMapOvr>
+</p:sld>
+</file>
+
+<file path=ppt/slides/slide6.xml><?xml version="1.0" encoding="utf-8"?>
+<p:sld xmlns:a="http://schemas.openxmlformats.org/drawingml/2006/main" xmlns:r="http://schemas.openxmlformats.org/officeDocument/2006/relationships" xmlns:p="http://schemas.openxmlformats.org/presentationml/2006/main">
+  <p:cSld>
+    <p:spTree>
+      <p:nvGrpSpPr>
+        <p:cNvPr id="1" name=""/>
+        <p:cNvGrpSpPr/>
+        <p:nvPr/>
+      </p:nvGrpSpPr>
+      <p:grpSpPr>
+        <a:xfrm>
+          <a:off x="0" y="0"/>
+          <a:ext cx="0" cy="0"/>
+          <a:chOff x="0" y="0"/>
+          <a:chExt cx="0" cy="0"/>
+        </a:xfrm>
+      </p:grpSpPr>
+      <p:sp>
+        <p:nvSpPr>
+          <p:cNvPr id="2" name="标题 1">
+            <a:extLst>
+              <a:ext uri="{FF2B5EF4-FFF2-40B4-BE49-F238E27FC236}">
+                <a16:creationId xmlns:a16="http://schemas.microsoft.com/office/drawing/2014/main" id="{5822ACE8-9B4A-4B3D-B37D-F5C66D375E2D}"/>
+              </a:ext>
+            </a:extLst>
+          </p:cNvPr>
+          <p:cNvSpPr>
+            <a:spLocks noGrp="1"/>
+          </p:cNvSpPr>
+          <p:nvPr>
+            <p:ph type="title"/>
+          </p:nvPr>
+        </p:nvSpPr>
+        <p:spPr/>
+        <p:txBody>
+          <a:bodyPr/>
+          <a:lstStyle/>
+          <a:p>
+            <a:r>
+              <a:rPr lang="zh-CN" altLang="en-US" dirty="0"/>
+              <a:t>主机模式应用单元</a:t>
+            </a:r>
+            <a:r>
+              <a:rPr lang="en-US" altLang="zh-CN" dirty="0"/>
+              <a:t>+Cassandra</a:t>
+            </a:r>
+            <a:r>
+              <a:rPr lang="zh-CN" altLang="en-US" dirty="0"/>
+              <a:t>数据库</a:t>
+            </a:r>
+          </a:p>
+        </p:txBody>
+      </p:sp>
+      <p:sp>
+        <p:nvSpPr>
+          <p:cNvPr id="3" name="内容占位符 2">
+            <a:extLst>
+              <a:ext uri="{FF2B5EF4-FFF2-40B4-BE49-F238E27FC236}">
+                <a16:creationId xmlns:a16="http://schemas.microsoft.com/office/drawing/2014/main" id="{45871605-FB15-4011-AB4C-287BC84CA973}"/>
+              </a:ext>
+            </a:extLst>
+          </p:cNvPr>
+          <p:cNvSpPr>
+            <a:spLocks noGrp="1"/>
+          </p:cNvSpPr>
+          <p:nvPr>
+            <p:ph idx="1"/>
+          </p:nvPr>
+        </p:nvSpPr>
+        <p:spPr>
+          <a:xfrm>
+            <a:off x="5330963" y="1690688"/>
+            <a:ext cx="6840000" cy="4351338"/>
+          </a:xfrm>
+        </p:spPr>
+        <p:txBody>
+          <a:bodyPr/>
+          <a:lstStyle/>
+          <a:p>
+            <a:r>
+              <a:rPr lang="zh-CN" altLang="en-US" dirty="0"/>
+              <a:t>一个应用可以连接多个</a:t>
+            </a:r>
+            <a:r>
+              <a:rPr lang="en-US" altLang="zh-CN" dirty="0"/>
+              <a:t>Cassandra</a:t>
+            </a:r>
+            <a:r>
+              <a:rPr lang="zh-CN" altLang="en-US" dirty="0"/>
+              <a:t>数据库</a:t>
+            </a:r>
+            <a:endParaRPr lang="en-US" altLang="zh-CN" dirty="0"/>
+          </a:p>
+          <a:p>
+            <a:r>
+              <a:rPr lang="zh-CN" altLang="en-US" dirty="0"/>
+              <a:t>一个应用只能连接一个</a:t>
+            </a:r>
+            <a:r>
+              <a:rPr lang="en-US" altLang="zh-CN" dirty="0"/>
+              <a:t>Redis</a:t>
+            </a:r>
+            <a:r>
+              <a:rPr lang="zh-CN" altLang="en-US" dirty="0"/>
+              <a:t>缓存</a:t>
+            </a:r>
+          </a:p>
+        </p:txBody>
+      </p:sp>
+      <p:sp>
+        <p:nvSpPr>
+          <p:cNvPr id="11" name="矩形: 折角 10">
+            <a:extLst>
+              <a:ext uri="{FF2B5EF4-FFF2-40B4-BE49-F238E27FC236}">
+                <a16:creationId xmlns:a16="http://schemas.microsoft.com/office/drawing/2014/main" id="{746B7E90-B8DE-4D86-B9ED-4AFD066CD5B6}"/>
+              </a:ext>
+            </a:extLst>
+          </p:cNvPr>
+          <p:cNvSpPr/>
+          <p:nvPr/>
+        </p:nvSpPr>
+        <p:spPr>
+          <a:xfrm>
+            <a:off x="1822726" y="1690688"/>
+            <a:ext cx="2867025" cy="1114425"/>
+          </a:xfrm>
+          <a:prstGeom prst="foldedCorner">
+            <a:avLst/>
+          </a:prstGeom>
+          <a:noFill/>
+          <a:ln w="9525" cap="flat" cmpd="sng" algn="ctr">
+            <a:solidFill>
+              <a:schemeClr val="dk1"/>
+            </a:solidFill>
+            <a:prstDash val="solid"/>
+            <a:round/>
+            <a:headEnd type="none" w="med" len="med"/>
+            <a:tailEnd type="none" w="med" len="med"/>
+          </a:ln>
+        </p:spPr>
+        <p:style>
+          <a:lnRef idx="0">
+            <a:scrgbClr r="0" g="0" b="0"/>
+          </a:lnRef>
+          <a:fillRef idx="0">
+            <a:scrgbClr r="0" g="0" b="0"/>
+          </a:fillRef>
+          <a:effectRef idx="0">
+            <a:scrgbClr r="0" g="0" b="0"/>
+          </a:effectRef>
+          <a:fontRef idx="minor">
+            <a:schemeClr val="dk1"/>
+          </a:fontRef>
+        </p:style>
+        <p:txBody>
+          <a:bodyPr rtlCol="0" anchor="ctr"/>
+          <a:lstStyle/>
+          <a:p>
+            <a:pPr algn="ctr"/>
+            <a:r>
+              <a:rPr lang="en-US" altLang="zh-CN" dirty="0"/>
+              <a:t>Redis</a:t>
+            </a:r>
+            <a:r>
+              <a:rPr lang="zh-CN" altLang="en-US" dirty="0"/>
+              <a:t>缓存</a:t>
+            </a:r>
+          </a:p>
+        </p:txBody>
+      </p:sp>
       <p:cxnSp>
         <p:nvCxnSpPr>
           <p:cNvPr id="13" name="直接连接符 12">
@@ -15000,7 +18704,7 @@
 </p:sld>
 </file>
 
-<file path=ppt/slides/slide5.xml><?xml version="1.0" encoding="utf-8"?>
+<file path=ppt/slides/slide7.xml><?xml version="1.0" encoding="utf-8"?>
 <p:sld xmlns:a="http://schemas.openxmlformats.org/drawingml/2006/main" xmlns:r="http://schemas.openxmlformats.org/officeDocument/2006/relationships" xmlns:p="http://schemas.openxmlformats.org/presentationml/2006/main">
   <p:cSld>
     <p:spTree>
@@ -15498,7 +19202,7 @@
 </p:sld>
 </file>
 
-<file path=ppt/slides/slide6.xml><?xml version="1.0" encoding="utf-8"?>
+<file path=ppt/slides/slide8.xml><?xml version="1.0" encoding="utf-8"?>
 <p:sld xmlns:a="http://schemas.openxmlformats.org/drawingml/2006/main" xmlns:r="http://schemas.openxmlformats.org/officeDocument/2006/relationships" xmlns:p="http://schemas.openxmlformats.org/presentationml/2006/main">
   <p:cSld>
     <p:spTree>
@@ -15572,1472 +19276,6 @@
     <p:extLst>
       <p:ext uri="{BB962C8B-B14F-4D97-AF65-F5344CB8AC3E}">
         <p14:creationId xmlns:p14="http://schemas.microsoft.com/office/powerpoint/2010/main" val="3504561266"/>
-      </p:ext>
-    </p:extLst>
-  </p:cSld>
-  <p:clrMapOvr>
-    <a:masterClrMapping/>
-  </p:clrMapOvr>
-</p:sld>
-</file>
-
-<file path=ppt/slides/slide7.xml><?xml version="1.0" encoding="utf-8"?>
-<p:sld xmlns:a="http://schemas.openxmlformats.org/drawingml/2006/main" xmlns:r="http://schemas.openxmlformats.org/officeDocument/2006/relationships" xmlns:p="http://schemas.openxmlformats.org/presentationml/2006/main">
-  <p:cSld>
-    <p:spTree>
-      <p:nvGrpSpPr>
-        <p:cNvPr id="1" name=""/>
-        <p:cNvGrpSpPr/>
-        <p:nvPr/>
-      </p:nvGrpSpPr>
-      <p:grpSpPr>
-        <a:xfrm>
-          <a:off x="0" y="0"/>
-          <a:ext cx="0" cy="0"/>
-          <a:chOff x="0" y="0"/>
-          <a:chExt cx="0" cy="0"/>
-        </a:xfrm>
-      </p:grpSpPr>
-      <p:sp>
-        <p:nvSpPr>
-          <p:cNvPr id="23" name="标题 1">
-            <a:extLst>
-              <a:ext uri="{FF2B5EF4-FFF2-40B4-BE49-F238E27FC236}">
-                <a16:creationId xmlns:a16="http://schemas.microsoft.com/office/drawing/2014/main" id="{59295F01-0511-4482-A3D6-6713D1E32A3F}"/>
-              </a:ext>
-            </a:extLst>
-          </p:cNvPr>
-          <p:cNvSpPr>
-            <a:spLocks noGrp="1"/>
-          </p:cNvSpPr>
-          <p:nvPr>
-            <p:ph type="title"/>
-          </p:nvPr>
-        </p:nvSpPr>
-        <p:spPr>
-          <a:xfrm>
-            <a:off x="838200" y="365125"/>
-            <a:ext cx="790575" cy="6159500"/>
-          </a:xfrm>
-        </p:spPr>
-        <p:txBody>
-          <a:bodyPr>
-            <a:normAutofit/>
-          </a:bodyPr>
-          <a:lstStyle/>
-          <a:p>
-            <a:r>
-              <a:rPr lang="zh-CN" altLang="en-US" dirty="0"/>
-              <a:t>单主机架构</a:t>
-            </a:r>
-          </a:p>
-        </p:txBody>
-      </p:sp>
-      <p:sp>
-        <p:nvSpPr>
-          <p:cNvPr id="24" name="圆柱体 23">
-            <a:extLst>
-              <a:ext uri="{FF2B5EF4-FFF2-40B4-BE49-F238E27FC236}">
-                <a16:creationId xmlns:a16="http://schemas.microsoft.com/office/drawing/2014/main" id="{98D38DE5-9971-460B-92A6-C3554325AF21}"/>
-              </a:ext>
-            </a:extLst>
-          </p:cNvPr>
-          <p:cNvSpPr/>
-          <p:nvPr/>
-        </p:nvSpPr>
-        <p:spPr>
-          <a:xfrm>
-            <a:off x="3228975" y="3329850"/>
-            <a:ext cx="2867025" cy="1962150"/>
-          </a:xfrm>
-          <a:prstGeom prst="can">
-            <a:avLst/>
-          </a:prstGeom>
-          <a:noFill/>
-          <a:ln w="9525" cap="flat" cmpd="sng" algn="ctr">
-            <a:solidFill>
-              <a:schemeClr val="dk1"/>
-            </a:solidFill>
-            <a:prstDash val="solid"/>
-            <a:round/>
-            <a:headEnd type="none" w="med" len="med"/>
-            <a:tailEnd type="none" w="med" len="med"/>
-          </a:ln>
-        </p:spPr>
-        <p:style>
-          <a:lnRef idx="0">
-            <a:scrgbClr r="0" g="0" b="0"/>
-          </a:lnRef>
-          <a:fillRef idx="0">
-            <a:scrgbClr r="0" g="0" b="0"/>
-          </a:fillRef>
-          <a:effectRef idx="0">
-            <a:scrgbClr r="0" g="0" b="0"/>
-          </a:effectRef>
-          <a:fontRef idx="minor">
-            <a:schemeClr val="dk1"/>
-          </a:fontRef>
-        </p:style>
-        <p:txBody>
-          <a:bodyPr rtlCol="0" anchor="ctr"/>
-          <a:lstStyle/>
-          <a:p>
-            <a:pPr algn="ctr"/>
-            <a:r>
-              <a:rPr lang="en-US" altLang="zh-CN" dirty="0"/>
-              <a:t>SQL</a:t>
-            </a:r>
-            <a:r>
-              <a:rPr lang="zh-CN" altLang="en-US" dirty="0"/>
-              <a:t>或</a:t>
-            </a:r>
-            <a:r>
-              <a:rPr lang="en-US" altLang="zh-CN" dirty="0"/>
-              <a:t>Cassandra</a:t>
-            </a:r>
-            <a:r>
-              <a:rPr lang="zh-CN" altLang="en-US" dirty="0"/>
-              <a:t>数据库</a:t>
-            </a:r>
-          </a:p>
-        </p:txBody>
-      </p:sp>
-      <p:sp>
-        <p:nvSpPr>
-          <p:cNvPr id="25" name="矩形: 折角 24">
-            <a:extLst>
-              <a:ext uri="{FF2B5EF4-FFF2-40B4-BE49-F238E27FC236}">
-                <a16:creationId xmlns:a16="http://schemas.microsoft.com/office/drawing/2014/main" id="{1DFE8969-F78E-4A08-802E-E3E8985D4BC1}"/>
-              </a:ext>
-            </a:extLst>
-          </p:cNvPr>
-          <p:cNvSpPr/>
-          <p:nvPr/>
-        </p:nvSpPr>
-        <p:spPr>
-          <a:xfrm>
-            <a:off x="3228975" y="1661250"/>
-            <a:ext cx="2867025" cy="1114425"/>
-          </a:xfrm>
-          <a:prstGeom prst="foldedCorner">
-            <a:avLst/>
-          </a:prstGeom>
-          <a:noFill/>
-          <a:ln w="9525" cap="flat" cmpd="sng" algn="ctr">
-            <a:solidFill>
-              <a:schemeClr val="dk1"/>
-            </a:solidFill>
-            <a:prstDash val="solid"/>
-            <a:round/>
-            <a:headEnd type="none" w="med" len="med"/>
-            <a:tailEnd type="none" w="med" len="med"/>
-          </a:ln>
-        </p:spPr>
-        <p:style>
-          <a:lnRef idx="0">
-            <a:scrgbClr r="0" g="0" b="0"/>
-          </a:lnRef>
-          <a:fillRef idx="0">
-            <a:scrgbClr r="0" g="0" b="0"/>
-          </a:fillRef>
-          <a:effectRef idx="0">
-            <a:scrgbClr r="0" g="0" b="0"/>
-          </a:effectRef>
-          <a:fontRef idx="minor">
-            <a:schemeClr val="dk1"/>
-          </a:fontRef>
-        </p:style>
-        <p:txBody>
-          <a:bodyPr rtlCol="0" anchor="ctr"/>
-          <a:lstStyle/>
-          <a:p>
-            <a:pPr algn="ctr"/>
-            <a:r>
-              <a:rPr lang="en-US" altLang="zh-CN" dirty="0"/>
-              <a:t>Redis</a:t>
-            </a:r>
-            <a:r>
-              <a:rPr lang="zh-CN" altLang="en-US" dirty="0"/>
-              <a:t>缓存</a:t>
-            </a:r>
-          </a:p>
-        </p:txBody>
-      </p:sp>
-      <p:sp>
-        <p:nvSpPr>
-          <p:cNvPr id="26" name="流程图: 顺序访问存储器 25">
-            <a:extLst>
-              <a:ext uri="{FF2B5EF4-FFF2-40B4-BE49-F238E27FC236}">
-                <a16:creationId xmlns:a16="http://schemas.microsoft.com/office/drawing/2014/main" id="{437F92C0-64A2-428F-BDE0-870496DAFD8A}"/>
-              </a:ext>
-            </a:extLst>
-          </p:cNvPr>
-          <p:cNvSpPr/>
-          <p:nvPr/>
-        </p:nvSpPr>
-        <p:spPr>
-          <a:xfrm>
-            <a:off x="7124700" y="2709000"/>
-            <a:ext cx="1440000" cy="1440000"/>
-          </a:xfrm>
-          <a:prstGeom prst="flowChartMagneticTape">
-            <a:avLst/>
-          </a:prstGeom>
-        </p:spPr>
-        <p:style>
-          <a:lnRef idx="2">
-            <a:schemeClr val="dk1"/>
-          </a:lnRef>
-          <a:fillRef idx="1">
-            <a:schemeClr val="lt1"/>
-          </a:fillRef>
-          <a:effectRef idx="0">
-            <a:schemeClr val="dk1"/>
-          </a:effectRef>
-          <a:fontRef idx="minor">
-            <a:schemeClr val="dk1"/>
-          </a:fontRef>
-        </p:style>
-        <p:txBody>
-          <a:bodyPr rtlCol="0" anchor="ctr"/>
-          <a:lstStyle/>
-          <a:p>
-            <a:pPr algn="ctr"/>
-            <a:r>
-              <a:rPr lang="zh-CN" altLang="en-US" sz="1600" dirty="0"/>
-              <a:t>主机模式</a:t>
-            </a:r>
-            <a:endParaRPr lang="en-US" altLang="zh-CN" sz="1600" dirty="0"/>
-          </a:p>
-          <a:p>
-            <a:pPr algn="ctr"/>
-            <a:r>
-              <a:rPr lang="zh-CN" altLang="en-US" sz="1600" dirty="0"/>
-              <a:t>应用程序</a:t>
-            </a:r>
-          </a:p>
-        </p:txBody>
-      </p:sp>
-      <p:cxnSp>
-        <p:nvCxnSpPr>
-          <p:cNvPr id="28" name="直接连接符 27">
-            <a:extLst>
-              <a:ext uri="{FF2B5EF4-FFF2-40B4-BE49-F238E27FC236}">
-                <a16:creationId xmlns:a16="http://schemas.microsoft.com/office/drawing/2014/main" id="{8F02E75A-8797-4CA7-9257-6015B11C56BC}"/>
-              </a:ext>
-            </a:extLst>
-          </p:cNvPr>
-          <p:cNvCxnSpPr>
-            <a:stCxn id="25" idx="3"/>
-            <a:endCxn id="26" idx="1"/>
-          </p:cNvCxnSpPr>
-          <p:nvPr/>
-        </p:nvCxnSpPr>
-        <p:spPr>
-          <a:xfrm>
-            <a:off x="6096000" y="2218463"/>
-            <a:ext cx="1028700" cy="1210537"/>
-          </a:xfrm>
-          <a:prstGeom prst="line">
-            <a:avLst/>
-          </a:prstGeom>
-        </p:spPr>
-        <p:style>
-          <a:lnRef idx="1">
-            <a:schemeClr val="dk1"/>
-          </a:lnRef>
-          <a:fillRef idx="0">
-            <a:schemeClr val="dk1"/>
-          </a:fillRef>
-          <a:effectRef idx="0">
-            <a:schemeClr val="dk1"/>
-          </a:effectRef>
-          <a:fontRef idx="minor">
-            <a:schemeClr val="tx1"/>
-          </a:fontRef>
-        </p:style>
-      </p:cxnSp>
-      <p:cxnSp>
-        <p:nvCxnSpPr>
-          <p:cNvPr id="29" name="直接连接符 28">
-            <a:extLst>
-              <a:ext uri="{FF2B5EF4-FFF2-40B4-BE49-F238E27FC236}">
-                <a16:creationId xmlns:a16="http://schemas.microsoft.com/office/drawing/2014/main" id="{D187D76F-8079-4C47-B298-9766EA9B3664}"/>
-              </a:ext>
-            </a:extLst>
-          </p:cNvPr>
-          <p:cNvCxnSpPr>
-            <a:cxnSpLocks/>
-            <a:stCxn id="24" idx="4"/>
-            <a:endCxn id="26" idx="1"/>
-          </p:cNvCxnSpPr>
-          <p:nvPr/>
-        </p:nvCxnSpPr>
-        <p:spPr>
-          <a:xfrm flipV="1">
-            <a:off x="6096000" y="3429000"/>
-            <a:ext cx="1028700" cy="881925"/>
-          </a:xfrm>
-          <a:prstGeom prst="line">
-            <a:avLst/>
-          </a:prstGeom>
-          <a:ln w="38100"/>
-        </p:spPr>
-        <p:style>
-          <a:lnRef idx="1">
-            <a:schemeClr val="dk1"/>
-          </a:lnRef>
-          <a:fillRef idx="0">
-            <a:schemeClr val="dk1"/>
-          </a:fillRef>
-          <a:effectRef idx="0">
-            <a:schemeClr val="dk1"/>
-          </a:effectRef>
-          <a:fontRef idx="minor">
-            <a:schemeClr val="tx1"/>
-          </a:fontRef>
-        </p:style>
-      </p:cxnSp>
-      <p:sp>
-        <p:nvSpPr>
-          <p:cNvPr id="30" name="文本框 29">
-            <a:extLst>
-              <a:ext uri="{FF2B5EF4-FFF2-40B4-BE49-F238E27FC236}">
-                <a16:creationId xmlns:a16="http://schemas.microsoft.com/office/drawing/2014/main" id="{946A0FF3-FA24-4BE1-8C59-E3EEAC30A189}"/>
-              </a:ext>
-            </a:extLst>
-          </p:cNvPr>
-          <p:cNvSpPr txBox="1"/>
-          <p:nvPr/>
-        </p:nvSpPr>
-        <p:spPr>
-          <a:xfrm>
-            <a:off x="8564700" y="3860631"/>
-            <a:ext cx="1311578" cy="369332"/>
-          </a:xfrm>
-          <a:prstGeom prst="rect">
-            <a:avLst/>
-          </a:prstGeom>
-          <a:noFill/>
-        </p:spPr>
-        <p:txBody>
-          <a:bodyPr wrap="none" rtlCol="0">
-            <a:spAutoFit/>
-          </a:bodyPr>
-          <a:lstStyle/>
-          <a:p>
-            <a:r>
-              <a:rPr lang="en-US" altLang="zh-CN" dirty="0"/>
-              <a:t>RESTful API</a:t>
-            </a:r>
-          </a:p>
-        </p:txBody>
-      </p:sp>
-    </p:spTree>
-    <p:extLst>
-      <p:ext uri="{BB962C8B-B14F-4D97-AF65-F5344CB8AC3E}">
-        <p14:creationId xmlns:p14="http://schemas.microsoft.com/office/powerpoint/2010/main" val="1985568644"/>
-      </p:ext>
-    </p:extLst>
-  </p:cSld>
-  <p:clrMapOvr>
-    <a:masterClrMapping/>
-  </p:clrMapOvr>
-</p:sld>
-</file>
-
-<file path=ppt/slides/slide8.xml><?xml version="1.0" encoding="utf-8"?>
-<p:sld xmlns:a="http://schemas.openxmlformats.org/drawingml/2006/main" xmlns:r="http://schemas.openxmlformats.org/officeDocument/2006/relationships" xmlns:p="http://schemas.openxmlformats.org/presentationml/2006/main">
-  <p:cSld>
-    <p:spTree>
-      <p:nvGrpSpPr>
-        <p:cNvPr id="1" name=""/>
-        <p:cNvGrpSpPr/>
-        <p:nvPr/>
-      </p:nvGrpSpPr>
-      <p:grpSpPr>
-        <a:xfrm>
-          <a:off x="0" y="0"/>
-          <a:ext cx="0" cy="0"/>
-          <a:chOff x="0" y="0"/>
-          <a:chExt cx="0" cy="0"/>
-        </a:xfrm>
-      </p:grpSpPr>
-      <p:sp>
-        <p:nvSpPr>
-          <p:cNvPr id="4" name="圆柱体 3">
-            <a:extLst>
-              <a:ext uri="{FF2B5EF4-FFF2-40B4-BE49-F238E27FC236}">
-                <a16:creationId xmlns:a16="http://schemas.microsoft.com/office/drawing/2014/main" id="{345C3C2C-CCAF-4FD2-9883-4B2EE7222928}"/>
-              </a:ext>
-            </a:extLst>
-          </p:cNvPr>
-          <p:cNvSpPr/>
-          <p:nvPr/>
-        </p:nvSpPr>
-        <p:spPr>
-          <a:xfrm>
-            <a:off x="4019647" y="4823551"/>
-            <a:ext cx="2867025" cy="1962150"/>
-          </a:xfrm>
-          <a:prstGeom prst="can">
-            <a:avLst/>
-          </a:prstGeom>
-          <a:noFill/>
-          <a:ln w="9525" cap="flat" cmpd="sng" algn="ctr">
-            <a:solidFill>
-              <a:schemeClr val="dk1"/>
-            </a:solidFill>
-            <a:prstDash val="solid"/>
-            <a:round/>
-            <a:headEnd type="none" w="med" len="med"/>
-            <a:tailEnd type="none" w="med" len="med"/>
-          </a:ln>
-        </p:spPr>
-        <p:style>
-          <a:lnRef idx="0">
-            <a:scrgbClr r="0" g="0" b="0"/>
-          </a:lnRef>
-          <a:fillRef idx="0">
-            <a:scrgbClr r="0" g="0" b="0"/>
-          </a:fillRef>
-          <a:effectRef idx="0">
-            <a:scrgbClr r="0" g="0" b="0"/>
-          </a:effectRef>
-          <a:fontRef idx="minor">
-            <a:schemeClr val="dk1"/>
-          </a:fontRef>
-        </p:style>
-        <p:txBody>
-          <a:bodyPr rtlCol="0" anchor="ctr"/>
-          <a:lstStyle/>
-          <a:p>
-            <a:pPr algn="ctr"/>
-            <a:r>
-              <a:rPr lang="en-US" altLang="zh-CN" dirty="0"/>
-              <a:t>SQL</a:t>
-            </a:r>
-            <a:r>
-              <a:rPr lang="zh-CN" altLang="en-US" dirty="0"/>
-              <a:t>或</a:t>
-            </a:r>
-            <a:r>
-              <a:rPr lang="en-US" altLang="zh-CN" dirty="0"/>
-              <a:t>Cassandra</a:t>
-            </a:r>
-          </a:p>
-          <a:p>
-            <a:pPr algn="ctr"/>
-            <a:r>
-              <a:rPr lang="zh-CN" altLang="en-US" dirty="0"/>
-              <a:t>数据库</a:t>
-            </a:r>
-          </a:p>
-        </p:txBody>
-      </p:sp>
-      <p:sp>
-        <p:nvSpPr>
-          <p:cNvPr id="5" name="矩形: 折角 4">
-            <a:extLst>
-              <a:ext uri="{FF2B5EF4-FFF2-40B4-BE49-F238E27FC236}">
-                <a16:creationId xmlns:a16="http://schemas.microsoft.com/office/drawing/2014/main" id="{5B281DD3-CA79-4CD1-B94E-ABDB0F8B9B50}"/>
-              </a:ext>
-            </a:extLst>
-          </p:cNvPr>
-          <p:cNvSpPr/>
-          <p:nvPr/>
-        </p:nvSpPr>
-        <p:spPr>
-          <a:xfrm>
-            <a:off x="4019647" y="3154951"/>
-            <a:ext cx="2867025" cy="1114425"/>
-          </a:xfrm>
-          <a:prstGeom prst="foldedCorner">
-            <a:avLst/>
-          </a:prstGeom>
-          <a:noFill/>
-          <a:ln w="9525" cap="flat" cmpd="sng" algn="ctr">
-            <a:solidFill>
-              <a:schemeClr val="dk1"/>
-            </a:solidFill>
-            <a:prstDash val="solid"/>
-            <a:round/>
-            <a:headEnd type="none" w="med" len="med"/>
-            <a:tailEnd type="none" w="med" len="med"/>
-          </a:ln>
-        </p:spPr>
-        <p:style>
-          <a:lnRef idx="0">
-            <a:scrgbClr r="0" g="0" b="0"/>
-          </a:lnRef>
-          <a:fillRef idx="0">
-            <a:scrgbClr r="0" g="0" b="0"/>
-          </a:fillRef>
-          <a:effectRef idx="0">
-            <a:scrgbClr r="0" g="0" b="0"/>
-          </a:effectRef>
-          <a:fontRef idx="minor">
-            <a:schemeClr val="dk1"/>
-          </a:fontRef>
-        </p:style>
-        <p:txBody>
-          <a:bodyPr rtlCol="0" anchor="ctr"/>
-          <a:lstStyle/>
-          <a:p>
-            <a:pPr algn="ctr"/>
-            <a:r>
-              <a:rPr lang="en-US" altLang="zh-CN" dirty="0"/>
-              <a:t>Redis</a:t>
-            </a:r>
-            <a:r>
-              <a:rPr lang="zh-CN" altLang="en-US" dirty="0"/>
-              <a:t>主缓存</a:t>
-            </a:r>
-          </a:p>
-        </p:txBody>
-      </p:sp>
-      <p:sp>
-        <p:nvSpPr>
-          <p:cNvPr id="6" name="流程图: 顺序访问存储器 5">
-            <a:extLst>
-              <a:ext uri="{FF2B5EF4-FFF2-40B4-BE49-F238E27FC236}">
-                <a16:creationId xmlns:a16="http://schemas.microsoft.com/office/drawing/2014/main" id="{84E05B46-B4E8-4FAF-B9E7-B3CFE21DD4DE}"/>
-              </a:ext>
-            </a:extLst>
-          </p:cNvPr>
-          <p:cNvSpPr/>
-          <p:nvPr/>
-        </p:nvSpPr>
-        <p:spPr>
-          <a:xfrm>
-            <a:off x="7915372" y="5084626"/>
-            <a:ext cx="1440000" cy="1440000"/>
-          </a:xfrm>
-          <a:prstGeom prst="flowChartMagneticTape">
-            <a:avLst/>
-          </a:prstGeom>
-        </p:spPr>
-        <p:style>
-          <a:lnRef idx="2">
-            <a:schemeClr val="dk1"/>
-          </a:lnRef>
-          <a:fillRef idx="1">
-            <a:schemeClr val="lt1"/>
-          </a:fillRef>
-          <a:effectRef idx="0">
-            <a:schemeClr val="dk1"/>
-          </a:effectRef>
-          <a:fontRef idx="minor">
-            <a:schemeClr val="dk1"/>
-          </a:fontRef>
-        </p:style>
-        <p:txBody>
-          <a:bodyPr rtlCol="0" anchor="ctr"/>
-          <a:lstStyle/>
-          <a:p>
-            <a:pPr algn="ctr"/>
-            <a:r>
-              <a:rPr lang="zh-CN" altLang="en-US" sz="1600" dirty="0"/>
-              <a:t>主机模式</a:t>
-            </a:r>
-            <a:endParaRPr lang="en-US" altLang="zh-CN" sz="1600" dirty="0"/>
-          </a:p>
-          <a:p>
-            <a:pPr algn="ctr"/>
-            <a:r>
-              <a:rPr lang="zh-CN" altLang="en-US" sz="1600" dirty="0"/>
-              <a:t>应用程序</a:t>
-            </a:r>
-          </a:p>
-        </p:txBody>
-      </p:sp>
-      <p:cxnSp>
-        <p:nvCxnSpPr>
-          <p:cNvPr id="7" name="直接连接符 6">
-            <a:extLst>
-              <a:ext uri="{FF2B5EF4-FFF2-40B4-BE49-F238E27FC236}">
-                <a16:creationId xmlns:a16="http://schemas.microsoft.com/office/drawing/2014/main" id="{0AF433F3-153F-43EB-9A13-F6E597D5D23E}"/>
-              </a:ext>
-            </a:extLst>
-          </p:cNvPr>
-          <p:cNvCxnSpPr>
-            <a:stCxn id="5" idx="3"/>
-            <a:endCxn id="6" idx="1"/>
-          </p:cNvCxnSpPr>
-          <p:nvPr/>
-        </p:nvCxnSpPr>
-        <p:spPr>
-          <a:xfrm>
-            <a:off x="6886672" y="3712164"/>
-            <a:ext cx="1028700" cy="2092462"/>
-          </a:xfrm>
-          <a:prstGeom prst="line">
-            <a:avLst/>
-          </a:prstGeom>
-        </p:spPr>
-        <p:style>
-          <a:lnRef idx="1">
-            <a:schemeClr val="dk1"/>
-          </a:lnRef>
-          <a:fillRef idx="0">
-            <a:schemeClr val="dk1"/>
-          </a:fillRef>
-          <a:effectRef idx="0">
-            <a:schemeClr val="dk1"/>
-          </a:effectRef>
-          <a:fontRef idx="minor">
-            <a:schemeClr val="tx1"/>
-          </a:fontRef>
-        </p:style>
-      </p:cxnSp>
-      <p:cxnSp>
-        <p:nvCxnSpPr>
-          <p:cNvPr id="8" name="直接连接符 7">
-            <a:extLst>
-              <a:ext uri="{FF2B5EF4-FFF2-40B4-BE49-F238E27FC236}">
-                <a16:creationId xmlns:a16="http://schemas.microsoft.com/office/drawing/2014/main" id="{AE3F4BDC-12D1-426B-9372-4348C576AA9F}"/>
-              </a:ext>
-            </a:extLst>
-          </p:cNvPr>
-          <p:cNvCxnSpPr>
-            <a:cxnSpLocks/>
-            <a:stCxn id="4" idx="4"/>
-            <a:endCxn id="6" idx="1"/>
-          </p:cNvCxnSpPr>
-          <p:nvPr/>
-        </p:nvCxnSpPr>
-        <p:spPr>
-          <a:xfrm>
-            <a:off x="6886672" y="5804626"/>
-            <a:ext cx="1028700" cy="0"/>
-          </a:xfrm>
-          <a:prstGeom prst="line">
-            <a:avLst/>
-          </a:prstGeom>
-          <a:ln w="38100"/>
-        </p:spPr>
-        <p:style>
-          <a:lnRef idx="1">
-            <a:schemeClr val="dk1"/>
-          </a:lnRef>
-          <a:fillRef idx="0">
-            <a:schemeClr val="dk1"/>
-          </a:fillRef>
-          <a:effectRef idx="0">
-            <a:schemeClr val="dk1"/>
-          </a:effectRef>
-          <a:fontRef idx="minor">
-            <a:schemeClr val="tx1"/>
-          </a:fontRef>
-        </p:style>
-      </p:cxnSp>
-      <p:sp>
-        <p:nvSpPr>
-          <p:cNvPr id="10" name="流程图: 顺序访问存储器 9">
-            <a:extLst>
-              <a:ext uri="{FF2B5EF4-FFF2-40B4-BE49-F238E27FC236}">
-                <a16:creationId xmlns:a16="http://schemas.microsoft.com/office/drawing/2014/main" id="{A5F26EA4-E9DA-4088-B584-324A62245C5C}"/>
-              </a:ext>
-            </a:extLst>
-          </p:cNvPr>
-          <p:cNvSpPr/>
-          <p:nvPr/>
-        </p:nvSpPr>
-        <p:spPr>
-          <a:xfrm>
-            <a:off x="8203372" y="1401093"/>
-            <a:ext cx="1152000" cy="1152000"/>
-          </a:xfrm>
-          <a:prstGeom prst="flowChartMagneticTape">
-            <a:avLst/>
-          </a:prstGeom>
-        </p:spPr>
-        <p:style>
-          <a:lnRef idx="2">
-            <a:schemeClr val="dk1"/>
-          </a:lnRef>
-          <a:fillRef idx="1">
-            <a:schemeClr val="lt1"/>
-          </a:fillRef>
-          <a:effectRef idx="0">
-            <a:schemeClr val="dk1"/>
-          </a:effectRef>
-          <a:fontRef idx="minor">
-            <a:schemeClr val="dk1"/>
-          </a:fontRef>
-        </p:style>
-        <p:txBody>
-          <a:bodyPr rtlCol="0" anchor="ctr"/>
-          <a:lstStyle/>
-          <a:p>
-            <a:pPr algn="ctr"/>
-            <a:r>
-              <a:rPr lang="zh-CN" altLang="en-US" sz="1200" dirty="0"/>
-              <a:t>从机模式</a:t>
-            </a:r>
-            <a:endParaRPr lang="en-US" altLang="zh-CN" sz="1200" dirty="0"/>
-          </a:p>
-          <a:p>
-            <a:pPr algn="ctr"/>
-            <a:r>
-              <a:rPr lang="zh-CN" altLang="en-US" sz="1200" dirty="0"/>
-              <a:t>应用程序</a:t>
-            </a:r>
-          </a:p>
-        </p:txBody>
-      </p:sp>
-      <p:sp>
-        <p:nvSpPr>
-          <p:cNvPr id="11" name="流程图: 顺序访问存储器 10">
-            <a:extLst>
-              <a:ext uri="{FF2B5EF4-FFF2-40B4-BE49-F238E27FC236}">
-                <a16:creationId xmlns:a16="http://schemas.microsoft.com/office/drawing/2014/main" id="{3517D4F7-AB47-46A2-AB56-5B3D18C7FCF5}"/>
-              </a:ext>
-            </a:extLst>
-          </p:cNvPr>
-          <p:cNvSpPr/>
-          <p:nvPr/>
-        </p:nvSpPr>
-        <p:spPr>
-          <a:xfrm>
-            <a:off x="8203372" y="162901"/>
-            <a:ext cx="1152000" cy="1152000"/>
-          </a:xfrm>
-          <a:prstGeom prst="flowChartMagneticTape">
-            <a:avLst/>
-          </a:prstGeom>
-        </p:spPr>
-        <p:style>
-          <a:lnRef idx="2">
-            <a:schemeClr val="dk1"/>
-          </a:lnRef>
-          <a:fillRef idx="1">
-            <a:schemeClr val="lt1"/>
-          </a:fillRef>
-          <a:effectRef idx="0">
-            <a:schemeClr val="dk1"/>
-          </a:effectRef>
-          <a:fontRef idx="minor">
-            <a:schemeClr val="dk1"/>
-          </a:fontRef>
-        </p:style>
-        <p:txBody>
-          <a:bodyPr rtlCol="0" anchor="ctr"/>
-          <a:lstStyle/>
-          <a:p>
-            <a:pPr algn="ctr"/>
-            <a:r>
-              <a:rPr lang="zh-CN" altLang="en-US" sz="1200" dirty="0"/>
-              <a:t>从机模式</a:t>
-            </a:r>
-            <a:endParaRPr lang="en-US" altLang="zh-CN" sz="1200" dirty="0"/>
-          </a:p>
-          <a:p>
-            <a:pPr algn="ctr"/>
-            <a:r>
-              <a:rPr lang="zh-CN" altLang="en-US" sz="1200" dirty="0"/>
-              <a:t>应用程序</a:t>
-            </a:r>
-          </a:p>
-        </p:txBody>
-      </p:sp>
-      <p:sp>
-        <p:nvSpPr>
-          <p:cNvPr id="12" name="流程图: 顺序访问存储器 11">
-            <a:extLst>
-              <a:ext uri="{FF2B5EF4-FFF2-40B4-BE49-F238E27FC236}">
-                <a16:creationId xmlns:a16="http://schemas.microsoft.com/office/drawing/2014/main" id="{A62710EE-E43A-49A8-9303-F0BDEBA27B98}"/>
-              </a:ext>
-            </a:extLst>
-          </p:cNvPr>
-          <p:cNvSpPr/>
-          <p:nvPr/>
-        </p:nvSpPr>
-        <p:spPr>
-          <a:xfrm>
-            <a:off x="8203372" y="2639285"/>
-            <a:ext cx="1152000" cy="1152000"/>
-          </a:xfrm>
-          <a:prstGeom prst="flowChartMagneticTape">
-            <a:avLst/>
-          </a:prstGeom>
-        </p:spPr>
-        <p:style>
-          <a:lnRef idx="2">
-            <a:schemeClr val="dk1"/>
-          </a:lnRef>
-          <a:fillRef idx="1">
-            <a:schemeClr val="lt1"/>
-          </a:fillRef>
-          <a:effectRef idx="0">
-            <a:schemeClr val="dk1"/>
-          </a:effectRef>
-          <a:fontRef idx="minor">
-            <a:schemeClr val="dk1"/>
-          </a:fontRef>
-        </p:style>
-        <p:txBody>
-          <a:bodyPr rtlCol="0" anchor="ctr"/>
-          <a:lstStyle/>
-          <a:p>
-            <a:pPr algn="ctr"/>
-            <a:r>
-              <a:rPr lang="zh-CN" altLang="en-US" sz="1200" dirty="0"/>
-              <a:t>从机模式</a:t>
-            </a:r>
-            <a:endParaRPr lang="en-US" altLang="zh-CN" sz="1200" dirty="0"/>
-          </a:p>
-          <a:p>
-            <a:pPr algn="ctr"/>
-            <a:r>
-              <a:rPr lang="zh-CN" altLang="en-US" sz="1200" dirty="0"/>
-              <a:t>应用程序</a:t>
-            </a:r>
-          </a:p>
-        </p:txBody>
-      </p:sp>
-      <p:sp>
-        <p:nvSpPr>
-          <p:cNvPr id="15" name="矩形: 折角 14">
-            <a:extLst>
-              <a:ext uri="{FF2B5EF4-FFF2-40B4-BE49-F238E27FC236}">
-                <a16:creationId xmlns:a16="http://schemas.microsoft.com/office/drawing/2014/main" id="{32650A72-8AFF-457E-ABF0-BA6C82C26B94}"/>
-              </a:ext>
-            </a:extLst>
-          </p:cNvPr>
-          <p:cNvSpPr/>
-          <p:nvPr/>
-        </p:nvSpPr>
-        <p:spPr>
-          <a:xfrm>
-            <a:off x="5200746" y="756078"/>
-            <a:ext cx="1685926" cy="1002412"/>
-          </a:xfrm>
-          <a:prstGeom prst="foldedCorner">
-            <a:avLst/>
-          </a:prstGeom>
-          <a:noFill/>
-          <a:ln w="9525" cap="flat" cmpd="sng" algn="ctr">
-            <a:solidFill>
-              <a:schemeClr val="dk1"/>
-            </a:solidFill>
-            <a:prstDash val="solid"/>
-            <a:round/>
-            <a:headEnd type="none" w="med" len="med"/>
-            <a:tailEnd type="none" w="med" len="med"/>
-          </a:ln>
-        </p:spPr>
-        <p:style>
-          <a:lnRef idx="0">
-            <a:scrgbClr r="0" g="0" b="0"/>
-          </a:lnRef>
-          <a:fillRef idx="0">
-            <a:scrgbClr r="0" g="0" b="0"/>
-          </a:fillRef>
-          <a:effectRef idx="0">
-            <a:scrgbClr r="0" g="0" b="0"/>
-          </a:effectRef>
-          <a:fontRef idx="minor">
-            <a:schemeClr val="dk1"/>
-          </a:fontRef>
-        </p:style>
-        <p:txBody>
-          <a:bodyPr rtlCol="0" anchor="ctr"/>
-          <a:lstStyle/>
-          <a:p>
-            <a:pPr algn="ctr"/>
-            <a:r>
-              <a:rPr lang="en-US" altLang="zh-CN" dirty="0"/>
-              <a:t>Redis</a:t>
-            </a:r>
-            <a:r>
-              <a:rPr lang="zh-CN" altLang="en-US" dirty="0"/>
-              <a:t>从缓存</a:t>
-            </a:r>
-          </a:p>
-        </p:txBody>
-      </p:sp>
-      <p:sp>
-        <p:nvSpPr>
-          <p:cNvPr id="16" name="矩形: 折角 15">
-            <a:extLst>
-              <a:ext uri="{FF2B5EF4-FFF2-40B4-BE49-F238E27FC236}">
-                <a16:creationId xmlns:a16="http://schemas.microsoft.com/office/drawing/2014/main" id="{6FC4E8C1-2B55-475E-8A8A-A7FF85A5093A}"/>
-              </a:ext>
-            </a:extLst>
-          </p:cNvPr>
-          <p:cNvSpPr/>
-          <p:nvPr/>
-        </p:nvSpPr>
-        <p:spPr>
-          <a:xfrm>
-            <a:off x="5200746" y="1826589"/>
-            <a:ext cx="1685926" cy="1002412"/>
-          </a:xfrm>
-          <a:prstGeom prst="foldedCorner">
-            <a:avLst/>
-          </a:prstGeom>
-          <a:noFill/>
-          <a:ln w="9525" cap="flat" cmpd="sng" algn="ctr">
-            <a:solidFill>
-              <a:schemeClr val="dk1"/>
-            </a:solidFill>
-            <a:prstDash val="solid"/>
-            <a:round/>
-            <a:headEnd type="none" w="med" len="med"/>
-            <a:tailEnd type="none" w="med" len="med"/>
-          </a:ln>
-        </p:spPr>
-        <p:style>
-          <a:lnRef idx="0">
-            <a:scrgbClr r="0" g="0" b="0"/>
-          </a:lnRef>
-          <a:fillRef idx="0">
-            <a:scrgbClr r="0" g="0" b="0"/>
-          </a:fillRef>
-          <a:effectRef idx="0">
-            <a:scrgbClr r="0" g="0" b="0"/>
-          </a:effectRef>
-          <a:fontRef idx="minor">
-            <a:schemeClr val="dk1"/>
-          </a:fontRef>
-        </p:style>
-        <p:txBody>
-          <a:bodyPr rtlCol="0" anchor="ctr"/>
-          <a:lstStyle/>
-          <a:p>
-            <a:pPr algn="ctr"/>
-            <a:r>
-              <a:rPr lang="en-US" altLang="zh-CN" dirty="0"/>
-              <a:t>Redis</a:t>
-            </a:r>
-            <a:r>
-              <a:rPr lang="zh-CN" altLang="en-US" dirty="0"/>
-              <a:t>从缓存</a:t>
-            </a:r>
-          </a:p>
-        </p:txBody>
-      </p:sp>
-      <p:cxnSp>
-        <p:nvCxnSpPr>
-          <p:cNvPr id="18" name="连接符: 肘形 17">
-            <a:extLst>
-              <a:ext uri="{FF2B5EF4-FFF2-40B4-BE49-F238E27FC236}">
-                <a16:creationId xmlns:a16="http://schemas.microsoft.com/office/drawing/2014/main" id="{D89B4B2B-3831-481A-B096-F59F324D5812}"/>
-              </a:ext>
-            </a:extLst>
-          </p:cNvPr>
-          <p:cNvCxnSpPr>
-            <a:cxnSpLocks/>
-            <a:stCxn id="5" idx="1"/>
-            <a:endCxn id="16" idx="1"/>
-          </p:cNvCxnSpPr>
-          <p:nvPr/>
-        </p:nvCxnSpPr>
-        <p:spPr>
-          <a:xfrm rot="10800000" flipH="1">
-            <a:off x="4019646" y="2327796"/>
-            <a:ext cx="1181099" cy="1384369"/>
-          </a:xfrm>
-          <a:prstGeom prst="bentConnector3">
-            <a:avLst>
-              <a:gd name="adj1" fmla="val -19355"/>
-            </a:avLst>
-          </a:prstGeom>
-        </p:spPr>
-        <p:style>
-          <a:lnRef idx="1">
-            <a:schemeClr val="dk1"/>
-          </a:lnRef>
-          <a:fillRef idx="0">
-            <a:schemeClr val="dk1"/>
-          </a:fillRef>
-          <a:effectRef idx="0">
-            <a:schemeClr val="dk1"/>
-          </a:effectRef>
-          <a:fontRef idx="minor">
-            <a:schemeClr val="tx1"/>
-          </a:fontRef>
-        </p:style>
-      </p:cxnSp>
-      <p:cxnSp>
-        <p:nvCxnSpPr>
-          <p:cNvPr id="20" name="连接符: 肘形 19">
-            <a:extLst>
-              <a:ext uri="{FF2B5EF4-FFF2-40B4-BE49-F238E27FC236}">
-                <a16:creationId xmlns:a16="http://schemas.microsoft.com/office/drawing/2014/main" id="{15AFA41B-13EB-415D-843C-AEAD373DCF25}"/>
-              </a:ext>
-            </a:extLst>
-          </p:cNvPr>
-          <p:cNvCxnSpPr>
-            <a:cxnSpLocks/>
-            <a:stCxn id="5" idx="1"/>
-            <a:endCxn id="15" idx="1"/>
-          </p:cNvCxnSpPr>
-          <p:nvPr/>
-        </p:nvCxnSpPr>
-        <p:spPr>
-          <a:xfrm rot="10800000" flipH="1">
-            <a:off x="4019646" y="1257284"/>
-            <a:ext cx="1181099" cy="2454880"/>
-          </a:xfrm>
-          <a:prstGeom prst="bentConnector3">
-            <a:avLst>
-              <a:gd name="adj1" fmla="val -19355"/>
-            </a:avLst>
-          </a:prstGeom>
-        </p:spPr>
-        <p:style>
-          <a:lnRef idx="1">
-            <a:schemeClr val="dk1"/>
-          </a:lnRef>
-          <a:fillRef idx="0">
-            <a:schemeClr val="dk1"/>
-          </a:fillRef>
-          <a:effectRef idx="0">
-            <a:schemeClr val="dk1"/>
-          </a:effectRef>
-          <a:fontRef idx="minor">
-            <a:schemeClr val="tx1"/>
-          </a:fontRef>
-        </p:style>
-      </p:cxnSp>
-      <p:sp>
-        <p:nvSpPr>
-          <p:cNvPr id="27" name="文本框 26">
-            <a:extLst>
-              <a:ext uri="{FF2B5EF4-FFF2-40B4-BE49-F238E27FC236}">
-                <a16:creationId xmlns:a16="http://schemas.microsoft.com/office/drawing/2014/main" id="{0D77015C-75E8-4AEC-804C-98A3551BE853}"/>
-              </a:ext>
-            </a:extLst>
-          </p:cNvPr>
-          <p:cNvSpPr txBox="1"/>
-          <p:nvPr/>
-        </p:nvSpPr>
-        <p:spPr>
-          <a:xfrm>
-            <a:off x="3834510" y="2569501"/>
-            <a:ext cx="1415772" cy="461665"/>
-          </a:xfrm>
-          <a:prstGeom prst="rect">
-            <a:avLst/>
-          </a:prstGeom>
-          <a:noFill/>
-        </p:spPr>
-        <p:txBody>
-          <a:bodyPr wrap="none" rtlCol="0">
-            <a:spAutoFit/>
-          </a:bodyPr>
-          <a:lstStyle/>
-          <a:p>
-            <a:r>
-              <a:rPr lang="zh-CN" altLang="en-US" sz="2400" dirty="0"/>
-              <a:t>缓存同步</a:t>
-            </a:r>
-          </a:p>
-        </p:txBody>
-      </p:sp>
-      <p:cxnSp>
-        <p:nvCxnSpPr>
-          <p:cNvPr id="39" name="直接连接符 38">
-            <a:extLst>
-              <a:ext uri="{FF2B5EF4-FFF2-40B4-BE49-F238E27FC236}">
-                <a16:creationId xmlns:a16="http://schemas.microsoft.com/office/drawing/2014/main" id="{A6589FEF-E4B6-40D3-BD29-BCDD502FDB19}"/>
-              </a:ext>
-            </a:extLst>
-          </p:cNvPr>
-          <p:cNvCxnSpPr>
-            <a:cxnSpLocks/>
-            <a:stCxn id="11" idx="1"/>
-            <a:endCxn id="15" idx="3"/>
-          </p:cNvCxnSpPr>
-          <p:nvPr/>
-        </p:nvCxnSpPr>
-        <p:spPr>
-          <a:xfrm flipH="1">
-            <a:off x="6886672" y="738901"/>
-            <a:ext cx="1316700" cy="518383"/>
-          </a:xfrm>
-          <a:prstGeom prst="line">
-            <a:avLst/>
-          </a:prstGeom>
-        </p:spPr>
-        <p:style>
-          <a:lnRef idx="1">
-            <a:schemeClr val="dk1"/>
-          </a:lnRef>
-          <a:fillRef idx="0">
-            <a:schemeClr val="dk1"/>
-          </a:fillRef>
-          <a:effectRef idx="0">
-            <a:schemeClr val="dk1"/>
-          </a:effectRef>
-          <a:fontRef idx="minor">
-            <a:schemeClr val="tx1"/>
-          </a:fontRef>
-        </p:style>
-      </p:cxnSp>
-      <p:cxnSp>
-        <p:nvCxnSpPr>
-          <p:cNvPr id="41" name="直接连接符 40">
-            <a:extLst>
-              <a:ext uri="{FF2B5EF4-FFF2-40B4-BE49-F238E27FC236}">
-                <a16:creationId xmlns:a16="http://schemas.microsoft.com/office/drawing/2014/main" id="{96AA7354-36BC-4606-AA64-5757D8DAAAEB}"/>
-              </a:ext>
-            </a:extLst>
-          </p:cNvPr>
-          <p:cNvCxnSpPr>
-            <a:cxnSpLocks/>
-            <a:stCxn id="10" idx="1"/>
-            <a:endCxn id="16" idx="3"/>
-          </p:cNvCxnSpPr>
-          <p:nvPr/>
-        </p:nvCxnSpPr>
-        <p:spPr>
-          <a:xfrm flipH="1">
-            <a:off x="6886672" y="1977093"/>
-            <a:ext cx="1316700" cy="350702"/>
-          </a:xfrm>
-          <a:prstGeom prst="line">
-            <a:avLst/>
-          </a:prstGeom>
-        </p:spPr>
-        <p:style>
-          <a:lnRef idx="1">
-            <a:schemeClr val="dk1"/>
-          </a:lnRef>
-          <a:fillRef idx="0">
-            <a:schemeClr val="dk1"/>
-          </a:fillRef>
-          <a:effectRef idx="0">
-            <a:schemeClr val="dk1"/>
-          </a:effectRef>
-          <a:fontRef idx="minor">
-            <a:schemeClr val="tx1"/>
-          </a:fontRef>
-        </p:style>
-      </p:cxnSp>
-      <p:cxnSp>
-        <p:nvCxnSpPr>
-          <p:cNvPr id="43" name="直接连接符 42">
-            <a:extLst>
-              <a:ext uri="{FF2B5EF4-FFF2-40B4-BE49-F238E27FC236}">
-                <a16:creationId xmlns:a16="http://schemas.microsoft.com/office/drawing/2014/main" id="{146CEDBC-A554-457C-A98E-37CB4E6B3869}"/>
-              </a:ext>
-            </a:extLst>
-          </p:cNvPr>
-          <p:cNvCxnSpPr>
-            <a:stCxn id="12" idx="1"/>
-            <a:endCxn id="15" idx="3"/>
-          </p:cNvCxnSpPr>
-          <p:nvPr/>
-        </p:nvCxnSpPr>
-        <p:spPr>
-          <a:xfrm flipH="1" flipV="1">
-            <a:off x="6886672" y="1257284"/>
-            <a:ext cx="1316700" cy="1958001"/>
-          </a:xfrm>
-          <a:prstGeom prst="line">
-            <a:avLst/>
-          </a:prstGeom>
-        </p:spPr>
-        <p:style>
-          <a:lnRef idx="1">
-            <a:schemeClr val="dk1"/>
-          </a:lnRef>
-          <a:fillRef idx="0">
-            <a:schemeClr val="dk1"/>
-          </a:fillRef>
-          <a:effectRef idx="0">
-            <a:schemeClr val="dk1"/>
-          </a:effectRef>
-          <a:fontRef idx="minor">
-            <a:schemeClr val="tx1"/>
-          </a:fontRef>
-        </p:style>
-      </p:cxnSp>
-      <p:sp>
-        <p:nvSpPr>
-          <p:cNvPr id="49" name="流程图: 顺序访问存储器 48">
-            <a:extLst>
-              <a:ext uri="{FF2B5EF4-FFF2-40B4-BE49-F238E27FC236}">
-                <a16:creationId xmlns:a16="http://schemas.microsoft.com/office/drawing/2014/main" id="{084B000C-28AD-4A7E-A0B6-5AAD072A87A3}"/>
-              </a:ext>
-            </a:extLst>
-          </p:cNvPr>
-          <p:cNvSpPr/>
-          <p:nvPr/>
-        </p:nvSpPr>
-        <p:spPr>
-          <a:xfrm>
-            <a:off x="8203372" y="3879336"/>
-            <a:ext cx="1152000" cy="1152000"/>
-          </a:xfrm>
-          <a:prstGeom prst="flowChartMagneticTape">
-            <a:avLst/>
-          </a:prstGeom>
-        </p:spPr>
-        <p:style>
-          <a:lnRef idx="2">
-            <a:schemeClr val="dk1"/>
-          </a:lnRef>
-          <a:fillRef idx="1">
-            <a:schemeClr val="lt1"/>
-          </a:fillRef>
-          <a:effectRef idx="0">
-            <a:schemeClr val="dk1"/>
-          </a:effectRef>
-          <a:fontRef idx="minor">
-            <a:schemeClr val="dk1"/>
-          </a:fontRef>
-        </p:style>
-        <p:txBody>
-          <a:bodyPr rtlCol="0" anchor="ctr"/>
-          <a:lstStyle/>
-          <a:p>
-            <a:pPr algn="ctr"/>
-            <a:r>
-              <a:rPr lang="zh-CN" altLang="en-US" sz="1200" dirty="0"/>
-              <a:t>从机模式</a:t>
-            </a:r>
-            <a:endParaRPr lang="en-US" altLang="zh-CN" sz="1200" dirty="0"/>
-          </a:p>
-          <a:p>
-            <a:pPr algn="ctr"/>
-            <a:r>
-              <a:rPr lang="zh-CN" altLang="en-US" sz="1200" dirty="0"/>
-              <a:t>应用程序</a:t>
-            </a:r>
-          </a:p>
-        </p:txBody>
-      </p:sp>
-      <p:cxnSp>
-        <p:nvCxnSpPr>
-          <p:cNvPr id="51" name="直接连接符 50">
-            <a:extLst>
-              <a:ext uri="{FF2B5EF4-FFF2-40B4-BE49-F238E27FC236}">
-                <a16:creationId xmlns:a16="http://schemas.microsoft.com/office/drawing/2014/main" id="{9A027E0C-3E52-4014-9CD4-C263028A01CB}"/>
-              </a:ext>
-            </a:extLst>
-          </p:cNvPr>
-          <p:cNvCxnSpPr>
-            <a:stCxn id="49" idx="1"/>
-            <a:endCxn id="5" idx="3"/>
-          </p:cNvCxnSpPr>
-          <p:nvPr/>
-        </p:nvCxnSpPr>
-        <p:spPr>
-          <a:xfrm flipH="1" flipV="1">
-            <a:off x="6886672" y="3712164"/>
-            <a:ext cx="1316700" cy="743172"/>
-          </a:xfrm>
-          <a:prstGeom prst="line">
-            <a:avLst/>
-          </a:prstGeom>
-        </p:spPr>
-        <p:style>
-          <a:lnRef idx="1">
-            <a:schemeClr val="dk1"/>
-          </a:lnRef>
-          <a:fillRef idx="0">
-            <a:schemeClr val="dk1"/>
-          </a:fillRef>
-          <a:effectRef idx="0">
-            <a:schemeClr val="dk1"/>
-          </a:effectRef>
-          <a:fontRef idx="minor">
-            <a:schemeClr val="tx1"/>
-          </a:fontRef>
-        </p:style>
-      </p:cxnSp>
-      <p:sp>
-        <p:nvSpPr>
-          <p:cNvPr id="52" name="文本框 51">
-            <a:extLst>
-              <a:ext uri="{FF2B5EF4-FFF2-40B4-BE49-F238E27FC236}">
-                <a16:creationId xmlns:a16="http://schemas.microsoft.com/office/drawing/2014/main" id="{F76F496C-6F9A-4B11-8BE3-358DA56941A0}"/>
-              </a:ext>
-            </a:extLst>
-          </p:cNvPr>
-          <p:cNvSpPr txBox="1"/>
-          <p:nvPr/>
-        </p:nvSpPr>
-        <p:spPr>
-          <a:xfrm>
-            <a:off x="4573852" y="101091"/>
-            <a:ext cx="3629520" cy="646331"/>
-          </a:xfrm>
-          <a:prstGeom prst="rect">
-            <a:avLst/>
-          </a:prstGeom>
-          <a:noFill/>
-        </p:spPr>
-        <p:txBody>
-          <a:bodyPr wrap="none" rtlCol="0">
-            <a:spAutoFit/>
-          </a:bodyPr>
-          <a:lstStyle/>
-          <a:p>
-            <a:r>
-              <a:rPr lang="zh-CN" altLang="en-US" dirty="0"/>
-              <a:t>一个应用程序可以连接一个缓存</a:t>
-            </a:r>
-            <a:endParaRPr lang="en-US" altLang="zh-CN" dirty="0"/>
-          </a:p>
-          <a:p>
-            <a:r>
-              <a:rPr lang="zh-CN" altLang="en-US" dirty="0"/>
-              <a:t>一个缓存可以被多个应用程序读取</a:t>
-            </a:r>
-          </a:p>
-        </p:txBody>
-      </p:sp>
-      <p:sp>
-        <p:nvSpPr>
-          <p:cNvPr id="23" name="标题 1">
-            <a:extLst>
-              <a:ext uri="{FF2B5EF4-FFF2-40B4-BE49-F238E27FC236}">
-                <a16:creationId xmlns:a16="http://schemas.microsoft.com/office/drawing/2014/main" id="{59295F01-0511-4482-A3D6-6713D1E32A3F}"/>
-              </a:ext>
-            </a:extLst>
-          </p:cNvPr>
-          <p:cNvSpPr>
-            <a:spLocks noGrp="1"/>
-          </p:cNvSpPr>
-          <p:nvPr>
-            <p:ph type="title"/>
-          </p:nvPr>
-        </p:nvSpPr>
-        <p:spPr>
-          <a:xfrm>
-            <a:off x="838200" y="365125"/>
-            <a:ext cx="790575" cy="6159500"/>
-          </a:xfrm>
-        </p:spPr>
-        <p:txBody>
-          <a:bodyPr>
-            <a:normAutofit/>
-          </a:bodyPr>
-          <a:lstStyle/>
-          <a:p>
-            <a:r>
-              <a:rPr lang="zh-CN" altLang="en-US" dirty="0"/>
-              <a:t>一主多从架构</a:t>
-            </a:r>
-          </a:p>
-        </p:txBody>
-      </p:sp>
-      <p:sp>
-        <p:nvSpPr>
-          <p:cNvPr id="24" name="文本框 23">
-            <a:extLst>
-              <a:ext uri="{FF2B5EF4-FFF2-40B4-BE49-F238E27FC236}">
-                <a16:creationId xmlns:a16="http://schemas.microsoft.com/office/drawing/2014/main" id="{6733DB7B-747C-4438-9D4F-C047845B32E9}"/>
-              </a:ext>
-            </a:extLst>
-          </p:cNvPr>
-          <p:cNvSpPr txBox="1"/>
-          <p:nvPr/>
-        </p:nvSpPr>
-        <p:spPr>
-          <a:xfrm>
-            <a:off x="10880422" y="3271749"/>
-            <a:ext cx="1311578" cy="369332"/>
-          </a:xfrm>
-          <a:prstGeom prst="rect">
-            <a:avLst/>
-          </a:prstGeom>
-          <a:noFill/>
-        </p:spPr>
-        <p:txBody>
-          <a:bodyPr wrap="none" rtlCol="0">
-            <a:spAutoFit/>
-          </a:bodyPr>
-          <a:lstStyle/>
-          <a:p>
-            <a:r>
-              <a:rPr lang="en-US" altLang="zh-CN" dirty="0"/>
-              <a:t>RESTful API</a:t>
-            </a:r>
-            <a:endParaRPr lang="zh-CN" altLang="en-US" dirty="0"/>
-          </a:p>
-        </p:txBody>
-      </p:sp>
-      <p:sp>
-        <p:nvSpPr>
-          <p:cNvPr id="25" name="标注: 右箭头 24">
-            <a:extLst>
-              <a:ext uri="{FF2B5EF4-FFF2-40B4-BE49-F238E27FC236}">
-                <a16:creationId xmlns:a16="http://schemas.microsoft.com/office/drawing/2014/main" id="{107BE625-9748-4B5F-AB15-1FD230E558DA}"/>
-              </a:ext>
-            </a:extLst>
-          </p:cNvPr>
-          <p:cNvSpPr/>
-          <p:nvPr/>
-        </p:nvSpPr>
-        <p:spPr>
-          <a:xfrm>
-            <a:off x="9397897" y="323778"/>
-            <a:ext cx="1440000" cy="6265275"/>
-          </a:xfrm>
-          <a:prstGeom prst="rightArrowCallout">
-            <a:avLst/>
-          </a:prstGeom>
-        </p:spPr>
-        <p:style>
-          <a:lnRef idx="2">
-            <a:schemeClr val="dk1"/>
-          </a:lnRef>
-          <a:fillRef idx="1">
-            <a:schemeClr val="lt1"/>
-          </a:fillRef>
-          <a:effectRef idx="0">
-            <a:schemeClr val="dk1"/>
-          </a:effectRef>
-          <a:fontRef idx="minor">
-            <a:schemeClr val="dk1"/>
-          </a:fontRef>
-        </p:style>
-        <p:txBody>
-          <a:bodyPr rtlCol="0" anchor="ctr"/>
-          <a:lstStyle/>
-          <a:p>
-            <a:pPr algn="ctr"/>
-            <a:r>
-              <a:rPr lang="zh-CN" altLang="en-US" dirty="0"/>
-              <a:t>负</a:t>
-            </a:r>
-            <a:endParaRPr lang="en-US" altLang="zh-CN" dirty="0"/>
-          </a:p>
-          <a:p>
-            <a:pPr algn="ctr"/>
-            <a:r>
-              <a:rPr lang="zh-CN" altLang="en-US" dirty="0"/>
-              <a:t>载</a:t>
-            </a:r>
-            <a:endParaRPr lang="en-US" altLang="zh-CN" dirty="0"/>
-          </a:p>
-          <a:p>
-            <a:pPr algn="ctr"/>
-            <a:r>
-              <a:rPr lang="zh-CN" altLang="en-US" dirty="0"/>
-              <a:t>均</a:t>
-            </a:r>
-            <a:endParaRPr lang="en-US" altLang="zh-CN" dirty="0"/>
-          </a:p>
-          <a:p>
-            <a:pPr algn="ctr"/>
-            <a:r>
-              <a:rPr lang="zh-CN" altLang="en-US" dirty="0"/>
-              <a:t>衡</a:t>
-            </a:r>
-          </a:p>
-        </p:txBody>
-      </p:sp>
-    </p:spTree>
-    <p:extLst>
-      <p:ext uri="{BB962C8B-B14F-4D97-AF65-F5344CB8AC3E}">
-        <p14:creationId xmlns:p14="http://schemas.microsoft.com/office/powerpoint/2010/main" val="3200521847"/>
       </p:ext>
     </p:extLst>
   </p:cSld>
@@ -17064,1223 +19302,12 @@
           <a:chExt cx="0" cy="0"/>
         </a:xfrm>
       </p:grpSpPr>
-      <p:cxnSp>
-        <p:nvCxnSpPr>
-          <p:cNvPr id="30" name="直接连接符 29">
-            <a:extLst>
-              <a:ext uri="{FF2B5EF4-FFF2-40B4-BE49-F238E27FC236}">
-                <a16:creationId xmlns:a16="http://schemas.microsoft.com/office/drawing/2014/main" id="{D1D6A78A-D65E-47BD-A23C-CD3FA0E0D60B}"/>
-              </a:ext>
-            </a:extLst>
-          </p:cNvPr>
-          <p:cNvCxnSpPr>
-            <a:cxnSpLocks/>
-            <a:stCxn id="24" idx="1"/>
-            <a:endCxn id="44" idx="4"/>
-          </p:cNvCxnSpPr>
-          <p:nvPr/>
-        </p:nvCxnSpPr>
-        <p:spPr>
-          <a:xfrm flipH="1">
-            <a:off x="5617336" y="956849"/>
-            <a:ext cx="2271712" cy="304916"/>
-          </a:xfrm>
-          <a:prstGeom prst="line">
-            <a:avLst/>
-          </a:prstGeom>
-          <a:ln w="38100"/>
-        </p:spPr>
-        <p:style>
-          <a:lnRef idx="1">
-            <a:schemeClr val="dk1"/>
-          </a:lnRef>
-          <a:fillRef idx="0">
-            <a:schemeClr val="dk1"/>
-          </a:fillRef>
-          <a:effectRef idx="0">
-            <a:schemeClr val="dk1"/>
-          </a:effectRef>
-          <a:fontRef idx="minor">
-            <a:schemeClr val="tx1"/>
-          </a:fontRef>
-        </p:style>
-      </p:cxnSp>
-      <p:cxnSp>
-        <p:nvCxnSpPr>
-          <p:cNvPr id="32" name="直接连接符 31">
-            <a:extLst>
-              <a:ext uri="{FF2B5EF4-FFF2-40B4-BE49-F238E27FC236}">
-                <a16:creationId xmlns:a16="http://schemas.microsoft.com/office/drawing/2014/main" id="{A9FF5F2F-9051-4E51-B6E4-D0FF0258782B}"/>
-              </a:ext>
-            </a:extLst>
-          </p:cNvPr>
-          <p:cNvCxnSpPr>
-            <a:cxnSpLocks/>
-            <a:stCxn id="14" idx="1"/>
-            <a:endCxn id="44" idx="4"/>
-          </p:cNvCxnSpPr>
-          <p:nvPr/>
-        </p:nvCxnSpPr>
-        <p:spPr>
-          <a:xfrm flipH="1" flipV="1">
-            <a:off x="5617336" y="1261765"/>
-            <a:ext cx="2271712" cy="1283135"/>
-          </a:xfrm>
-          <a:prstGeom prst="line">
-            <a:avLst/>
-          </a:prstGeom>
-          <a:ln w="38100"/>
-        </p:spPr>
-        <p:style>
-          <a:lnRef idx="1">
-            <a:schemeClr val="dk1"/>
-          </a:lnRef>
-          <a:fillRef idx="0">
-            <a:schemeClr val="dk1"/>
-          </a:fillRef>
-          <a:effectRef idx="0">
-            <a:schemeClr val="dk1"/>
-          </a:effectRef>
-          <a:fontRef idx="minor">
-            <a:schemeClr val="tx1"/>
-          </a:fontRef>
-        </p:style>
-      </p:cxnSp>
-      <p:cxnSp>
-        <p:nvCxnSpPr>
-          <p:cNvPr id="34" name="直接连接符 33">
-            <a:extLst>
-              <a:ext uri="{FF2B5EF4-FFF2-40B4-BE49-F238E27FC236}">
-                <a16:creationId xmlns:a16="http://schemas.microsoft.com/office/drawing/2014/main" id="{7864A594-3194-459C-8632-991168E843B3}"/>
-              </a:ext>
-            </a:extLst>
-          </p:cNvPr>
-          <p:cNvCxnSpPr>
-            <a:cxnSpLocks/>
-            <a:stCxn id="18" idx="1"/>
-            <a:endCxn id="43" idx="4"/>
-          </p:cNvCxnSpPr>
-          <p:nvPr/>
-        </p:nvCxnSpPr>
-        <p:spPr>
-          <a:xfrm flipH="1" flipV="1">
-            <a:off x="5617336" y="3456415"/>
-            <a:ext cx="2271712" cy="676536"/>
-          </a:xfrm>
-          <a:prstGeom prst="line">
-            <a:avLst/>
-          </a:prstGeom>
-          <a:ln w="38100"/>
-        </p:spPr>
-        <p:style>
-          <a:lnRef idx="1">
-            <a:schemeClr val="dk1"/>
-          </a:lnRef>
-          <a:fillRef idx="0">
-            <a:schemeClr val="dk1"/>
-          </a:fillRef>
-          <a:effectRef idx="0">
-            <a:schemeClr val="dk1"/>
-          </a:effectRef>
-          <a:fontRef idx="minor">
-            <a:schemeClr val="tx1"/>
-          </a:fontRef>
-        </p:style>
-      </p:cxnSp>
-      <p:cxnSp>
-        <p:nvCxnSpPr>
-          <p:cNvPr id="36" name="直接连接符 35">
-            <a:extLst>
-              <a:ext uri="{FF2B5EF4-FFF2-40B4-BE49-F238E27FC236}">
-                <a16:creationId xmlns:a16="http://schemas.microsoft.com/office/drawing/2014/main" id="{58F0D5A3-58D7-412E-A6C7-10C1D4FE12AF}"/>
-              </a:ext>
-            </a:extLst>
-          </p:cNvPr>
-          <p:cNvCxnSpPr>
-            <a:cxnSpLocks/>
-            <a:stCxn id="21" idx="1"/>
-            <a:endCxn id="47" idx="4"/>
-          </p:cNvCxnSpPr>
-          <p:nvPr/>
-        </p:nvCxnSpPr>
-        <p:spPr>
-          <a:xfrm flipH="1" flipV="1">
-            <a:off x="5617336" y="4553740"/>
-            <a:ext cx="2271712" cy="1167262"/>
-          </a:xfrm>
-          <a:prstGeom prst="line">
-            <a:avLst/>
-          </a:prstGeom>
-          <a:ln w="38100"/>
-        </p:spPr>
-        <p:style>
-          <a:lnRef idx="1">
-            <a:schemeClr val="dk1"/>
-          </a:lnRef>
-          <a:fillRef idx="0">
-            <a:schemeClr val="dk1"/>
-          </a:fillRef>
-          <a:effectRef idx="0">
-            <a:schemeClr val="dk1"/>
-          </a:effectRef>
-          <a:fontRef idx="minor">
-            <a:schemeClr val="tx1"/>
-          </a:fontRef>
-        </p:style>
-      </p:cxnSp>
-      <p:cxnSp>
-        <p:nvCxnSpPr>
-          <p:cNvPr id="38" name="直接连接符 37">
-            <a:extLst>
-              <a:ext uri="{FF2B5EF4-FFF2-40B4-BE49-F238E27FC236}">
-                <a16:creationId xmlns:a16="http://schemas.microsoft.com/office/drawing/2014/main" id="{B5A48DB0-1926-4E1B-A19C-2ED1160C6F74}"/>
-              </a:ext>
-            </a:extLst>
-          </p:cNvPr>
-          <p:cNvCxnSpPr>
-            <a:cxnSpLocks/>
-            <a:stCxn id="14" idx="1"/>
-            <a:endCxn id="41" idx="4"/>
-          </p:cNvCxnSpPr>
-          <p:nvPr/>
-        </p:nvCxnSpPr>
-        <p:spPr>
-          <a:xfrm flipH="1" flipV="1">
-            <a:off x="5617336" y="2359090"/>
-            <a:ext cx="2271712" cy="185810"/>
-          </a:xfrm>
-          <a:prstGeom prst="line">
-            <a:avLst/>
-          </a:prstGeom>
-          <a:ln w="38100"/>
-        </p:spPr>
-        <p:style>
-          <a:lnRef idx="1">
-            <a:schemeClr val="dk1"/>
-          </a:lnRef>
-          <a:fillRef idx="0">
-            <a:schemeClr val="dk1"/>
-          </a:fillRef>
-          <a:effectRef idx="0">
-            <a:schemeClr val="dk1"/>
-          </a:effectRef>
-          <a:fontRef idx="minor">
-            <a:schemeClr val="tx1"/>
-          </a:fontRef>
-        </p:style>
-      </p:cxnSp>
-      <p:cxnSp>
-        <p:nvCxnSpPr>
-          <p:cNvPr id="40" name="直接连接符 39">
-            <a:extLst>
-              <a:ext uri="{FF2B5EF4-FFF2-40B4-BE49-F238E27FC236}">
-                <a16:creationId xmlns:a16="http://schemas.microsoft.com/office/drawing/2014/main" id="{CA8E5E5C-C334-4199-9360-8E3867B04B73}"/>
-              </a:ext>
-            </a:extLst>
-          </p:cNvPr>
-          <p:cNvCxnSpPr>
-            <a:cxnSpLocks/>
-            <a:stCxn id="24" idx="1"/>
-            <a:endCxn id="43" idx="4"/>
-          </p:cNvCxnSpPr>
-          <p:nvPr/>
-        </p:nvCxnSpPr>
-        <p:spPr>
-          <a:xfrm flipH="1">
-            <a:off x="5617336" y="956849"/>
-            <a:ext cx="2271712" cy="2499566"/>
-          </a:xfrm>
-          <a:prstGeom prst="line">
-            <a:avLst/>
-          </a:prstGeom>
-          <a:ln w="38100"/>
-        </p:spPr>
-        <p:style>
-          <a:lnRef idx="1">
-            <a:schemeClr val="dk1"/>
-          </a:lnRef>
-          <a:fillRef idx="0">
-            <a:schemeClr val="dk1"/>
-          </a:fillRef>
-          <a:effectRef idx="0">
-            <a:schemeClr val="dk1"/>
-          </a:effectRef>
-          <a:fontRef idx="minor">
-            <a:schemeClr val="tx1"/>
-          </a:fontRef>
-        </p:style>
-      </p:cxnSp>
-      <p:cxnSp>
-        <p:nvCxnSpPr>
-          <p:cNvPr id="42" name="直接连接符 41">
-            <a:extLst>
-              <a:ext uri="{FF2B5EF4-FFF2-40B4-BE49-F238E27FC236}">
-                <a16:creationId xmlns:a16="http://schemas.microsoft.com/office/drawing/2014/main" id="{993E829C-CB55-4216-8810-0B0D74618C09}"/>
-              </a:ext>
-            </a:extLst>
-          </p:cNvPr>
-          <p:cNvCxnSpPr>
-            <a:cxnSpLocks/>
-            <a:stCxn id="21" idx="1"/>
-            <a:endCxn id="43" idx="4"/>
-          </p:cNvCxnSpPr>
-          <p:nvPr/>
-        </p:nvCxnSpPr>
-        <p:spPr>
-          <a:xfrm flipH="1" flipV="1">
-            <a:off x="5617336" y="3456415"/>
-            <a:ext cx="2271712" cy="2264587"/>
-          </a:xfrm>
-          <a:prstGeom prst="line">
-            <a:avLst/>
-          </a:prstGeom>
-          <a:ln w="38100"/>
-        </p:spPr>
-        <p:style>
-          <a:lnRef idx="1">
-            <a:schemeClr val="dk1"/>
-          </a:lnRef>
-          <a:fillRef idx="0">
-            <a:schemeClr val="dk1"/>
-          </a:fillRef>
-          <a:effectRef idx="0">
-            <a:schemeClr val="dk1"/>
-          </a:effectRef>
-          <a:fontRef idx="minor">
-            <a:schemeClr val="tx1"/>
-          </a:fontRef>
-        </p:style>
-      </p:cxnSp>
       <p:sp>
         <p:nvSpPr>
-          <p:cNvPr id="50" name="文本框 49">
-            <a:extLst>
-              <a:ext uri="{FF2B5EF4-FFF2-40B4-BE49-F238E27FC236}">
-                <a16:creationId xmlns:a16="http://schemas.microsoft.com/office/drawing/2014/main" id="{5D360192-CE46-4D76-A19C-D5F2CB21043A}"/>
-              </a:ext>
-            </a:extLst>
-          </p:cNvPr>
-          <p:cNvSpPr txBox="1"/>
-          <p:nvPr/>
-        </p:nvSpPr>
-        <p:spPr>
-          <a:xfrm>
-            <a:off x="10880422" y="3271749"/>
-            <a:ext cx="1311578" cy="369332"/>
-          </a:xfrm>
-          <a:prstGeom prst="rect">
-            <a:avLst/>
-          </a:prstGeom>
-          <a:noFill/>
-        </p:spPr>
-        <p:txBody>
-          <a:bodyPr wrap="none" rtlCol="0">
-            <a:spAutoFit/>
-          </a:bodyPr>
-          <a:lstStyle/>
-          <a:p>
-            <a:r>
-              <a:rPr lang="en-US" altLang="zh-CN" dirty="0"/>
-              <a:t>RESTful API</a:t>
-            </a:r>
-            <a:endParaRPr lang="zh-CN" altLang="en-US" dirty="0"/>
-          </a:p>
-        </p:txBody>
-      </p:sp>
-      <p:sp>
-        <p:nvSpPr>
-          <p:cNvPr id="51" name="标注: 右箭头 50">
-            <a:extLst>
-              <a:ext uri="{FF2B5EF4-FFF2-40B4-BE49-F238E27FC236}">
-                <a16:creationId xmlns:a16="http://schemas.microsoft.com/office/drawing/2014/main" id="{FD49E42F-1F46-41FD-875F-0E949211A455}"/>
-              </a:ext>
-            </a:extLst>
-          </p:cNvPr>
-          <p:cNvSpPr/>
-          <p:nvPr/>
-        </p:nvSpPr>
-        <p:spPr>
-          <a:xfrm>
-            <a:off x="9397897" y="323778"/>
-            <a:ext cx="1440000" cy="6265275"/>
-          </a:xfrm>
-          <a:prstGeom prst="rightArrowCallout">
-            <a:avLst/>
-          </a:prstGeom>
-        </p:spPr>
-        <p:style>
-          <a:lnRef idx="2">
-            <a:schemeClr val="dk1"/>
-          </a:lnRef>
-          <a:fillRef idx="1">
-            <a:schemeClr val="lt1"/>
-          </a:fillRef>
-          <a:effectRef idx="0">
-            <a:schemeClr val="dk1"/>
-          </a:effectRef>
-          <a:fontRef idx="minor">
-            <a:schemeClr val="dk1"/>
-          </a:fontRef>
-        </p:style>
-        <p:txBody>
-          <a:bodyPr rtlCol="0" anchor="ctr"/>
-          <a:lstStyle/>
-          <a:p>
-            <a:pPr algn="ctr"/>
-            <a:r>
-              <a:rPr lang="zh-CN" altLang="en-US" dirty="0"/>
-              <a:t>负</a:t>
-            </a:r>
-            <a:endParaRPr lang="en-US" altLang="zh-CN" dirty="0"/>
-          </a:p>
-          <a:p>
-            <a:pPr algn="ctr"/>
-            <a:r>
-              <a:rPr lang="zh-CN" altLang="en-US" dirty="0"/>
-              <a:t>载</a:t>
-            </a:r>
-            <a:endParaRPr lang="en-US" altLang="zh-CN" dirty="0"/>
-          </a:p>
-          <a:p>
-            <a:pPr algn="ctr"/>
-            <a:r>
-              <a:rPr lang="zh-CN" altLang="en-US" dirty="0"/>
-              <a:t>均</a:t>
-            </a:r>
-            <a:endParaRPr lang="en-US" altLang="zh-CN" dirty="0"/>
-          </a:p>
-          <a:p>
-            <a:pPr algn="ctr"/>
-            <a:r>
-              <a:rPr lang="zh-CN" altLang="en-US" dirty="0"/>
-              <a:t>衡</a:t>
-            </a:r>
-          </a:p>
-        </p:txBody>
-      </p:sp>
-      <p:sp>
-        <p:nvSpPr>
-          <p:cNvPr id="39" name="文本框 38">
-            <a:extLst>
-              <a:ext uri="{FF2B5EF4-FFF2-40B4-BE49-F238E27FC236}">
-                <a16:creationId xmlns:a16="http://schemas.microsoft.com/office/drawing/2014/main" id="{A44A7539-8861-47D1-95BC-9A2CBE8F59C9}"/>
-              </a:ext>
-            </a:extLst>
-          </p:cNvPr>
-          <p:cNvSpPr txBox="1"/>
-          <p:nvPr/>
-        </p:nvSpPr>
-        <p:spPr>
-          <a:xfrm>
-            <a:off x="5371551" y="6309202"/>
-            <a:ext cx="1415772" cy="461665"/>
-          </a:xfrm>
-          <a:prstGeom prst="rect">
-            <a:avLst/>
-          </a:prstGeom>
-          <a:noFill/>
-        </p:spPr>
-        <p:txBody>
-          <a:bodyPr wrap="none" rtlCol="0">
-            <a:spAutoFit/>
-          </a:bodyPr>
-          <a:lstStyle/>
-          <a:p>
-            <a:r>
-              <a:rPr lang="zh-CN" altLang="en-US" sz="2400" dirty="0"/>
-              <a:t>缓存共享</a:t>
-            </a:r>
-          </a:p>
-        </p:txBody>
-      </p:sp>
-      <p:grpSp>
-        <p:nvGrpSpPr>
-          <p:cNvPr id="12" name="组合 11">
-            <a:extLst>
-              <a:ext uri="{FF2B5EF4-FFF2-40B4-BE49-F238E27FC236}">
-                <a16:creationId xmlns:a16="http://schemas.microsoft.com/office/drawing/2014/main" id="{DDBF8B28-9BAD-4DAC-904E-E33D607C5453}"/>
-              </a:ext>
-            </a:extLst>
-          </p:cNvPr>
-          <p:cNvGrpSpPr/>
-          <p:nvPr/>
-        </p:nvGrpSpPr>
-        <p:grpSpPr>
-          <a:xfrm>
-            <a:off x="2188336" y="600562"/>
-            <a:ext cx="3429000" cy="5711705"/>
-            <a:chOff x="638175" y="622299"/>
-            <a:chExt cx="3429000" cy="5711705"/>
-          </a:xfrm>
-        </p:grpSpPr>
-        <p:sp>
-          <p:nvSpPr>
-            <p:cNvPr id="41" name="圆柱体 40">
-              <a:extLst>
-                <a:ext uri="{FF2B5EF4-FFF2-40B4-BE49-F238E27FC236}">
-                  <a16:creationId xmlns:a16="http://schemas.microsoft.com/office/drawing/2014/main" id="{11148FB6-FA92-4D05-94B3-DD125C0B4ADF}"/>
-                </a:ext>
-              </a:extLst>
-            </p:cNvPr>
-            <p:cNvSpPr/>
-            <p:nvPr/>
-          </p:nvSpPr>
-          <p:spPr>
-            <a:xfrm>
-              <a:off x="2714625" y="1725974"/>
-              <a:ext cx="1352550" cy="1309705"/>
-            </a:xfrm>
-            <a:prstGeom prst="can">
-              <a:avLst/>
-            </a:prstGeom>
-            <a:noFill/>
-            <a:ln w="9525" cap="flat" cmpd="sng" algn="ctr">
-              <a:solidFill>
-                <a:schemeClr val="dk1"/>
-              </a:solidFill>
-              <a:prstDash val="solid"/>
-              <a:round/>
-              <a:headEnd type="none" w="med" len="med"/>
-              <a:tailEnd type="none" w="med" len="med"/>
-            </a:ln>
-          </p:spPr>
-          <p:style>
-            <a:lnRef idx="0">
-              <a:scrgbClr r="0" g="0" b="0"/>
-            </a:lnRef>
-            <a:fillRef idx="0">
-              <a:scrgbClr r="0" g="0" b="0"/>
-            </a:fillRef>
-            <a:effectRef idx="0">
-              <a:scrgbClr r="0" g="0" b="0"/>
-            </a:effectRef>
-            <a:fontRef idx="minor">
-              <a:schemeClr val="dk1"/>
-            </a:fontRef>
-          </p:style>
-          <p:txBody>
-            <a:bodyPr rtlCol="0" anchor="ctr"/>
-            <a:lstStyle/>
-            <a:p>
-              <a:pPr algn="ctr"/>
-              <a:r>
-                <a:rPr lang="en-US" altLang="zh-CN" dirty="0"/>
-                <a:t>Cassandra</a:t>
-              </a:r>
-            </a:p>
-            <a:p>
-              <a:pPr algn="ctr"/>
-              <a:r>
-                <a:rPr lang="zh-CN" altLang="en-US" dirty="0"/>
-                <a:t>数据库</a:t>
-              </a:r>
-            </a:p>
-          </p:txBody>
-        </p:sp>
-        <p:sp>
-          <p:nvSpPr>
-            <p:cNvPr id="43" name="圆柱体 42">
-              <a:extLst>
-                <a:ext uri="{FF2B5EF4-FFF2-40B4-BE49-F238E27FC236}">
-                  <a16:creationId xmlns:a16="http://schemas.microsoft.com/office/drawing/2014/main" id="{CBB48458-7F40-4274-B6AD-E3D2D73C0C78}"/>
-                </a:ext>
-              </a:extLst>
-            </p:cNvPr>
-            <p:cNvSpPr/>
-            <p:nvPr/>
-          </p:nvSpPr>
-          <p:spPr>
-            <a:xfrm>
-              <a:off x="2714625" y="2823299"/>
-              <a:ext cx="1352550" cy="1309705"/>
-            </a:xfrm>
-            <a:prstGeom prst="can">
-              <a:avLst/>
-            </a:prstGeom>
-            <a:noFill/>
-            <a:ln w="9525" cap="flat" cmpd="sng" algn="ctr">
-              <a:solidFill>
-                <a:schemeClr val="dk1"/>
-              </a:solidFill>
-              <a:prstDash val="solid"/>
-              <a:round/>
-              <a:headEnd type="none" w="med" len="med"/>
-              <a:tailEnd type="none" w="med" len="med"/>
-            </a:ln>
-          </p:spPr>
-          <p:style>
-            <a:lnRef idx="0">
-              <a:scrgbClr r="0" g="0" b="0"/>
-            </a:lnRef>
-            <a:fillRef idx="0">
-              <a:scrgbClr r="0" g="0" b="0"/>
-            </a:fillRef>
-            <a:effectRef idx="0">
-              <a:scrgbClr r="0" g="0" b="0"/>
-            </a:effectRef>
-            <a:fontRef idx="minor">
-              <a:schemeClr val="dk1"/>
-            </a:fontRef>
-          </p:style>
-          <p:txBody>
-            <a:bodyPr rtlCol="0" anchor="ctr"/>
-            <a:lstStyle/>
-            <a:p>
-              <a:pPr algn="ctr"/>
-              <a:r>
-                <a:rPr lang="en-US" altLang="zh-CN" dirty="0"/>
-                <a:t>Cassandra</a:t>
-              </a:r>
-            </a:p>
-            <a:p>
-              <a:pPr algn="ctr"/>
-              <a:r>
-                <a:rPr lang="zh-CN" altLang="en-US" dirty="0"/>
-                <a:t>数据库</a:t>
-              </a:r>
-            </a:p>
-          </p:txBody>
-        </p:sp>
-        <p:sp>
-          <p:nvSpPr>
-            <p:cNvPr id="44" name="圆柱体 43">
-              <a:extLst>
-                <a:ext uri="{FF2B5EF4-FFF2-40B4-BE49-F238E27FC236}">
-                  <a16:creationId xmlns:a16="http://schemas.microsoft.com/office/drawing/2014/main" id="{A47C10F9-B723-4AE5-B3A3-F74311608931}"/>
-                </a:ext>
-              </a:extLst>
-            </p:cNvPr>
-            <p:cNvSpPr/>
-            <p:nvPr/>
-          </p:nvSpPr>
-          <p:spPr>
-            <a:xfrm>
-              <a:off x="2714625" y="628649"/>
-              <a:ext cx="1352550" cy="1309705"/>
-            </a:xfrm>
-            <a:prstGeom prst="can">
-              <a:avLst/>
-            </a:prstGeom>
-            <a:noFill/>
-            <a:ln w="9525" cap="flat" cmpd="sng" algn="ctr">
-              <a:solidFill>
-                <a:schemeClr val="dk1"/>
-              </a:solidFill>
-              <a:prstDash val="solid"/>
-              <a:round/>
-              <a:headEnd type="none" w="med" len="med"/>
-              <a:tailEnd type="none" w="med" len="med"/>
-            </a:ln>
-          </p:spPr>
-          <p:style>
-            <a:lnRef idx="0">
-              <a:scrgbClr r="0" g="0" b="0"/>
-            </a:lnRef>
-            <a:fillRef idx="0">
-              <a:scrgbClr r="0" g="0" b="0"/>
-            </a:fillRef>
-            <a:effectRef idx="0">
-              <a:scrgbClr r="0" g="0" b="0"/>
-            </a:effectRef>
-            <a:fontRef idx="minor">
-              <a:schemeClr val="dk1"/>
-            </a:fontRef>
-          </p:style>
-          <p:txBody>
-            <a:bodyPr rtlCol="0" anchor="ctr"/>
-            <a:lstStyle/>
-            <a:p>
-              <a:pPr algn="ctr"/>
-              <a:r>
-                <a:rPr lang="en-US" altLang="zh-CN" dirty="0"/>
-                <a:t>Cassandra</a:t>
-              </a:r>
-            </a:p>
-            <a:p>
-              <a:pPr algn="ctr"/>
-              <a:r>
-                <a:rPr lang="zh-CN" altLang="en-US" dirty="0"/>
-                <a:t>数据库</a:t>
-              </a:r>
-            </a:p>
-          </p:txBody>
-        </p:sp>
-        <p:sp>
-          <p:nvSpPr>
-            <p:cNvPr id="45" name="圆柱体 44">
-              <a:extLst>
-                <a:ext uri="{FF2B5EF4-FFF2-40B4-BE49-F238E27FC236}">
-                  <a16:creationId xmlns:a16="http://schemas.microsoft.com/office/drawing/2014/main" id="{778A2DE4-044B-4B9A-B650-A7C490887184}"/>
-                </a:ext>
-              </a:extLst>
-            </p:cNvPr>
-            <p:cNvSpPr/>
-            <p:nvPr/>
-          </p:nvSpPr>
-          <p:spPr>
-            <a:xfrm>
-              <a:off x="2714625" y="5017949"/>
-              <a:ext cx="1352550" cy="1309705"/>
-            </a:xfrm>
-            <a:prstGeom prst="can">
-              <a:avLst/>
-            </a:prstGeom>
-            <a:noFill/>
-            <a:ln w="9525" cap="flat" cmpd="sng" algn="ctr">
-              <a:solidFill>
-                <a:schemeClr val="dk1"/>
-              </a:solidFill>
-              <a:prstDash val="solid"/>
-              <a:round/>
-              <a:headEnd type="none" w="med" len="med"/>
-              <a:tailEnd type="none" w="med" len="med"/>
-            </a:ln>
-          </p:spPr>
-          <p:style>
-            <a:lnRef idx="0">
-              <a:scrgbClr r="0" g="0" b="0"/>
-            </a:lnRef>
-            <a:fillRef idx="0">
-              <a:scrgbClr r="0" g="0" b="0"/>
-            </a:fillRef>
-            <a:effectRef idx="0">
-              <a:scrgbClr r="0" g="0" b="0"/>
-            </a:effectRef>
-            <a:fontRef idx="minor">
-              <a:schemeClr val="dk1"/>
-            </a:fontRef>
-          </p:style>
-          <p:txBody>
-            <a:bodyPr rtlCol="0" anchor="ctr"/>
-            <a:lstStyle/>
-            <a:p>
-              <a:pPr algn="ctr"/>
-              <a:r>
-                <a:rPr lang="en-US" altLang="zh-CN" dirty="0"/>
-                <a:t>Cassandra</a:t>
-              </a:r>
-            </a:p>
-            <a:p>
-              <a:pPr algn="ctr"/>
-              <a:r>
-                <a:rPr lang="zh-CN" altLang="en-US" dirty="0"/>
-                <a:t>数据库</a:t>
-              </a:r>
-            </a:p>
-          </p:txBody>
-        </p:sp>
-        <p:sp>
-          <p:nvSpPr>
-            <p:cNvPr id="47" name="圆柱体 46">
-              <a:extLst>
-                <a:ext uri="{FF2B5EF4-FFF2-40B4-BE49-F238E27FC236}">
-                  <a16:creationId xmlns:a16="http://schemas.microsoft.com/office/drawing/2014/main" id="{7008A72A-6AE4-4C65-8E78-094F98AEC9E2}"/>
-                </a:ext>
-              </a:extLst>
-            </p:cNvPr>
-            <p:cNvSpPr/>
-            <p:nvPr/>
-          </p:nvSpPr>
-          <p:spPr>
-            <a:xfrm>
-              <a:off x="2714625" y="3920624"/>
-              <a:ext cx="1352550" cy="1309705"/>
-            </a:xfrm>
-            <a:prstGeom prst="can">
-              <a:avLst/>
-            </a:prstGeom>
-            <a:noFill/>
-            <a:ln w="9525" cap="flat" cmpd="sng" algn="ctr">
-              <a:solidFill>
-                <a:schemeClr val="dk1"/>
-              </a:solidFill>
-              <a:prstDash val="solid"/>
-              <a:round/>
-              <a:headEnd type="none" w="med" len="med"/>
-              <a:tailEnd type="none" w="med" len="med"/>
-            </a:ln>
-          </p:spPr>
-          <p:style>
-            <a:lnRef idx="0">
-              <a:scrgbClr r="0" g="0" b="0"/>
-            </a:lnRef>
-            <a:fillRef idx="0">
-              <a:scrgbClr r="0" g="0" b="0"/>
-            </a:fillRef>
-            <a:effectRef idx="0">
-              <a:scrgbClr r="0" g="0" b="0"/>
-            </a:effectRef>
-            <a:fontRef idx="minor">
-              <a:schemeClr val="dk1"/>
-            </a:fontRef>
-          </p:style>
-          <p:txBody>
-            <a:bodyPr rtlCol="0" anchor="ctr"/>
-            <a:lstStyle/>
-            <a:p>
-              <a:pPr algn="ctr"/>
-              <a:r>
-                <a:rPr lang="en-US" altLang="zh-CN" dirty="0"/>
-                <a:t>Cassandra</a:t>
-              </a:r>
-            </a:p>
-            <a:p>
-              <a:pPr algn="ctr"/>
-              <a:r>
-                <a:rPr lang="zh-CN" altLang="en-US" dirty="0"/>
-                <a:t>数据库</a:t>
-              </a:r>
-            </a:p>
-          </p:txBody>
-        </p:sp>
-        <p:sp>
-          <p:nvSpPr>
-            <p:cNvPr id="52" name="圆柱体 51">
-              <a:extLst>
-                <a:ext uri="{FF2B5EF4-FFF2-40B4-BE49-F238E27FC236}">
-                  <a16:creationId xmlns:a16="http://schemas.microsoft.com/office/drawing/2014/main" id="{37F974FB-190F-4878-82F1-B773D267B9BE}"/>
-                </a:ext>
-              </a:extLst>
-            </p:cNvPr>
-            <p:cNvSpPr/>
-            <p:nvPr/>
-          </p:nvSpPr>
-          <p:spPr>
-            <a:xfrm>
-              <a:off x="638175" y="1725974"/>
-              <a:ext cx="1352550" cy="1309705"/>
-            </a:xfrm>
-            <a:prstGeom prst="can">
-              <a:avLst/>
-            </a:prstGeom>
-            <a:noFill/>
-            <a:ln w="9525" cap="flat" cmpd="sng" algn="ctr">
-              <a:solidFill>
-                <a:schemeClr val="dk1"/>
-              </a:solidFill>
-              <a:prstDash val="solid"/>
-              <a:round/>
-              <a:headEnd type="none" w="med" len="med"/>
-              <a:tailEnd type="none" w="med" len="med"/>
-            </a:ln>
-          </p:spPr>
-          <p:style>
-            <a:lnRef idx="0">
-              <a:scrgbClr r="0" g="0" b="0"/>
-            </a:lnRef>
-            <a:fillRef idx="0">
-              <a:scrgbClr r="0" g="0" b="0"/>
-            </a:fillRef>
-            <a:effectRef idx="0">
-              <a:scrgbClr r="0" g="0" b="0"/>
-            </a:effectRef>
-            <a:fontRef idx="minor">
-              <a:schemeClr val="dk1"/>
-            </a:fontRef>
-          </p:style>
-          <p:txBody>
-            <a:bodyPr rtlCol="0" anchor="ctr"/>
-            <a:lstStyle/>
-            <a:p>
-              <a:pPr algn="ctr"/>
-              <a:r>
-                <a:rPr lang="en-US" altLang="zh-CN" dirty="0"/>
-                <a:t>Cassandra</a:t>
-              </a:r>
-            </a:p>
-            <a:p>
-              <a:pPr algn="ctr"/>
-              <a:r>
-                <a:rPr lang="zh-CN" altLang="en-US" dirty="0"/>
-                <a:t>数据库</a:t>
-              </a:r>
-            </a:p>
-          </p:txBody>
-        </p:sp>
-        <p:sp>
-          <p:nvSpPr>
-            <p:cNvPr id="53" name="圆柱体 52">
-              <a:extLst>
-                <a:ext uri="{FF2B5EF4-FFF2-40B4-BE49-F238E27FC236}">
-                  <a16:creationId xmlns:a16="http://schemas.microsoft.com/office/drawing/2014/main" id="{DAF10DC7-C425-477D-9EDA-CEE02432A079}"/>
-                </a:ext>
-              </a:extLst>
-            </p:cNvPr>
-            <p:cNvSpPr/>
-            <p:nvPr/>
-          </p:nvSpPr>
-          <p:spPr>
-            <a:xfrm>
-              <a:off x="638175" y="2823299"/>
-              <a:ext cx="1352550" cy="1309705"/>
-            </a:xfrm>
-            <a:prstGeom prst="can">
-              <a:avLst/>
-            </a:prstGeom>
-            <a:noFill/>
-            <a:ln w="9525" cap="flat" cmpd="sng" algn="ctr">
-              <a:solidFill>
-                <a:schemeClr val="dk1"/>
-              </a:solidFill>
-              <a:prstDash val="solid"/>
-              <a:round/>
-              <a:headEnd type="none" w="med" len="med"/>
-              <a:tailEnd type="none" w="med" len="med"/>
-            </a:ln>
-          </p:spPr>
-          <p:style>
-            <a:lnRef idx="0">
-              <a:scrgbClr r="0" g="0" b="0"/>
-            </a:lnRef>
-            <a:fillRef idx="0">
-              <a:scrgbClr r="0" g="0" b="0"/>
-            </a:fillRef>
-            <a:effectRef idx="0">
-              <a:scrgbClr r="0" g="0" b="0"/>
-            </a:effectRef>
-            <a:fontRef idx="minor">
-              <a:schemeClr val="dk1"/>
-            </a:fontRef>
-          </p:style>
-          <p:txBody>
-            <a:bodyPr rtlCol="0" anchor="ctr"/>
-            <a:lstStyle/>
-            <a:p>
-              <a:pPr algn="ctr"/>
-              <a:r>
-                <a:rPr lang="en-US" altLang="zh-CN" dirty="0"/>
-                <a:t>Cassandra</a:t>
-              </a:r>
-            </a:p>
-            <a:p>
-              <a:pPr algn="ctr"/>
-              <a:r>
-                <a:rPr lang="zh-CN" altLang="en-US" dirty="0"/>
-                <a:t>数据库</a:t>
-              </a:r>
-            </a:p>
-          </p:txBody>
-        </p:sp>
-        <p:sp>
-          <p:nvSpPr>
-            <p:cNvPr id="54" name="圆柱体 53">
-              <a:extLst>
-                <a:ext uri="{FF2B5EF4-FFF2-40B4-BE49-F238E27FC236}">
-                  <a16:creationId xmlns:a16="http://schemas.microsoft.com/office/drawing/2014/main" id="{FE6C4943-C857-4495-A747-A2863256AFCD}"/>
-                </a:ext>
-              </a:extLst>
-            </p:cNvPr>
-            <p:cNvSpPr/>
-            <p:nvPr/>
-          </p:nvSpPr>
-          <p:spPr>
-            <a:xfrm>
-              <a:off x="638175" y="628649"/>
-              <a:ext cx="1352550" cy="1309705"/>
-            </a:xfrm>
-            <a:prstGeom prst="can">
-              <a:avLst/>
-            </a:prstGeom>
-            <a:noFill/>
-            <a:ln w="9525" cap="flat" cmpd="sng" algn="ctr">
-              <a:solidFill>
-                <a:schemeClr val="dk1"/>
-              </a:solidFill>
-              <a:prstDash val="solid"/>
-              <a:round/>
-              <a:headEnd type="none" w="med" len="med"/>
-              <a:tailEnd type="none" w="med" len="med"/>
-            </a:ln>
-          </p:spPr>
-          <p:style>
-            <a:lnRef idx="0">
-              <a:scrgbClr r="0" g="0" b="0"/>
-            </a:lnRef>
-            <a:fillRef idx="0">
-              <a:scrgbClr r="0" g="0" b="0"/>
-            </a:fillRef>
-            <a:effectRef idx="0">
-              <a:scrgbClr r="0" g="0" b="0"/>
-            </a:effectRef>
-            <a:fontRef idx="minor">
-              <a:schemeClr val="dk1"/>
-            </a:fontRef>
-          </p:style>
-          <p:txBody>
-            <a:bodyPr rtlCol="0" anchor="ctr"/>
-            <a:lstStyle/>
-            <a:p>
-              <a:pPr algn="ctr"/>
-              <a:r>
-                <a:rPr lang="en-US" altLang="zh-CN" dirty="0"/>
-                <a:t>Cassandra</a:t>
-              </a:r>
-            </a:p>
-            <a:p>
-              <a:pPr algn="ctr"/>
-              <a:r>
-                <a:rPr lang="zh-CN" altLang="en-US" dirty="0"/>
-                <a:t>数据库</a:t>
-              </a:r>
-            </a:p>
-          </p:txBody>
-        </p:sp>
-        <p:sp>
-          <p:nvSpPr>
-            <p:cNvPr id="55" name="圆柱体 54">
-              <a:extLst>
-                <a:ext uri="{FF2B5EF4-FFF2-40B4-BE49-F238E27FC236}">
-                  <a16:creationId xmlns:a16="http://schemas.microsoft.com/office/drawing/2014/main" id="{B43D9C3C-D106-4180-A8C9-EC7CF0D4FAB0}"/>
-                </a:ext>
-              </a:extLst>
-            </p:cNvPr>
-            <p:cNvSpPr/>
-            <p:nvPr/>
-          </p:nvSpPr>
-          <p:spPr>
-            <a:xfrm>
-              <a:off x="638175" y="5017949"/>
-              <a:ext cx="1352550" cy="1309705"/>
-            </a:xfrm>
-            <a:prstGeom prst="can">
-              <a:avLst/>
-            </a:prstGeom>
-            <a:noFill/>
-            <a:ln w="9525" cap="flat" cmpd="sng" algn="ctr">
-              <a:solidFill>
-                <a:schemeClr val="dk1"/>
-              </a:solidFill>
-              <a:prstDash val="solid"/>
-              <a:round/>
-              <a:headEnd type="none" w="med" len="med"/>
-              <a:tailEnd type="none" w="med" len="med"/>
-            </a:ln>
-          </p:spPr>
-          <p:style>
-            <a:lnRef idx="0">
-              <a:scrgbClr r="0" g="0" b="0"/>
-            </a:lnRef>
-            <a:fillRef idx="0">
-              <a:scrgbClr r="0" g="0" b="0"/>
-            </a:fillRef>
-            <a:effectRef idx="0">
-              <a:scrgbClr r="0" g="0" b="0"/>
-            </a:effectRef>
-            <a:fontRef idx="minor">
-              <a:schemeClr val="dk1"/>
-            </a:fontRef>
-          </p:style>
-          <p:txBody>
-            <a:bodyPr rtlCol="0" anchor="ctr"/>
-            <a:lstStyle/>
-            <a:p>
-              <a:pPr algn="ctr"/>
-              <a:r>
-                <a:rPr lang="en-US" altLang="zh-CN" dirty="0"/>
-                <a:t>Cassandra</a:t>
-              </a:r>
-            </a:p>
-            <a:p>
-              <a:pPr algn="ctr"/>
-              <a:r>
-                <a:rPr lang="zh-CN" altLang="en-US" dirty="0"/>
-                <a:t>数据库</a:t>
-              </a:r>
-            </a:p>
-          </p:txBody>
-        </p:sp>
-        <p:sp>
-          <p:nvSpPr>
-            <p:cNvPr id="56" name="圆柱体 55">
-              <a:extLst>
-                <a:ext uri="{FF2B5EF4-FFF2-40B4-BE49-F238E27FC236}">
-                  <a16:creationId xmlns:a16="http://schemas.microsoft.com/office/drawing/2014/main" id="{E11639AE-89F3-40BB-93B8-D9DA891B2C32}"/>
-                </a:ext>
-              </a:extLst>
-            </p:cNvPr>
-            <p:cNvSpPr/>
-            <p:nvPr/>
-          </p:nvSpPr>
-          <p:spPr>
-            <a:xfrm>
-              <a:off x="638175" y="3920624"/>
-              <a:ext cx="1352550" cy="1309705"/>
-            </a:xfrm>
-            <a:prstGeom prst="can">
-              <a:avLst/>
-            </a:prstGeom>
-            <a:noFill/>
-            <a:ln w="9525" cap="flat" cmpd="sng" algn="ctr">
-              <a:solidFill>
-                <a:schemeClr val="dk1"/>
-              </a:solidFill>
-              <a:prstDash val="solid"/>
-              <a:round/>
-              <a:headEnd type="none" w="med" len="med"/>
-              <a:tailEnd type="none" w="med" len="med"/>
-            </a:ln>
-          </p:spPr>
-          <p:style>
-            <a:lnRef idx="0">
-              <a:scrgbClr r="0" g="0" b="0"/>
-            </a:lnRef>
-            <a:fillRef idx="0">
-              <a:scrgbClr r="0" g="0" b="0"/>
-            </a:fillRef>
-            <a:effectRef idx="0">
-              <a:scrgbClr r="0" g="0" b="0"/>
-            </a:effectRef>
-            <a:fontRef idx="minor">
-              <a:schemeClr val="dk1"/>
-            </a:fontRef>
-          </p:style>
-          <p:txBody>
-            <a:bodyPr rtlCol="0" anchor="ctr"/>
-            <a:lstStyle/>
-            <a:p>
-              <a:pPr algn="ctr"/>
-              <a:r>
-                <a:rPr lang="en-US" altLang="zh-CN" dirty="0"/>
-                <a:t>Cassandra</a:t>
-              </a:r>
-            </a:p>
-            <a:p>
-              <a:pPr algn="ctr"/>
-              <a:r>
-                <a:rPr lang="zh-CN" altLang="en-US" dirty="0"/>
-                <a:t>数据库</a:t>
-              </a:r>
-            </a:p>
-          </p:txBody>
-        </p:sp>
-        <p:cxnSp>
-          <p:nvCxnSpPr>
-            <p:cNvPr id="57" name="连接符: 肘形 56">
-              <a:extLst>
-                <a:ext uri="{FF2B5EF4-FFF2-40B4-BE49-F238E27FC236}">
-                  <a16:creationId xmlns:a16="http://schemas.microsoft.com/office/drawing/2014/main" id="{177C5BEF-6FEE-4622-A0B2-594373385A54}"/>
-                </a:ext>
-              </a:extLst>
-            </p:cNvPr>
-            <p:cNvCxnSpPr>
-              <a:stCxn id="54" idx="1"/>
-              <a:endCxn id="44" idx="1"/>
-            </p:cNvCxnSpPr>
-            <p:nvPr/>
-          </p:nvCxnSpPr>
-          <p:spPr>
-            <a:xfrm rot="5400000" flipH="1" flipV="1">
-              <a:off x="2352675" y="-409576"/>
-              <a:ext cx="12700" cy="2076450"/>
-            </a:xfrm>
-            <a:prstGeom prst="bentConnector3">
-              <a:avLst>
-                <a:gd name="adj1" fmla="val 1800000"/>
-              </a:avLst>
-            </a:prstGeom>
-          </p:spPr>
-          <p:style>
-            <a:lnRef idx="1">
-              <a:schemeClr val="dk1"/>
-            </a:lnRef>
-            <a:fillRef idx="0">
-              <a:schemeClr val="dk1"/>
-            </a:fillRef>
-            <a:effectRef idx="0">
-              <a:schemeClr val="dk1"/>
-            </a:effectRef>
-            <a:fontRef idx="minor">
-              <a:schemeClr val="tx1"/>
-            </a:fontRef>
-          </p:style>
-        </p:cxnSp>
-        <p:cxnSp>
-          <p:nvCxnSpPr>
-            <p:cNvPr id="58" name="连接符: 肘形 57">
-              <a:extLst>
-                <a:ext uri="{FF2B5EF4-FFF2-40B4-BE49-F238E27FC236}">
-                  <a16:creationId xmlns:a16="http://schemas.microsoft.com/office/drawing/2014/main" id="{8C0DD6A2-4674-4D49-B26C-B2784DEB872C}"/>
-                </a:ext>
-              </a:extLst>
-            </p:cNvPr>
-            <p:cNvCxnSpPr>
-              <a:stCxn id="45" idx="3"/>
-              <a:endCxn id="55" idx="3"/>
-            </p:cNvCxnSpPr>
-            <p:nvPr/>
-          </p:nvCxnSpPr>
-          <p:spPr>
-            <a:xfrm rot="5400000">
-              <a:off x="2352675" y="5289429"/>
-              <a:ext cx="12700" cy="2076450"/>
-            </a:xfrm>
-            <a:prstGeom prst="bentConnector3">
-              <a:avLst>
-                <a:gd name="adj1" fmla="val 1800000"/>
-              </a:avLst>
-            </a:prstGeom>
-          </p:spPr>
-          <p:style>
-            <a:lnRef idx="1">
-              <a:schemeClr val="dk1"/>
-            </a:lnRef>
-            <a:fillRef idx="0">
-              <a:schemeClr val="dk1"/>
-            </a:fillRef>
-            <a:effectRef idx="0">
-              <a:schemeClr val="dk1"/>
-            </a:effectRef>
-            <a:fontRef idx="minor">
-              <a:schemeClr val="tx1"/>
-            </a:fontRef>
-          </p:style>
-        </p:cxnSp>
-        <p:sp>
-          <p:nvSpPr>
-            <p:cNvPr id="59" name="文本框 58">
-              <a:extLst>
-                <a:ext uri="{FF2B5EF4-FFF2-40B4-BE49-F238E27FC236}">
-                  <a16:creationId xmlns:a16="http://schemas.microsoft.com/office/drawing/2014/main" id="{DD26E2BA-A15D-465A-9704-AB23FA1D5338}"/>
-                </a:ext>
-              </a:extLst>
-            </p:cNvPr>
-            <p:cNvSpPr txBox="1"/>
-            <p:nvPr/>
-          </p:nvSpPr>
-          <p:spPr>
-            <a:xfrm>
-              <a:off x="2128192" y="2693000"/>
-              <a:ext cx="461665" cy="1570302"/>
-            </a:xfrm>
-            <a:prstGeom prst="rect">
-              <a:avLst/>
-            </a:prstGeom>
-            <a:noFill/>
-          </p:spPr>
-          <p:txBody>
-            <a:bodyPr vert="eaVert" wrap="none" rtlCol="0">
-              <a:spAutoFit/>
-            </a:bodyPr>
-            <a:lstStyle/>
-            <a:p>
-              <a:r>
-                <a:rPr lang="en-US" altLang="zh-CN" dirty="0"/>
-                <a:t>Cassandra</a:t>
-              </a:r>
-              <a:r>
-                <a:rPr lang="zh-CN" altLang="en-US" dirty="0"/>
-                <a:t>集群</a:t>
-              </a:r>
-            </a:p>
-          </p:txBody>
-        </p:sp>
-      </p:grpSp>
-      <p:sp>
-        <p:nvSpPr>
-          <p:cNvPr id="61" name="标题 1">
-            <a:extLst>
-              <a:ext uri="{FF2B5EF4-FFF2-40B4-BE49-F238E27FC236}">
-                <a16:creationId xmlns:a16="http://schemas.microsoft.com/office/drawing/2014/main" id="{F7D3584B-FE61-47C4-BA50-78BE42DDD5F4}"/>
+          <p:cNvPr id="23" name="标题 1">
+            <a:extLst>
+              <a:ext uri="{FF2B5EF4-FFF2-40B4-BE49-F238E27FC236}">
+                <a16:creationId xmlns:a16="http://schemas.microsoft.com/office/drawing/2014/main" id="{59295F01-0511-4482-A3D6-6713D1E32A3F}"/>
               </a:ext>
             </a:extLst>
           </p:cNvPr>
@@ -18305,599 +19332,218 @@
           <a:p>
             <a:r>
               <a:rPr lang="zh-CN" altLang="en-US" dirty="0"/>
-              <a:t>多主机架构</a:t>
+              <a:t>单主机架构</a:t>
             </a:r>
           </a:p>
         </p:txBody>
       </p:sp>
-      <p:grpSp>
-        <p:nvGrpSpPr>
-          <p:cNvPr id="15" name="组合 14">
-            <a:extLst>
-              <a:ext uri="{FF2B5EF4-FFF2-40B4-BE49-F238E27FC236}">
-                <a16:creationId xmlns:a16="http://schemas.microsoft.com/office/drawing/2014/main" id="{9D00E013-E2BB-41F8-A917-0E28F06306DC}"/>
-              </a:ext>
-            </a:extLst>
-          </p:cNvPr>
-          <p:cNvGrpSpPr/>
+      <p:sp>
+        <p:nvSpPr>
+          <p:cNvPr id="24" name="圆柱体 23">
+            <a:extLst>
+              <a:ext uri="{FF2B5EF4-FFF2-40B4-BE49-F238E27FC236}">
+                <a16:creationId xmlns:a16="http://schemas.microsoft.com/office/drawing/2014/main" id="{98D38DE5-9971-460B-92A6-C3554325AF21}"/>
+              </a:ext>
+            </a:extLst>
+          </p:cNvPr>
+          <p:cNvSpPr/>
           <p:nvPr/>
-        </p:nvGrpSpPr>
-        <p:grpSpPr>
+        </p:nvSpPr>
+        <p:spPr>
           <a:xfrm>
-            <a:off x="6774623" y="1824900"/>
-            <a:ext cx="2554425" cy="1588051"/>
-            <a:chOff x="6543675" y="1408837"/>
-            <a:chExt cx="2554425" cy="1588051"/>
-          </a:xfrm>
-          <a:solidFill>
-            <a:schemeClr val="bg1"/>
-          </a:solidFill>
-        </p:grpSpPr>
-        <p:sp>
-          <p:nvSpPr>
-            <p:cNvPr id="11" name="矩形: 折角 10">
-              <a:extLst>
-                <a:ext uri="{FF2B5EF4-FFF2-40B4-BE49-F238E27FC236}">
-                  <a16:creationId xmlns:a16="http://schemas.microsoft.com/office/drawing/2014/main" id="{49299AE7-906D-4E99-B96C-5BFEBC7D853E}"/>
-                </a:ext>
-              </a:extLst>
-            </p:cNvPr>
-            <p:cNvSpPr/>
-            <p:nvPr/>
-          </p:nvSpPr>
-          <p:spPr>
-            <a:xfrm>
-              <a:off x="6543675" y="2415001"/>
-              <a:ext cx="1440000" cy="581887"/>
-            </a:xfrm>
-            <a:prstGeom prst="foldedCorner">
-              <a:avLst/>
-            </a:prstGeom>
-            <a:grpFill/>
-            <a:ln w="9525" cap="flat" cmpd="sng" algn="ctr">
-              <a:solidFill>
-                <a:schemeClr val="dk1"/>
-              </a:solidFill>
-              <a:prstDash val="solid"/>
-              <a:round/>
-              <a:headEnd type="none" w="med" len="med"/>
-              <a:tailEnd type="none" w="med" len="med"/>
-            </a:ln>
-          </p:spPr>
-          <p:style>
-            <a:lnRef idx="0">
-              <a:scrgbClr r="0" g="0" b="0"/>
-            </a:lnRef>
-            <a:fillRef idx="0">
-              <a:scrgbClr r="0" g="0" b="0"/>
-            </a:fillRef>
-            <a:effectRef idx="0">
-              <a:scrgbClr r="0" g="0" b="0"/>
-            </a:effectRef>
-            <a:fontRef idx="minor">
+            <a:off x="3228975" y="3329850"/>
+            <a:ext cx="2867025" cy="1962150"/>
+          </a:xfrm>
+          <a:prstGeom prst="can">
+            <a:avLst/>
+          </a:prstGeom>
+          <a:noFill/>
+          <a:ln w="9525" cap="flat" cmpd="sng" algn="ctr">
+            <a:solidFill>
               <a:schemeClr val="dk1"/>
-            </a:fontRef>
-          </p:style>
-          <p:txBody>
-            <a:bodyPr rtlCol="0" anchor="ctr"/>
-            <a:lstStyle/>
-            <a:p>
-              <a:pPr algn="ctr"/>
-              <a:r>
-                <a:rPr lang="en-US" altLang="zh-CN" dirty="0"/>
-                <a:t>Redis</a:t>
-              </a:r>
-              <a:r>
-                <a:rPr lang="zh-CN" altLang="en-US" dirty="0"/>
-                <a:t>缓存</a:t>
-              </a:r>
-            </a:p>
-          </p:txBody>
-        </p:sp>
-        <p:sp>
-          <p:nvSpPr>
-            <p:cNvPr id="14" name="流程图: 顺序访问存储器 13">
-              <a:extLst>
-                <a:ext uri="{FF2B5EF4-FFF2-40B4-BE49-F238E27FC236}">
-                  <a16:creationId xmlns:a16="http://schemas.microsoft.com/office/drawing/2014/main" id="{067EEE86-5E2A-4834-95C8-F105A0A4DD34}"/>
-                </a:ext>
-              </a:extLst>
-            </p:cNvPr>
-            <p:cNvSpPr/>
-            <p:nvPr/>
-          </p:nvSpPr>
-          <p:spPr>
-            <a:xfrm>
-              <a:off x="7658100" y="1408837"/>
-              <a:ext cx="1440000" cy="1440000"/>
-            </a:xfrm>
-            <a:prstGeom prst="flowChartMagneticTape">
-              <a:avLst/>
-            </a:prstGeom>
-            <a:grpFill/>
-          </p:spPr>
-          <p:style>
-            <a:lnRef idx="2">
+            </a:solidFill>
+            <a:prstDash val="solid"/>
+            <a:round/>
+            <a:headEnd type="none" w="med" len="med"/>
+            <a:tailEnd type="none" w="med" len="med"/>
+          </a:ln>
+        </p:spPr>
+        <p:style>
+          <a:lnRef idx="0">
+            <a:scrgbClr r="0" g="0" b="0"/>
+          </a:lnRef>
+          <a:fillRef idx="0">
+            <a:scrgbClr r="0" g="0" b="0"/>
+          </a:fillRef>
+          <a:effectRef idx="0">
+            <a:scrgbClr r="0" g="0" b="0"/>
+          </a:effectRef>
+          <a:fontRef idx="minor">
+            <a:schemeClr val="dk1"/>
+          </a:fontRef>
+        </p:style>
+        <p:txBody>
+          <a:bodyPr rtlCol="0" anchor="ctr"/>
+          <a:lstStyle/>
+          <a:p>
+            <a:pPr algn="ctr"/>
+            <a:r>
+              <a:rPr lang="en-US" altLang="zh-CN" dirty="0"/>
+              <a:t>SQL</a:t>
+            </a:r>
+            <a:r>
+              <a:rPr lang="zh-CN" altLang="en-US" dirty="0"/>
+              <a:t>或</a:t>
+            </a:r>
+            <a:r>
+              <a:rPr lang="en-US" altLang="zh-CN" dirty="0"/>
+              <a:t>Cassandra</a:t>
+            </a:r>
+            <a:r>
+              <a:rPr lang="zh-CN" altLang="en-US" dirty="0"/>
+              <a:t>数据库</a:t>
+            </a:r>
+          </a:p>
+        </p:txBody>
+      </p:sp>
+      <p:sp>
+        <p:nvSpPr>
+          <p:cNvPr id="25" name="矩形: 折角 24">
+            <a:extLst>
+              <a:ext uri="{FF2B5EF4-FFF2-40B4-BE49-F238E27FC236}">
+                <a16:creationId xmlns:a16="http://schemas.microsoft.com/office/drawing/2014/main" id="{1DFE8969-F78E-4A08-802E-E3E8985D4BC1}"/>
+              </a:ext>
+            </a:extLst>
+          </p:cNvPr>
+          <p:cNvSpPr/>
+          <p:nvPr/>
+        </p:nvSpPr>
+        <p:spPr>
+          <a:xfrm>
+            <a:off x="3228975" y="1661250"/>
+            <a:ext cx="2867025" cy="1114425"/>
+          </a:xfrm>
+          <a:prstGeom prst="foldedCorner">
+            <a:avLst/>
+          </a:prstGeom>
+          <a:noFill/>
+          <a:ln w="9525" cap="flat" cmpd="sng" algn="ctr">
+            <a:solidFill>
               <a:schemeClr val="dk1"/>
-            </a:lnRef>
-            <a:fillRef idx="1">
-              <a:schemeClr val="lt1"/>
-            </a:fillRef>
-            <a:effectRef idx="0">
-              <a:schemeClr val="dk1"/>
-            </a:effectRef>
-            <a:fontRef idx="minor">
-              <a:schemeClr val="dk1"/>
-            </a:fontRef>
-          </p:style>
-          <p:txBody>
-            <a:bodyPr rtlCol="0" anchor="ctr"/>
-            <a:lstStyle/>
-            <a:p>
-              <a:pPr algn="ctr"/>
-              <a:r>
-                <a:rPr lang="zh-CN" altLang="en-US" sz="1600" dirty="0"/>
-                <a:t>主机模式</a:t>
-              </a:r>
-              <a:endParaRPr lang="en-US" altLang="zh-CN" sz="1600" dirty="0"/>
-            </a:p>
-            <a:p>
-              <a:pPr algn="ctr"/>
-              <a:r>
-                <a:rPr lang="zh-CN" altLang="en-US" sz="1600" dirty="0"/>
-                <a:t>应用程序</a:t>
-              </a:r>
-            </a:p>
-          </p:txBody>
-        </p:sp>
-      </p:grpSp>
-      <p:grpSp>
-        <p:nvGrpSpPr>
-          <p:cNvPr id="16" name="组合 15">
-            <a:extLst>
-              <a:ext uri="{FF2B5EF4-FFF2-40B4-BE49-F238E27FC236}">
-                <a16:creationId xmlns:a16="http://schemas.microsoft.com/office/drawing/2014/main" id="{7550C146-6C8D-4115-AB22-864B88D4D848}"/>
-              </a:ext>
-            </a:extLst>
-          </p:cNvPr>
-          <p:cNvGrpSpPr/>
+            </a:solidFill>
+            <a:prstDash val="solid"/>
+            <a:round/>
+            <a:headEnd type="none" w="med" len="med"/>
+            <a:tailEnd type="none" w="med" len="med"/>
+          </a:ln>
+        </p:spPr>
+        <p:style>
+          <a:lnRef idx="0">
+            <a:scrgbClr r="0" g="0" b="0"/>
+          </a:lnRef>
+          <a:fillRef idx="0">
+            <a:scrgbClr r="0" g="0" b="0"/>
+          </a:fillRef>
+          <a:effectRef idx="0">
+            <a:scrgbClr r="0" g="0" b="0"/>
+          </a:effectRef>
+          <a:fontRef idx="minor">
+            <a:schemeClr val="dk1"/>
+          </a:fontRef>
+        </p:style>
+        <p:txBody>
+          <a:bodyPr rtlCol="0" anchor="ctr"/>
+          <a:lstStyle/>
+          <a:p>
+            <a:pPr algn="ctr"/>
+            <a:r>
+              <a:rPr lang="en-US" altLang="zh-CN" dirty="0"/>
+              <a:t>Redis</a:t>
+            </a:r>
+            <a:r>
+              <a:rPr lang="zh-CN" altLang="en-US" dirty="0"/>
+              <a:t>缓存</a:t>
+            </a:r>
+          </a:p>
+        </p:txBody>
+      </p:sp>
+      <p:sp>
+        <p:nvSpPr>
+          <p:cNvPr id="26" name="流程图: 顺序访问存储器 25">
+            <a:extLst>
+              <a:ext uri="{FF2B5EF4-FFF2-40B4-BE49-F238E27FC236}">
+                <a16:creationId xmlns:a16="http://schemas.microsoft.com/office/drawing/2014/main" id="{437F92C0-64A2-428F-BDE0-870496DAFD8A}"/>
+              </a:ext>
+            </a:extLst>
+          </p:cNvPr>
+          <p:cNvSpPr/>
           <p:nvPr/>
-        </p:nvGrpSpPr>
-        <p:grpSpPr>
+        </p:nvSpPr>
+        <p:spPr>
           <a:xfrm>
-            <a:off x="6774623" y="3412951"/>
-            <a:ext cx="2554425" cy="1588051"/>
-            <a:chOff x="6543675" y="1408837"/>
-            <a:chExt cx="2554425" cy="1588051"/>
-          </a:xfrm>
-          <a:solidFill>
-            <a:schemeClr val="bg1"/>
-          </a:solidFill>
-        </p:grpSpPr>
-        <p:sp>
-          <p:nvSpPr>
-            <p:cNvPr id="17" name="矩形: 折角 16">
-              <a:extLst>
-                <a:ext uri="{FF2B5EF4-FFF2-40B4-BE49-F238E27FC236}">
-                  <a16:creationId xmlns:a16="http://schemas.microsoft.com/office/drawing/2014/main" id="{BCAC9849-B04B-42E5-BEDC-DF96B85F60C6}"/>
-                </a:ext>
-              </a:extLst>
-            </p:cNvPr>
-            <p:cNvSpPr/>
-            <p:nvPr/>
-          </p:nvSpPr>
-          <p:spPr>
-            <a:xfrm>
-              <a:off x="6543675" y="2415001"/>
-              <a:ext cx="1440000" cy="581887"/>
-            </a:xfrm>
-            <a:prstGeom prst="foldedCorner">
-              <a:avLst/>
-            </a:prstGeom>
-            <a:grpFill/>
-            <a:ln w="9525" cap="flat" cmpd="sng" algn="ctr">
-              <a:solidFill>
-                <a:schemeClr val="dk1"/>
-              </a:solidFill>
-              <a:prstDash val="solid"/>
-              <a:round/>
-              <a:headEnd type="none" w="med" len="med"/>
-              <a:tailEnd type="none" w="med" len="med"/>
-            </a:ln>
-          </p:spPr>
-          <p:style>
-            <a:lnRef idx="0">
-              <a:scrgbClr r="0" g="0" b="0"/>
-            </a:lnRef>
-            <a:fillRef idx="0">
-              <a:scrgbClr r="0" g="0" b="0"/>
-            </a:fillRef>
-            <a:effectRef idx="0">
-              <a:scrgbClr r="0" g="0" b="0"/>
-            </a:effectRef>
-            <a:fontRef idx="minor">
-              <a:schemeClr val="dk1"/>
-            </a:fontRef>
-          </p:style>
-          <p:txBody>
-            <a:bodyPr rtlCol="0" anchor="ctr"/>
-            <a:lstStyle/>
-            <a:p>
-              <a:pPr algn="ctr"/>
-              <a:r>
-                <a:rPr lang="en-US" altLang="zh-CN" dirty="0"/>
-                <a:t>Redis</a:t>
-              </a:r>
-              <a:r>
-                <a:rPr lang="zh-CN" altLang="en-US" dirty="0"/>
-                <a:t>缓存</a:t>
-              </a:r>
-            </a:p>
-          </p:txBody>
-        </p:sp>
-        <p:sp>
-          <p:nvSpPr>
-            <p:cNvPr id="18" name="流程图: 顺序访问存储器 17">
-              <a:extLst>
-                <a:ext uri="{FF2B5EF4-FFF2-40B4-BE49-F238E27FC236}">
-                  <a16:creationId xmlns:a16="http://schemas.microsoft.com/office/drawing/2014/main" id="{2C69D507-9F80-4BEB-9D50-DC5DA97367BA}"/>
-                </a:ext>
-              </a:extLst>
-            </p:cNvPr>
-            <p:cNvSpPr/>
-            <p:nvPr/>
-          </p:nvSpPr>
-          <p:spPr>
-            <a:xfrm>
-              <a:off x="7658100" y="1408837"/>
-              <a:ext cx="1440000" cy="1440000"/>
-            </a:xfrm>
-            <a:prstGeom prst="flowChartMagneticTape">
-              <a:avLst/>
-            </a:prstGeom>
-            <a:grpFill/>
-          </p:spPr>
-          <p:style>
-            <a:lnRef idx="2">
-              <a:schemeClr val="dk1"/>
-            </a:lnRef>
-            <a:fillRef idx="1">
-              <a:schemeClr val="lt1"/>
-            </a:fillRef>
-            <a:effectRef idx="0">
-              <a:schemeClr val="dk1"/>
-            </a:effectRef>
-            <a:fontRef idx="minor">
-              <a:schemeClr val="dk1"/>
-            </a:fontRef>
-          </p:style>
-          <p:txBody>
-            <a:bodyPr rtlCol="0" anchor="ctr"/>
-            <a:lstStyle/>
-            <a:p>
-              <a:pPr algn="ctr"/>
-              <a:r>
-                <a:rPr lang="zh-CN" altLang="en-US" sz="1600" dirty="0"/>
-                <a:t>主机模式</a:t>
-              </a:r>
-              <a:endParaRPr lang="en-US" altLang="zh-CN" sz="1600" dirty="0"/>
-            </a:p>
-            <a:p>
-              <a:pPr algn="ctr"/>
-              <a:r>
-                <a:rPr lang="zh-CN" altLang="en-US" sz="1600" dirty="0"/>
-                <a:t>应用程序</a:t>
-              </a:r>
-            </a:p>
-          </p:txBody>
-        </p:sp>
-      </p:grpSp>
-      <p:grpSp>
-        <p:nvGrpSpPr>
-          <p:cNvPr id="19" name="组合 18">
-            <a:extLst>
-              <a:ext uri="{FF2B5EF4-FFF2-40B4-BE49-F238E27FC236}">
-                <a16:creationId xmlns:a16="http://schemas.microsoft.com/office/drawing/2014/main" id="{677E6FC0-B05A-47C2-A3A7-9111AA7125B9}"/>
-              </a:ext>
-            </a:extLst>
-          </p:cNvPr>
-          <p:cNvGrpSpPr/>
-          <p:nvPr/>
-        </p:nvGrpSpPr>
-        <p:grpSpPr>
-          <a:xfrm>
-            <a:off x="6774623" y="5001002"/>
-            <a:ext cx="2554425" cy="1588051"/>
-            <a:chOff x="6543675" y="1408837"/>
-            <a:chExt cx="2554425" cy="1588051"/>
-          </a:xfrm>
-          <a:solidFill>
-            <a:schemeClr val="bg1"/>
-          </a:solidFill>
-        </p:grpSpPr>
-        <p:sp>
-          <p:nvSpPr>
-            <p:cNvPr id="20" name="矩形: 折角 19">
-              <a:extLst>
-                <a:ext uri="{FF2B5EF4-FFF2-40B4-BE49-F238E27FC236}">
-                  <a16:creationId xmlns:a16="http://schemas.microsoft.com/office/drawing/2014/main" id="{64256532-EA38-4E22-B617-D00A03BCCFB3}"/>
-                </a:ext>
-              </a:extLst>
-            </p:cNvPr>
-            <p:cNvSpPr/>
-            <p:nvPr/>
-          </p:nvSpPr>
-          <p:spPr>
-            <a:xfrm>
-              <a:off x="6543675" y="2415001"/>
-              <a:ext cx="1440000" cy="581887"/>
-            </a:xfrm>
-            <a:prstGeom prst="foldedCorner">
-              <a:avLst/>
-            </a:prstGeom>
-            <a:grpFill/>
-            <a:ln w="9525" cap="flat" cmpd="sng" algn="ctr">
-              <a:solidFill>
-                <a:schemeClr val="dk1"/>
-              </a:solidFill>
-              <a:prstDash val="solid"/>
-              <a:round/>
-              <a:headEnd type="none" w="med" len="med"/>
-              <a:tailEnd type="none" w="med" len="med"/>
-            </a:ln>
-          </p:spPr>
-          <p:style>
-            <a:lnRef idx="0">
-              <a:scrgbClr r="0" g="0" b="0"/>
-            </a:lnRef>
-            <a:fillRef idx="0">
-              <a:scrgbClr r="0" g="0" b="0"/>
-            </a:fillRef>
-            <a:effectRef idx="0">
-              <a:scrgbClr r="0" g="0" b="0"/>
-            </a:effectRef>
-            <a:fontRef idx="minor">
-              <a:schemeClr val="dk1"/>
-            </a:fontRef>
-          </p:style>
-          <p:txBody>
-            <a:bodyPr rtlCol="0" anchor="ctr"/>
-            <a:lstStyle/>
-            <a:p>
-              <a:pPr algn="ctr"/>
-              <a:r>
-                <a:rPr lang="en-US" altLang="zh-CN" dirty="0"/>
-                <a:t>Redis</a:t>
-              </a:r>
-              <a:r>
-                <a:rPr lang="zh-CN" altLang="en-US" dirty="0"/>
-                <a:t>缓存</a:t>
-              </a:r>
-            </a:p>
-          </p:txBody>
-        </p:sp>
-        <p:sp>
-          <p:nvSpPr>
-            <p:cNvPr id="21" name="流程图: 顺序访问存储器 20">
-              <a:extLst>
-                <a:ext uri="{FF2B5EF4-FFF2-40B4-BE49-F238E27FC236}">
-                  <a16:creationId xmlns:a16="http://schemas.microsoft.com/office/drawing/2014/main" id="{B2EBD314-0D61-47D2-A9C7-5745E30974F5}"/>
-                </a:ext>
-              </a:extLst>
-            </p:cNvPr>
-            <p:cNvSpPr/>
-            <p:nvPr/>
-          </p:nvSpPr>
-          <p:spPr>
-            <a:xfrm>
-              <a:off x="7658100" y="1408837"/>
-              <a:ext cx="1440000" cy="1440000"/>
-            </a:xfrm>
-            <a:prstGeom prst="flowChartMagneticTape">
-              <a:avLst/>
-            </a:prstGeom>
-            <a:grpFill/>
-          </p:spPr>
-          <p:style>
-            <a:lnRef idx="2">
-              <a:schemeClr val="dk1"/>
-            </a:lnRef>
-            <a:fillRef idx="1">
-              <a:schemeClr val="lt1"/>
-            </a:fillRef>
-            <a:effectRef idx="0">
-              <a:schemeClr val="dk1"/>
-            </a:effectRef>
-            <a:fontRef idx="minor">
-              <a:schemeClr val="dk1"/>
-            </a:fontRef>
-          </p:style>
-          <p:txBody>
-            <a:bodyPr rtlCol="0" anchor="ctr"/>
-            <a:lstStyle/>
-            <a:p>
-              <a:pPr algn="ctr"/>
-              <a:r>
-                <a:rPr lang="zh-CN" altLang="en-US" sz="1600" dirty="0"/>
-                <a:t>主机模式</a:t>
-              </a:r>
-              <a:endParaRPr lang="en-US" altLang="zh-CN" sz="1600" dirty="0"/>
-            </a:p>
-            <a:p>
-              <a:pPr algn="ctr"/>
-              <a:r>
-                <a:rPr lang="zh-CN" altLang="en-US" sz="1600" dirty="0"/>
-                <a:t>应用程序</a:t>
-              </a:r>
-            </a:p>
-          </p:txBody>
-        </p:sp>
-      </p:grpSp>
-      <p:grpSp>
-        <p:nvGrpSpPr>
-          <p:cNvPr id="22" name="组合 21">
-            <a:extLst>
-              <a:ext uri="{FF2B5EF4-FFF2-40B4-BE49-F238E27FC236}">
-                <a16:creationId xmlns:a16="http://schemas.microsoft.com/office/drawing/2014/main" id="{7DD0A493-3A84-4BD0-B295-41BC841E7CC7}"/>
-              </a:ext>
-            </a:extLst>
-          </p:cNvPr>
-          <p:cNvGrpSpPr/>
-          <p:nvPr/>
-        </p:nvGrpSpPr>
-        <p:grpSpPr>
-          <a:xfrm>
-            <a:off x="6774623" y="236849"/>
-            <a:ext cx="2554425" cy="1588051"/>
-            <a:chOff x="6543675" y="1408837"/>
-            <a:chExt cx="2554425" cy="1588051"/>
-          </a:xfrm>
-          <a:solidFill>
-            <a:schemeClr val="bg1"/>
-          </a:solidFill>
-        </p:grpSpPr>
-        <p:sp>
-          <p:nvSpPr>
-            <p:cNvPr id="23" name="矩形: 折角 22">
-              <a:extLst>
-                <a:ext uri="{FF2B5EF4-FFF2-40B4-BE49-F238E27FC236}">
-                  <a16:creationId xmlns:a16="http://schemas.microsoft.com/office/drawing/2014/main" id="{13C433C5-421A-46A0-8F33-DD92695275EE}"/>
-                </a:ext>
-              </a:extLst>
-            </p:cNvPr>
-            <p:cNvSpPr/>
-            <p:nvPr/>
-          </p:nvSpPr>
-          <p:spPr>
-            <a:xfrm>
-              <a:off x="6543675" y="2415001"/>
-              <a:ext cx="1440000" cy="581887"/>
-            </a:xfrm>
-            <a:prstGeom prst="foldedCorner">
-              <a:avLst/>
-            </a:prstGeom>
-            <a:grpFill/>
-            <a:ln w="9525" cap="flat" cmpd="sng" algn="ctr">
-              <a:solidFill>
-                <a:schemeClr val="dk1"/>
-              </a:solidFill>
-              <a:prstDash val="solid"/>
-              <a:round/>
-              <a:headEnd type="none" w="med" len="med"/>
-              <a:tailEnd type="none" w="med" len="med"/>
-            </a:ln>
-          </p:spPr>
-          <p:style>
-            <a:lnRef idx="0">
-              <a:scrgbClr r="0" g="0" b="0"/>
-            </a:lnRef>
-            <a:fillRef idx="0">
-              <a:scrgbClr r="0" g="0" b="0"/>
-            </a:fillRef>
-            <a:effectRef idx="0">
-              <a:scrgbClr r="0" g="0" b="0"/>
-            </a:effectRef>
-            <a:fontRef idx="minor">
-              <a:schemeClr val="dk1"/>
-            </a:fontRef>
-          </p:style>
-          <p:txBody>
-            <a:bodyPr rtlCol="0" anchor="ctr"/>
-            <a:lstStyle/>
-            <a:p>
-              <a:pPr algn="ctr"/>
-              <a:r>
-                <a:rPr lang="en-US" altLang="zh-CN" dirty="0"/>
-                <a:t>Redis</a:t>
-              </a:r>
-              <a:r>
-                <a:rPr lang="zh-CN" altLang="en-US" dirty="0"/>
-                <a:t>缓存</a:t>
-              </a:r>
-            </a:p>
-          </p:txBody>
-        </p:sp>
-        <p:sp>
-          <p:nvSpPr>
-            <p:cNvPr id="24" name="流程图: 顺序访问存储器 23">
-              <a:extLst>
-                <a:ext uri="{FF2B5EF4-FFF2-40B4-BE49-F238E27FC236}">
-                  <a16:creationId xmlns:a16="http://schemas.microsoft.com/office/drawing/2014/main" id="{BC1BC689-298A-4FAD-B1C7-7A3F75E6F17E}"/>
-                </a:ext>
-              </a:extLst>
-            </p:cNvPr>
-            <p:cNvSpPr/>
-            <p:nvPr/>
-          </p:nvSpPr>
-          <p:spPr>
-            <a:xfrm>
-              <a:off x="7658100" y="1408837"/>
-              <a:ext cx="1440000" cy="1440000"/>
-            </a:xfrm>
-            <a:prstGeom prst="flowChartMagneticTape">
-              <a:avLst/>
-            </a:prstGeom>
-            <a:grpFill/>
-          </p:spPr>
-          <p:style>
-            <a:lnRef idx="2">
-              <a:schemeClr val="dk1"/>
-            </a:lnRef>
-            <a:fillRef idx="1">
-              <a:schemeClr val="lt1"/>
-            </a:fillRef>
-            <a:effectRef idx="0">
-              <a:schemeClr val="dk1"/>
-            </a:effectRef>
-            <a:fontRef idx="minor">
-              <a:schemeClr val="dk1"/>
-            </a:fontRef>
-          </p:style>
-          <p:txBody>
-            <a:bodyPr rtlCol="0" anchor="ctr"/>
-            <a:lstStyle/>
-            <a:p>
-              <a:pPr algn="ctr"/>
-              <a:r>
-                <a:rPr lang="zh-CN" altLang="en-US" sz="1600" dirty="0"/>
-                <a:t>主机模式</a:t>
-              </a:r>
-              <a:endParaRPr lang="en-US" altLang="zh-CN" sz="1600" dirty="0"/>
-            </a:p>
-            <a:p>
-              <a:pPr algn="ctr"/>
-              <a:r>
-                <a:rPr lang="zh-CN" altLang="en-US" sz="1600" dirty="0"/>
-                <a:t>应用程序</a:t>
-              </a:r>
-            </a:p>
-          </p:txBody>
-        </p:sp>
-      </p:grpSp>
+            <a:off x="7124700" y="2709000"/>
+            <a:ext cx="1440000" cy="1440000"/>
+          </a:xfrm>
+          <a:prstGeom prst="flowChartMagneticTape">
+            <a:avLst/>
+          </a:prstGeom>
+        </p:spPr>
+        <p:style>
+          <a:lnRef idx="2">
+            <a:schemeClr val="dk1"/>
+          </a:lnRef>
+          <a:fillRef idx="1">
+            <a:schemeClr val="lt1"/>
+          </a:fillRef>
+          <a:effectRef idx="0">
+            <a:schemeClr val="dk1"/>
+          </a:effectRef>
+          <a:fontRef idx="minor">
+            <a:schemeClr val="dk1"/>
+          </a:fontRef>
+        </p:style>
+        <p:txBody>
+          <a:bodyPr rtlCol="0" anchor="ctr"/>
+          <a:lstStyle/>
+          <a:p>
+            <a:pPr algn="ctr"/>
+            <a:r>
+              <a:rPr lang="zh-CN" altLang="en-US" sz="1600" dirty="0"/>
+              <a:t>主机模式</a:t>
+            </a:r>
+            <a:endParaRPr lang="en-US" altLang="zh-CN" sz="1600" dirty="0"/>
+          </a:p>
+          <a:p>
+            <a:pPr algn="ctr"/>
+            <a:r>
+              <a:rPr lang="zh-CN" altLang="en-US" sz="1600" dirty="0"/>
+              <a:t>应用程序</a:t>
+            </a:r>
+          </a:p>
+        </p:txBody>
+      </p:sp>
       <p:cxnSp>
         <p:nvCxnSpPr>
-          <p:cNvPr id="3" name="连接符: 肘形 2">
-            <a:extLst>
-              <a:ext uri="{FF2B5EF4-FFF2-40B4-BE49-F238E27FC236}">
-                <a16:creationId xmlns:a16="http://schemas.microsoft.com/office/drawing/2014/main" id="{E6CDABE3-27AE-4998-A695-F45D50097D48}"/>
+          <p:cNvPr id="28" name="直接连接符 27">
+            <a:extLst>
+              <a:ext uri="{FF2B5EF4-FFF2-40B4-BE49-F238E27FC236}">
+                <a16:creationId xmlns:a16="http://schemas.microsoft.com/office/drawing/2014/main" id="{8F02E75A-8797-4CA7-9257-6015B11C56BC}"/>
               </a:ext>
             </a:extLst>
           </p:cNvPr>
           <p:cNvCxnSpPr>
-            <a:stCxn id="23" idx="1"/>
-            <a:endCxn id="11" idx="1"/>
+            <a:stCxn id="25" idx="3"/>
+            <a:endCxn id="26" idx="1"/>
           </p:cNvCxnSpPr>
           <p:nvPr/>
         </p:nvCxnSpPr>
         <p:spPr>
-          <a:xfrm rot="10800000" flipV="1">
-            <a:off x="6774623" y="1533956"/>
-            <a:ext cx="12700" cy="1588051"/>
-          </a:xfrm>
-          <a:prstGeom prst="bentConnector3">
-            <a:avLst>
-              <a:gd name="adj1" fmla="val 1800000"/>
-            </a:avLst>
+          <a:xfrm>
+            <a:off x="6096000" y="2218463"/>
+            <a:ext cx="1028700" cy="1210537"/>
+          </a:xfrm>
+          <a:prstGeom prst="line">
+            <a:avLst/>
           </a:prstGeom>
         </p:spPr>
         <p:style>
@@ -18917,30 +19563,29 @@
       </p:cxnSp>
       <p:cxnSp>
         <p:nvCxnSpPr>
-          <p:cNvPr id="33" name="连接符: 肘形 32">
-            <a:extLst>
-              <a:ext uri="{FF2B5EF4-FFF2-40B4-BE49-F238E27FC236}">
-                <a16:creationId xmlns:a16="http://schemas.microsoft.com/office/drawing/2014/main" id="{993D1432-4A16-4686-B748-504A98D0CBED}"/>
+          <p:cNvPr id="29" name="直接连接符 28">
+            <a:extLst>
+              <a:ext uri="{FF2B5EF4-FFF2-40B4-BE49-F238E27FC236}">
+                <a16:creationId xmlns:a16="http://schemas.microsoft.com/office/drawing/2014/main" id="{D187D76F-8079-4C47-B298-9766EA9B3664}"/>
               </a:ext>
             </a:extLst>
           </p:cNvPr>
           <p:cNvCxnSpPr>
             <a:cxnSpLocks/>
-            <a:stCxn id="11" idx="1"/>
-            <a:endCxn id="17" idx="1"/>
+            <a:stCxn id="24" idx="4"/>
+            <a:endCxn id="26" idx="1"/>
           </p:cNvCxnSpPr>
           <p:nvPr/>
         </p:nvCxnSpPr>
         <p:spPr>
-          <a:xfrm rot="10800000" flipV="1">
-            <a:off x="6774623" y="3122007"/>
-            <a:ext cx="12700" cy="1588051"/>
-          </a:xfrm>
-          <a:prstGeom prst="bentConnector3">
-            <a:avLst>
-              <a:gd name="adj1" fmla="val 1800000"/>
-            </a:avLst>
+          <a:xfrm flipV="1">
+            <a:off x="6096000" y="3429000"/>
+            <a:ext cx="1028700" cy="881925"/>
+          </a:xfrm>
+          <a:prstGeom prst="line">
+            <a:avLst/>
           </a:prstGeom>
+          <a:ln w="38100"/>
         </p:spPr>
         <p:style>
           <a:lnRef idx="1">
@@ -18957,52 +19602,45 @@
           </a:fontRef>
         </p:style>
       </p:cxnSp>
-      <p:cxnSp>
-        <p:nvCxnSpPr>
-          <p:cNvPr id="37" name="连接符: 肘形 36">
-            <a:extLst>
-              <a:ext uri="{FF2B5EF4-FFF2-40B4-BE49-F238E27FC236}">
-                <a16:creationId xmlns:a16="http://schemas.microsoft.com/office/drawing/2014/main" id="{3C189CA8-1003-4F9F-B6DB-094DEB074271}"/>
-              </a:ext>
-            </a:extLst>
-          </p:cNvPr>
-          <p:cNvCxnSpPr>
-            <a:cxnSpLocks/>
-            <a:stCxn id="17" idx="1"/>
-            <a:endCxn id="20" idx="1"/>
-          </p:cNvCxnSpPr>
+      <p:sp>
+        <p:nvSpPr>
+          <p:cNvPr id="30" name="文本框 29">
+            <a:extLst>
+              <a:ext uri="{FF2B5EF4-FFF2-40B4-BE49-F238E27FC236}">
+                <a16:creationId xmlns:a16="http://schemas.microsoft.com/office/drawing/2014/main" id="{946A0FF3-FA24-4BE1-8C59-E3EEAC30A189}"/>
+              </a:ext>
+            </a:extLst>
+          </p:cNvPr>
+          <p:cNvSpPr txBox="1"/>
           <p:nvPr/>
-        </p:nvCxnSpPr>
+        </p:nvSpPr>
         <p:spPr>
-          <a:xfrm rot="10800000" flipV="1">
-            <a:off x="6774623" y="4710058"/>
-            <a:ext cx="12700" cy="1588051"/>
-          </a:xfrm>
-          <a:prstGeom prst="bentConnector3">
-            <a:avLst>
-              <a:gd name="adj1" fmla="val 1800000"/>
-            </a:avLst>
+          <a:xfrm>
+            <a:off x="8564700" y="3860631"/>
+            <a:ext cx="1311578" cy="369332"/>
+          </a:xfrm>
+          <a:prstGeom prst="rect">
+            <a:avLst/>
           </a:prstGeom>
+          <a:noFill/>
         </p:spPr>
-        <p:style>
-          <a:lnRef idx="1">
-            <a:schemeClr val="dk1"/>
-          </a:lnRef>
-          <a:fillRef idx="0">
-            <a:schemeClr val="dk1"/>
-          </a:fillRef>
-          <a:effectRef idx="0">
-            <a:schemeClr val="dk1"/>
-          </a:effectRef>
-          <a:fontRef idx="minor">
-            <a:schemeClr val="tx1"/>
-          </a:fontRef>
-        </p:style>
-      </p:cxnSp>
+        <p:txBody>
+          <a:bodyPr wrap="none" rtlCol="0">
+            <a:spAutoFit/>
+          </a:bodyPr>
+          <a:lstStyle/>
+          <a:p>
+            <a:r>
+              <a:rPr lang="en-US" altLang="zh-CN" dirty="0"/>
+              <a:t>RESTful API</a:t>
+            </a:r>
+          </a:p>
+        </p:txBody>
+      </p:sp>
     </p:spTree>
     <p:extLst>
       <p:ext uri="{BB962C8B-B14F-4D97-AF65-F5344CB8AC3E}">
-        <p14:creationId xmlns:p14="http://schemas.microsoft.com/office/powerpoint/2010/main" val="627179383"/>
+        <p14:creationId xmlns:p14="http://schemas.microsoft.com/office/powerpoint/2010/main" val="1985568644"/>
       </p:ext>
     </p:extLst>
   </p:cSld>

--- a/设计图.pptx
+++ b/设计图.pptx
@@ -276,7 +276,7 @@
           <a:p>
             <a:fld id="{16DB8297-A855-470F-B671-7CAC9B1953F8}" type="datetimeFigureOut">
               <a:rPr lang="zh-CN" altLang="en-US" smtClean="0"/>
-              <a:t>2019/10/21</a:t>
+              <a:t>2020/4/15</a:t>
             </a:fld>
             <a:endParaRPr lang="zh-CN" altLang="en-US"/>
           </a:p>
@@ -474,7 +474,7 @@
           <a:p>
             <a:fld id="{16DB8297-A855-470F-B671-7CAC9B1953F8}" type="datetimeFigureOut">
               <a:rPr lang="zh-CN" altLang="en-US" smtClean="0"/>
-              <a:t>2019/10/21</a:t>
+              <a:t>2020/4/15</a:t>
             </a:fld>
             <a:endParaRPr lang="zh-CN" altLang="en-US"/>
           </a:p>
@@ -682,7 +682,7 @@
           <a:p>
             <a:fld id="{16DB8297-A855-470F-B671-7CAC9B1953F8}" type="datetimeFigureOut">
               <a:rPr lang="zh-CN" altLang="en-US" smtClean="0"/>
-              <a:t>2019/10/21</a:t>
+              <a:t>2020/4/15</a:t>
             </a:fld>
             <a:endParaRPr lang="zh-CN" altLang="en-US"/>
           </a:p>
@@ -880,7 +880,7 @@
           <a:p>
             <a:fld id="{16DB8297-A855-470F-B671-7CAC9B1953F8}" type="datetimeFigureOut">
               <a:rPr lang="zh-CN" altLang="en-US" smtClean="0"/>
-              <a:t>2019/10/21</a:t>
+              <a:t>2020/4/15</a:t>
             </a:fld>
             <a:endParaRPr lang="zh-CN" altLang="en-US"/>
           </a:p>
@@ -1155,7 +1155,7 @@
           <a:p>
             <a:fld id="{16DB8297-A855-470F-B671-7CAC9B1953F8}" type="datetimeFigureOut">
               <a:rPr lang="zh-CN" altLang="en-US" smtClean="0"/>
-              <a:t>2019/10/21</a:t>
+              <a:t>2020/4/15</a:t>
             </a:fld>
             <a:endParaRPr lang="zh-CN" altLang="en-US"/>
           </a:p>
@@ -1420,7 +1420,7 @@
           <a:p>
             <a:fld id="{16DB8297-A855-470F-B671-7CAC9B1953F8}" type="datetimeFigureOut">
               <a:rPr lang="zh-CN" altLang="en-US" smtClean="0"/>
-              <a:t>2019/10/21</a:t>
+              <a:t>2020/4/15</a:t>
             </a:fld>
             <a:endParaRPr lang="zh-CN" altLang="en-US"/>
           </a:p>
@@ -1832,7 +1832,7 @@
           <a:p>
             <a:fld id="{16DB8297-A855-470F-B671-7CAC9B1953F8}" type="datetimeFigureOut">
               <a:rPr lang="zh-CN" altLang="en-US" smtClean="0"/>
-              <a:t>2019/10/21</a:t>
+              <a:t>2020/4/15</a:t>
             </a:fld>
             <a:endParaRPr lang="zh-CN" altLang="en-US"/>
           </a:p>
@@ -1973,7 +1973,7 @@
           <a:p>
             <a:fld id="{16DB8297-A855-470F-B671-7CAC9B1953F8}" type="datetimeFigureOut">
               <a:rPr lang="zh-CN" altLang="en-US" smtClean="0"/>
-              <a:t>2019/10/21</a:t>
+              <a:t>2020/4/15</a:t>
             </a:fld>
             <a:endParaRPr lang="zh-CN" altLang="en-US"/>
           </a:p>
@@ -2086,7 +2086,7 @@
           <a:p>
             <a:fld id="{16DB8297-A855-470F-B671-7CAC9B1953F8}" type="datetimeFigureOut">
               <a:rPr lang="zh-CN" altLang="en-US" smtClean="0"/>
-              <a:t>2019/10/21</a:t>
+              <a:t>2020/4/15</a:t>
             </a:fld>
             <a:endParaRPr lang="zh-CN" altLang="en-US"/>
           </a:p>
@@ -2397,7 +2397,7 @@
           <a:p>
             <a:fld id="{16DB8297-A855-470F-B671-7CAC9B1953F8}" type="datetimeFigureOut">
               <a:rPr lang="zh-CN" altLang="en-US" smtClean="0"/>
-              <a:t>2019/10/21</a:t>
+              <a:t>2020/4/15</a:t>
             </a:fld>
             <a:endParaRPr lang="zh-CN" altLang="en-US"/>
           </a:p>
@@ -2685,7 +2685,7 @@
           <a:p>
             <a:fld id="{16DB8297-A855-470F-B671-7CAC9B1953F8}" type="datetimeFigureOut">
               <a:rPr lang="zh-CN" altLang="en-US" smtClean="0"/>
-              <a:t>2019/10/21</a:t>
+              <a:t>2020/4/15</a:t>
             </a:fld>
             <a:endParaRPr lang="zh-CN" altLang="en-US"/>
           </a:p>
@@ -2926,7 +2926,7 @@
           <a:p>
             <a:fld id="{16DB8297-A855-470F-B671-7CAC9B1953F8}" type="datetimeFigureOut">
               <a:rPr lang="zh-CN" altLang="en-US" smtClean="0"/>
-              <a:t>2019/10/21</a:t>
+              <a:t>2020/4/15</a:t>
             </a:fld>
             <a:endParaRPr lang="zh-CN" altLang="en-US"/>
           </a:p>
@@ -3366,7 +3366,7 @@
           <a:p>
             <a:r>
               <a:rPr lang="zh-CN" altLang="en-US" dirty="0"/>
-              <a:t>分布式用户验证服务</a:t>
+              <a:t>用户信息库</a:t>
             </a:r>
           </a:p>
         </p:txBody>
@@ -9464,7 +9464,7 @@
               <a:pPr algn="ctr"/>
               <a:r>
                 <a:rPr lang="zh-CN" altLang="en-US" dirty="0"/>
-                <a:t>修改用户（改密码）</a:t>
+                <a:t>修改用户信息</a:t>
               </a:r>
               <a:endParaRPr lang="en-US" altLang="zh-CN" dirty="0"/>
             </a:p>
@@ -12078,7 +12078,7 @@
               <a:pPr algn="ctr"/>
               <a:r>
                 <a:rPr lang="zh-CN" altLang="en-US" dirty="0"/>
-                <a:t>更新用户密码</a:t>
+                <a:t>更新用户信息</a:t>
               </a:r>
               <a:endParaRPr lang="en-US" altLang="zh-CN" dirty="0"/>
             </a:p>
@@ -17048,6 +17048,54 @@
           </a:p>
         </p:txBody>
       </p:sp>
+      <p:sp>
+        <p:nvSpPr>
+          <p:cNvPr id="14" name="内容占位符 2">
+            <a:extLst>
+              <a:ext uri="{FF2B5EF4-FFF2-40B4-BE49-F238E27FC236}">
+                <a16:creationId xmlns:a16="http://schemas.microsoft.com/office/drawing/2014/main" id="{6D6CB231-7E8F-4CF6-978B-6B2C9D92825A}"/>
+              </a:ext>
+            </a:extLst>
+          </p:cNvPr>
+          <p:cNvSpPr>
+            <a:spLocks noGrp="1"/>
+          </p:cNvSpPr>
+          <p:nvPr>
+            <p:ph idx="1"/>
+          </p:nvPr>
+        </p:nvSpPr>
+        <p:spPr>
+          <a:xfrm>
+            <a:off x="838200" y="1825625"/>
+            <a:ext cx="10515600" cy="4351338"/>
+          </a:xfrm>
+        </p:spPr>
+        <p:txBody>
+          <a:bodyPr/>
+          <a:lstStyle/>
+          <a:p>
+            <a:r>
+              <a:rPr lang="zh-CN" altLang="en-US" dirty="0"/>
+              <a:t>保证快速、可靠、可扩展的用户查询服务</a:t>
+            </a:r>
+            <a:endParaRPr lang="en-US" altLang="zh-CN" dirty="0"/>
+          </a:p>
+          <a:p>
+            <a:r>
+              <a:rPr lang="zh-CN" altLang="en-US" dirty="0"/>
+              <a:t>为其他服务提供用户验证服务</a:t>
+            </a:r>
+            <a:endParaRPr lang="en-US" altLang="zh-CN" dirty="0"/>
+          </a:p>
+          <a:p>
+            <a:r>
+              <a:rPr lang="zh-CN" altLang="en-US" dirty="0"/>
+              <a:t>用户信息统一管理</a:t>
+            </a:r>
+            <a:endParaRPr lang="en-US" altLang="zh-CN" dirty="0"/>
+          </a:p>
+        </p:txBody>
+      </p:sp>
       <p:grpSp>
         <p:nvGrpSpPr>
           <p:cNvPr id="13" name="组合 12">
@@ -17062,10 +17110,10 @@
         </p:nvGrpSpPr>
         <p:grpSpPr>
           <a:xfrm>
-            <a:off x="5436066" y="507298"/>
-            <a:ext cx="6646174" cy="5843403"/>
-            <a:chOff x="3769826" y="483187"/>
-            <a:chExt cx="6646174" cy="5843403"/>
+            <a:off x="4972051" y="507298"/>
+            <a:ext cx="7110189" cy="5843403"/>
+            <a:chOff x="3305811" y="483187"/>
+            <a:chExt cx="7110189" cy="5843403"/>
           </a:xfrm>
         </p:grpSpPr>
         <p:sp>
@@ -17082,8 +17130,8 @@
           </p:nvSpPr>
           <p:spPr>
             <a:xfrm>
-              <a:off x="3769826" y="2758251"/>
-              <a:ext cx="1335186" cy="670749"/>
+              <a:off x="3305811" y="2758251"/>
+              <a:ext cx="1799202" cy="670749"/>
             </a:xfrm>
             <a:prstGeom prst="rightArrow">
               <a:avLst/>
@@ -17110,7 +17158,7 @@
               <a:pPr algn="ctr"/>
               <a:r>
                 <a:rPr lang="zh-CN" altLang="en-US" dirty="0"/>
-                <a:t>用户注册</a:t>
+                <a:t>用户信息注册</a:t>
               </a:r>
             </a:p>
           </p:txBody>
@@ -17129,8 +17177,8 @@
           </p:nvSpPr>
           <p:spPr>
             <a:xfrm>
-              <a:off x="3769826" y="3429000"/>
-              <a:ext cx="1335186" cy="670749"/>
+              <a:off x="3305811" y="3429000"/>
+              <a:ext cx="1799202" cy="670749"/>
             </a:xfrm>
             <a:prstGeom prst="rightArrow">
               <a:avLst/>
@@ -17157,7 +17205,7 @@
               <a:pPr algn="ctr"/>
               <a:r>
                 <a:rPr lang="zh-CN" altLang="en-US" dirty="0"/>
-                <a:t>修改密码</a:t>
+                <a:t>用户信息修改</a:t>
               </a:r>
             </a:p>
           </p:txBody>
@@ -17439,7 +17487,7 @@
               <a:pPr algn="ctr"/>
               <a:r>
                 <a:rPr lang="zh-CN" altLang="en-US" dirty="0"/>
-                <a:t>用户名密码验证</a:t>
+                <a:t>用户信息获取</a:t>
               </a:r>
             </a:p>
           </p:txBody>
@@ -17486,60 +17534,12 @@
               <a:pPr algn="ctr"/>
               <a:r>
                 <a:rPr lang="zh-CN" altLang="en-US" dirty="0"/>
-                <a:t>用户名密码验证</a:t>
+                <a:t>用户信息查询</a:t>
               </a:r>
             </a:p>
           </p:txBody>
         </p:sp>
       </p:grpSp>
-      <p:sp>
-        <p:nvSpPr>
-          <p:cNvPr id="14" name="内容占位符 2">
-            <a:extLst>
-              <a:ext uri="{FF2B5EF4-FFF2-40B4-BE49-F238E27FC236}">
-                <a16:creationId xmlns:a16="http://schemas.microsoft.com/office/drawing/2014/main" id="{6D6CB231-7E8F-4CF6-978B-6B2C9D92825A}"/>
-              </a:ext>
-            </a:extLst>
-          </p:cNvPr>
-          <p:cNvSpPr>
-            <a:spLocks noGrp="1"/>
-          </p:cNvSpPr>
-          <p:nvPr>
-            <p:ph idx="1"/>
-          </p:nvPr>
-        </p:nvSpPr>
-        <p:spPr>
-          <a:xfrm>
-            <a:off x="838200" y="1825625"/>
-            <a:ext cx="10515600" cy="4351338"/>
-          </a:xfrm>
-        </p:spPr>
-        <p:txBody>
-          <a:bodyPr/>
-          <a:lstStyle/>
-          <a:p>
-            <a:r>
-              <a:rPr lang="zh-CN" altLang="en-US" dirty="0"/>
-              <a:t>保证快速、可靠、可扩展的用户查询服务</a:t>
-            </a:r>
-            <a:endParaRPr lang="en-US" altLang="zh-CN" dirty="0"/>
-          </a:p>
-          <a:p>
-            <a:r>
-              <a:rPr lang="zh-CN" altLang="en-US" dirty="0"/>
-              <a:t>为其他服务提供用户验证服务</a:t>
-            </a:r>
-            <a:endParaRPr lang="en-US" altLang="zh-CN" dirty="0"/>
-          </a:p>
-          <a:p>
-            <a:r>
-              <a:rPr lang="zh-CN" altLang="en-US" dirty="0"/>
-              <a:t>用户信息统一管理</a:t>
-            </a:r>
-            <a:endParaRPr lang="en-US" altLang="zh-CN" dirty="0"/>
-          </a:p>
-        </p:txBody>
-      </p:sp>
     </p:spTree>
     <p:extLst>
       <p:ext uri="{BB962C8B-B14F-4D97-AF65-F5344CB8AC3E}">

--- a/设计图.pptx
+++ b/设计图.pptx
@@ -276,7 +276,7 @@
           <a:p>
             <a:fld id="{16DB8297-A855-470F-B671-7CAC9B1953F8}" type="datetimeFigureOut">
               <a:rPr lang="zh-CN" altLang="en-US" smtClean="0"/>
-              <a:t>2020/4/15</a:t>
+              <a:t>2020/4/29</a:t>
             </a:fld>
             <a:endParaRPr lang="zh-CN" altLang="en-US"/>
           </a:p>
@@ -474,7 +474,7 @@
           <a:p>
             <a:fld id="{16DB8297-A855-470F-B671-7CAC9B1953F8}" type="datetimeFigureOut">
               <a:rPr lang="zh-CN" altLang="en-US" smtClean="0"/>
-              <a:t>2020/4/15</a:t>
+              <a:t>2020/4/29</a:t>
             </a:fld>
             <a:endParaRPr lang="zh-CN" altLang="en-US"/>
           </a:p>
@@ -682,7 +682,7 @@
           <a:p>
             <a:fld id="{16DB8297-A855-470F-B671-7CAC9B1953F8}" type="datetimeFigureOut">
               <a:rPr lang="zh-CN" altLang="en-US" smtClean="0"/>
-              <a:t>2020/4/15</a:t>
+              <a:t>2020/4/29</a:t>
             </a:fld>
             <a:endParaRPr lang="zh-CN" altLang="en-US"/>
           </a:p>
@@ -880,7 +880,7 @@
           <a:p>
             <a:fld id="{16DB8297-A855-470F-B671-7CAC9B1953F8}" type="datetimeFigureOut">
               <a:rPr lang="zh-CN" altLang="en-US" smtClean="0"/>
-              <a:t>2020/4/15</a:t>
+              <a:t>2020/4/29</a:t>
             </a:fld>
             <a:endParaRPr lang="zh-CN" altLang="en-US"/>
           </a:p>
@@ -1155,7 +1155,7 @@
           <a:p>
             <a:fld id="{16DB8297-A855-470F-B671-7CAC9B1953F8}" type="datetimeFigureOut">
               <a:rPr lang="zh-CN" altLang="en-US" smtClean="0"/>
-              <a:t>2020/4/15</a:t>
+              <a:t>2020/4/29</a:t>
             </a:fld>
             <a:endParaRPr lang="zh-CN" altLang="en-US"/>
           </a:p>
@@ -1420,7 +1420,7 @@
           <a:p>
             <a:fld id="{16DB8297-A855-470F-B671-7CAC9B1953F8}" type="datetimeFigureOut">
               <a:rPr lang="zh-CN" altLang="en-US" smtClean="0"/>
-              <a:t>2020/4/15</a:t>
+              <a:t>2020/4/29</a:t>
             </a:fld>
             <a:endParaRPr lang="zh-CN" altLang="en-US"/>
           </a:p>
@@ -1832,7 +1832,7 @@
           <a:p>
             <a:fld id="{16DB8297-A855-470F-B671-7CAC9B1953F8}" type="datetimeFigureOut">
               <a:rPr lang="zh-CN" altLang="en-US" smtClean="0"/>
-              <a:t>2020/4/15</a:t>
+              <a:t>2020/4/29</a:t>
             </a:fld>
             <a:endParaRPr lang="zh-CN" altLang="en-US"/>
           </a:p>
@@ -1973,7 +1973,7 @@
           <a:p>
             <a:fld id="{16DB8297-A855-470F-B671-7CAC9B1953F8}" type="datetimeFigureOut">
               <a:rPr lang="zh-CN" altLang="en-US" smtClean="0"/>
-              <a:t>2020/4/15</a:t>
+              <a:t>2020/4/29</a:t>
             </a:fld>
             <a:endParaRPr lang="zh-CN" altLang="en-US"/>
           </a:p>
@@ -2086,7 +2086,7 @@
           <a:p>
             <a:fld id="{16DB8297-A855-470F-B671-7CAC9B1953F8}" type="datetimeFigureOut">
               <a:rPr lang="zh-CN" altLang="en-US" smtClean="0"/>
-              <a:t>2020/4/15</a:t>
+              <a:t>2020/4/29</a:t>
             </a:fld>
             <a:endParaRPr lang="zh-CN" altLang="en-US"/>
           </a:p>
@@ -2397,7 +2397,7 @@
           <a:p>
             <a:fld id="{16DB8297-A855-470F-B671-7CAC9B1953F8}" type="datetimeFigureOut">
               <a:rPr lang="zh-CN" altLang="en-US" smtClean="0"/>
-              <a:t>2020/4/15</a:t>
+              <a:t>2020/4/29</a:t>
             </a:fld>
             <a:endParaRPr lang="zh-CN" altLang="en-US"/>
           </a:p>
@@ -2685,7 +2685,7 @@
           <a:p>
             <a:fld id="{16DB8297-A855-470F-B671-7CAC9B1953F8}" type="datetimeFigureOut">
               <a:rPr lang="zh-CN" altLang="en-US" smtClean="0"/>
-              <a:t>2020/4/15</a:t>
+              <a:t>2020/4/29</a:t>
             </a:fld>
             <a:endParaRPr lang="zh-CN" altLang="en-US"/>
           </a:p>
@@ -2926,7 +2926,7 @@
           <a:p>
             <a:fld id="{16DB8297-A855-470F-B671-7CAC9B1953F8}" type="datetimeFigureOut">
               <a:rPr lang="zh-CN" altLang="en-US" smtClean="0"/>
-              <a:t>2020/4/15</a:t>
+              <a:t>2020/4/29</a:t>
             </a:fld>
             <a:endParaRPr lang="zh-CN" altLang="en-US"/>
           </a:p>
@@ -9178,19 +9178,14 @@
             </a:fontRef>
           </p:style>
           <p:txBody>
-            <a:bodyPr rtlCol="0" anchor="ctr"/>
+            <a:bodyPr rtlCol="0" anchor="t"/>
             <a:lstStyle/>
             <a:p>
               <a:pPr algn="ctr"/>
               <a:r>
                 <a:rPr lang="zh-CN" altLang="en-US" dirty="0"/>
-                <a:t>新增用户（注册）</a:t>
+                <a:t>用户注册</a:t>
               </a:r>
-              <a:endParaRPr lang="en-US" altLang="zh-CN" dirty="0"/>
-            </a:p>
-            <a:p>
-              <a:pPr algn="ctr"/>
-              <a:endParaRPr lang="zh-CN" altLang="en-US" dirty="0"/>
             </a:p>
           </p:txBody>
         </p:sp>
@@ -9318,19 +9313,15 @@
             </a:fontRef>
           </p:style>
           <p:txBody>
-            <a:bodyPr rtlCol="0" anchor="ctr"/>
+            <a:bodyPr rtlCol="0" anchor="t"/>
             <a:lstStyle/>
             <a:p>
               <a:pPr algn="ctr"/>
               <a:r>
                 <a:rPr lang="zh-CN" altLang="en-US" dirty="0"/>
-                <a:t>验证用户（登录）</a:t>
+                <a:t>用户验证</a:t>
               </a:r>
               <a:endParaRPr lang="en-US" altLang="zh-CN" dirty="0"/>
-            </a:p>
-            <a:p>
-              <a:pPr algn="ctr"/>
-              <a:endParaRPr lang="zh-CN" altLang="en-US" dirty="0"/>
             </a:p>
           </p:txBody>
         </p:sp>
@@ -9458,19 +9449,14 @@
             </a:fontRef>
           </p:style>
           <p:txBody>
-            <a:bodyPr rtlCol="0" anchor="ctr"/>
+            <a:bodyPr rtlCol="0" anchor="t"/>
             <a:lstStyle/>
             <a:p>
               <a:pPr algn="ctr"/>
               <a:r>
                 <a:rPr lang="zh-CN" altLang="en-US" dirty="0"/>
-                <a:t>修改用户信息</a:t>
+                <a:t>密码修改</a:t>
               </a:r>
-              <a:endParaRPr lang="en-US" altLang="zh-CN" dirty="0"/>
-            </a:p>
-            <a:p>
-              <a:pPr algn="ctr"/>
-              <a:endParaRPr lang="zh-CN" altLang="en-US" dirty="0"/>
             </a:p>
           </p:txBody>
         </p:sp>
